--- a/Project/Code/Project 1 - Budweiser - JNC.pptx
+++ b/Project/Code/Project 1 - Budweiser - JNC.pptx
@@ -5,14 +5,15 @@
     <p:sldMasterId id="2147483648" r:id="rId1"/>
   </p:sldMasterIdLst>
   <p:notesMasterIdLst>
-    <p:notesMasterId r:id="rId7"/>
+    <p:notesMasterId r:id="rId8"/>
   </p:notesMasterIdLst>
   <p:sldIdLst>
     <p:sldId id="256" r:id="rId2"/>
     <p:sldId id="257" r:id="rId3"/>
     <p:sldId id="259" r:id="rId4"/>
     <p:sldId id="258" r:id="rId5"/>
-    <p:sldId id="260" r:id="rId6"/>
+    <p:sldId id="262" r:id="rId6"/>
+    <p:sldId id="263" r:id="rId7"/>
   </p:sldIdLst>
   <p:sldSz cx="12192000" cy="6858000"/>
   <p:notesSz cx="6858000" cy="9144000"/>
@@ -111,6 +112,14 @@
       </a:defRPr>
     </a:lvl9pPr>
   </p:defaultTextStyle>
+  <p:extLst>
+    <p:ext uri="{EFAFB233-063F-42B5-8137-9DF3F51BA10A}">
+      <p15:sldGuideLst xmlns:p15="http://schemas.microsoft.com/office/powerpoint/2012/main"/>
+    </p:ext>
+    <p:ext uri="{2D200454-40CA-4A62-9FC3-DE9A4176ACB9}">
+      <p15:notesGuideLst xmlns:p15="http://schemas.microsoft.com/office/powerpoint/2012/main"/>
+    </p:ext>
+  </p:extLst>
 </p:presentation>
 </file>
 
@@ -118,8 +127,967 @@
 <p1510:revInfo xmlns:a="http://schemas.openxmlformats.org/drawingml/2006/main" xmlns:r="http://schemas.openxmlformats.org/officeDocument/2006/relationships" xmlns:p1510="http://schemas.microsoft.com/office/powerpoint/2015/10/main">
   <p1510:revLst>
     <p1510:client id="{DB6F7F0C-A5AF-469B-89A6-87D6CEFD92D4}" v="90" dt="2019-02-28T06:29:23.032"/>
+    <p1510:client id="{2A6677EF-F744-4575-9C34-D6B85F32ECB1}" v="59" dt="2019-02-28T21:17:24.834"/>
   </p1510:revLst>
 </p1510:revInfo>
+</file>
+
+<file path=ppt/changesInfos/changesInfo1.xml><?xml version="1.0" encoding="utf-8"?>
+<pc:chgInfo xmlns:a="http://schemas.openxmlformats.org/drawingml/2006/main" xmlns:r="http://schemas.openxmlformats.org/officeDocument/2006/relationships" xmlns:ac="http://schemas.microsoft.com/office/drawing/2013/main/command" xmlns:pc="http://schemas.microsoft.com/office/powerpoint/2013/main/command">
+  <pc:docChgLst>
+    <pc:chgData name="Jasmine Coleman" userId="4cc2aa29-ef1f-452c-9851-7cf6c71e79fd" providerId="ADAL" clId="{2A6677EF-F744-4575-9C34-D6B85F32ECB1}"/>
+    <pc:docChg chg="undo custSel mod addSld modSld sldOrd">
+      <pc:chgData name="Jasmine Coleman" userId="4cc2aa29-ef1f-452c-9851-7cf6c71e79fd" providerId="ADAL" clId="{2A6677EF-F744-4575-9C34-D6B85F32ECB1}" dt="2019-02-28T21:18:00.578" v="696" actId="1076"/>
+      <pc:docMkLst>
+        <pc:docMk/>
+      </pc:docMkLst>
+      <pc:sldChg chg="addSp delSp modSp">
+        <pc:chgData name="Jasmine Coleman" userId="4cc2aa29-ef1f-452c-9851-7cf6c71e79fd" providerId="ADAL" clId="{2A6677EF-F744-4575-9C34-D6B85F32ECB1}" dt="2019-02-28T20:42:47.466" v="211" actId="1076"/>
+        <pc:sldMkLst>
+          <pc:docMk/>
+          <pc:sldMk cId="2715528294" sldId="258"/>
+        </pc:sldMkLst>
+        <pc:spChg chg="mod">
+          <ac:chgData name="Jasmine Coleman" userId="4cc2aa29-ef1f-452c-9851-7cf6c71e79fd" providerId="ADAL" clId="{2A6677EF-F744-4575-9C34-D6B85F32ECB1}" dt="2019-02-28T20:42:47.466" v="211" actId="1076"/>
+          <ac:spMkLst>
+            <pc:docMk/>
+            <pc:sldMk cId="2715528294" sldId="258"/>
+            <ac:spMk id="2" creationId="{BB66CC78-9A80-426B-9132-CE057ABB0549}"/>
+          </ac:spMkLst>
+        </pc:spChg>
+        <pc:spChg chg="add del mod">
+          <ac:chgData name="Jasmine Coleman" userId="4cc2aa29-ef1f-452c-9851-7cf6c71e79fd" providerId="ADAL" clId="{2A6677EF-F744-4575-9C34-D6B85F32ECB1}" dt="2019-02-28T20:07:56.823" v="106" actId="478"/>
+          <ac:spMkLst>
+            <pc:docMk/>
+            <pc:sldMk cId="2715528294" sldId="258"/>
+            <ac:spMk id="5" creationId="{F01759D7-57D4-4627-AC1B-DBFA26C778D3}"/>
+          </ac:spMkLst>
+        </pc:spChg>
+        <pc:picChg chg="add del mod">
+          <ac:chgData name="Jasmine Coleman" userId="4cc2aa29-ef1f-452c-9851-7cf6c71e79fd" providerId="ADAL" clId="{2A6677EF-F744-4575-9C34-D6B85F32ECB1}" dt="2019-02-28T20:06:06.719" v="42"/>
+          <ac:picMkLst>
+            <pc:docMk/>
+            <pc:sldMk cId="2715528294" sldId="258"/>
+            <ac:picMk id="3" creationId="{F4ECB76B-4F9B-4AEE-A2FD-C6BBF7BF2C0D}"/>
+          </ac:picMkLst>
+        </pc:picChg>
+        <pc:picChg chg="add del mod">
+          <ac:chgData name="Jasmine Coleman" userId="4cc2aa29-ef1f-452c-9851-7cf6c71e79fd" providerId="ADAL" clId="{2A6677EF-F744-4575-9C34-D6B85F32ECB1}" dt="2019-02-28T20:06:56.289" v="53"/>
+          <ac:picMkLst>
+            <pc:docMk/>
+            <pc:sldMk cId="2715528294" sldId="258"/>
+            <ac:picMk id="4" creationId="{89ED0BC4-A4D5-41AD-9D2E-606C6A439A07}"/>
+          </ac:picMkLst>
+        </pc:picChg>
+        <pc:picChg chg="add del mod">
+          <ac:chgData name="Jasmine Coleman" userId="4cc2aa29-ef1f-452c-9851-7cf6c71e79fd" providerId="ADAL" clId="{2A6677EF-F744-4575-9C34-D6B85F32ECB1}" dt="2019-02-28T19:57:15.471" v="2" actId="478"/>
+          <ac:picMkLst>
+            <pc:docMk/>
+            <pc:sldMk cId="2715528294" sldId="258"/>
+            <ac:picMk id="8" creationId="{147DDB7A-00F1-4B66-BF61-005CA4050AB9}"/>
+          </ac:picMkLst>
+        </pc:picChg>
+        <pc:picChg chg="add del mod">
+          <ac:chgData name="Jasmine Coleman" userId="4cc2aa29-ef1f-452c-9851-7cf6c71e79fd" providerId="ADAL" clId="{2A6677EF-F744-4575-9C34-D6B85F32ECB1}" dt="2019-02-28T20:08:03.339" v="107" actId="1076"/>
+          <ac:picMkLst>
+            <pc:docMk/>
+            <pc:sldMk cId="2715528294" sldId="258"/>
+            <ac:picMk id="9" creationId="{05DE3D7F-AA10-436C-B990-F8FD25A6B6C1}"/>
+          </ac:picMkLst>
+        </pc:picChg>
+        <pc:picChg chg="mod">
+          <ac:chgData name="Jasmine Coleman" userId="4cc2aa29-ef1f-452c-9851-7cf6c71e79fd" providerId="ADAL" clId="{2A6677EF-F744-4575-9C34-D6B85F32ECB1}" dt="2019-02-28T19:57:43.636" v="6" actId="1076"/>
+          <ac:picMkLst>
+            <pc:docMk/>
+            <pc:sldMk cId="2715528294" sldId="258"/>
+            <ac:picMk id="116" creationId="{FFF06FE1-DB92-49B4-8BB7-D0ED0252E49F}"/>
+          </ac:picMkLst>
+        </pc:picChg>
+      </pc:sldChg>
+      <pc:sldChg chg="addSp delSp modSp ord modNotesTx">
+        <pc:chgData name="Jasmine Coleman" userId="4cc2aa29-ef1f-452c-9851-7cf6c71e79fd" providerId="ADAL" clId="{2A6677EF-F744-4575-9C34-D6B85F32ECB1}" dt="2019-02-28T20:10:49.337" v="174" actId="20577"/>
+        <pc:sldMkLst>
+          <pc:docMk/>
+          <pc:sldMk cId="786482413" sldId="260"/>
+        </pc:sldMkLst>
+        <pc:spChg chg="mod">
+          <ac:chgData name="Jasmine Coleman" userId="4cc2aa29-ef1f-452c-9851-7cf6c71e79fd" providerId="ADAL" clId="{2A6677EF-F744-4575-9C34-D6B85F32ECB1}" dt="2019-02-28T20:05:59.282" v="28" actId="26606"/>
+          <ac:spMkLst>
+            <pc:docMk/>
+            <pc:sldMk cId="786482413" sldId="260"/>
+            <ac:spMk id="2" creationId="{9E2111FB-D0E4-4034-9062-E2392E0B4592}"/>
+          </ac:spMkLst>
+        </pc:spChg>
+        <pc:spChg chg="add del mod">
+          <ac:chgData name="Jasmine Coleman" userId="4cc2aa29-ef1f-452c-9851-7cf6c71e79fd" providerId="ADAL" clId="{2A6677EF-F744-4575-9C34-D6B85F32ECB1}" dt="2019-02-28T20:06:01.301" v="33" actId="478"/>
+          <ac:spMkLst>
+            <pc:docMk/>
+            <pc:sldMk cId="786482413" sldId="260"/>
+            <ac:spMk id="4" creationId="{F1515007-0F69-4859-8CE4-D1AD855815A4}"/>
+          </ac:spMkLst>
+        </pc:spChg>
+        <pc:spChg chg="add del">
+          <ac:chgData name="Jasmine Coleman" userId="4cc2aa29-ef1f-452c-9851-7cf6c71e79fd" providerId="ADAL" clId="{2A6677EF-F744-4575-9C34-D6B85F32ECB1}" dt="2019-02-28T20:05:59.672" v="29"/>
+          <ac:spMkLst>
+            <pc:docMk/>
+            <pc:sldMk cId="786482413" sldId="260"/>
+            <ac:spMk id="11" creationId="{73E19F45-D7A2-40DC-B273-4BF355C4DDA7}"/>
+          </ac:spMkLst>
+        </pc:spChg>
+        <pc:spChg chg="add del">
+          <ac:chgData name="Jasmine Coleman" userId="4cc2aa29-ef1f-452c-9851-7cf6c71e79fd" providerId="ADAL" clId="{2A6677EF-F744-4575-9C34-D6B85F32ECB1}" dt="2019-02-28T20:05:59.282" v="28" actId="26606"/>
+          <ac:spMkLst>
+            <pc:docMk/>
+            <pc:sldMk cId="786482413" sldId="260"/>
+            <ac:spMk id="14" creationId="{F2974790-8852-4217-8EC5-00AD6F9A51F8}"/>
+          </ac:spMkLst>
+        </pc:spChg>
+        <pc:spChg chg="add del">
+          <ac:chgData name="Jasmine Coleman" userId="4cc2aa29-ef1f-452c-9851-7cf6c71e79fd" providerId="ADAL" clId="{2A6677EF-F744-4575-9C34-D6B85F32ECB1}" dt="2019-02-28T20:05:59.282" v="28" actId="26606"/>
+          <ac:spMkLst>
+            <pc:docMk/>
+            <pc:sldMk cId="786482413" sldId="260"/>
+            <ac:spMk id="39" creationId="{235421DC-A006-4825-B62F-7DE8D0DEADD3}"/>
+          </ac:spMkLst>
+        </pc:spChg>
+        <pc:spChg chg="add del">
+          <ac:chgData name="Jasmine Coleman" userId="4cc2aa29-ef1f-452c-9851-7cf6c71e79fd" providerId="ADAL" clId="{2A6677EF-F744-4575-9C34-D6B85F32ECB1}" dt="2019-02-28T20:05:59.282" v="28" actId="26606"/>
+          <ac:spMkLst>
+            <pc:docMk/>
+            <pc:sldMk cId="786482413" sldId="260"/>
+            <ac:spMk id="41" creationId="{3894FD15-2E33-4234-8160-FF85F03A4A1E}"/>
+          </ac:spMkLst>
+        </pc:spChg>
+        <pc:spChg chg="add del">
+          <ac:chgData name="Jasmine Coleman" userId="4cc2aa29-ef1f-452c-9851-7cf6c71e79fd" providerId="ADAL" clId="{2A6677EF-F744-4575-9C34-D6B85F32ECB1}" dt="2019-02-28T20:05:59.282" v="28" actId="26606"/>
+          <ac:spMkLst>
+            <pc:docMk/>
+            <pc:sldMk cId="786482413" sldId="260"/>
+            <ac:spMk id="43" creationId="{6F4A2966-7C28-405D-BB02-5E542A25547C}"/>
+          </ac:spMkLst>
+        </pc:spChg>
+        <pc:spChg chg="add del">
+          <ac:chgData name="Jasmine Coleman" userId="4cc2aa29-ef1f-452c-9851-7cf6c71e79fd" providerId="ADAL" clId="{2A6677EF-F744-4575-9C34-D6B85F32ECB1}" dt="2019-02-28T20:05:59.282" v="28" actId="26606"/>
+          <ac:spMkLst>
+            <pc:docMk/>
+            <pc:sldMk cId="786482413" sldId="260"/>
+            <ac:spMk id="45" creationId="{958D9839-C203-4964-B486-7C0FFFDE5E1C}"/>
+          </ac:spMkLst>
+        </pc:spChg>
+        <pc:spChg chg="add del">
+          <ac:chgData name="Jasmine Coleman" userId="4cc2aa29-ef1f-452c-9851-7cf6c71e79fd" providerId="ADAL" clId="{2A6677EF-F744-4575-9C34-D6B85F32ECB1}" dt="2019-02-28T20:05:59.282" v="28" actId="26606"/>
+          <ac:spMkLst>
+            <pc:docMk/>
+            <pc:sldMk cId="786482413" sldId="260"/>
+            <ac:spMk id="50" creationId="{E808D6DB-A26F-423B-98B4-3790987C7800}"/>
+          </ac:spMkLst>
+        </pc:spChg>
+        <pc:spChg chg="add del">
+          <ac:chgData name="Jasmine Coleman" userId="4cc2aa29-ef1f-452c-9851-7cf6c71e79fd" providerId="ADAL" clId="{2A6677EF-F744-4575-9C34-D6B85F32ECB1}" dt="2019-02-28T20:05:59.282" v="28" actId="26606"/>
+          <ac:spMkLst>
+            <pc:docMk/>
+            <pc:sldMk cId="786482413" sldId="260"/>
+            <ac:spMk id="53" creationId="{E02F3C71-C981-4614-98EA-D6C494F8091E}"/>
+          </ac:spMkLst>
+        </pc:spChg>
+        <pc:grpChg chg="add del">
+          <ac:chgData name="Jasmine Coleman" userId="4cc2aa29-ef1f-452c-9851-7cf6c71e79fd" providerId="ADAL" clId="{2A6677EF-F744-4575-9C34-D6B85F32ECB1}" dt="2019-02-28T20:05:59.282" v="28" actId="26606"/>
+          <ac:grpSpMkLst>
+            <pc:docMk/>
+            <pc:sldMk cId="786482413" sldId="260"/>
+            <ac:grpSpMk id="16" creationId="{9AE485DA-524A-4260-9FC8-98FAACAFF580}"/>
+          </ac:grpSpMkLst>
+        </pc:grpChg>
+        <pc:picChg chg="add del">
+          <ac:chgData name="Jasmine Coleman" userId="4cc2aa29-ef1f-452c-9851-7cf6c71e79fd" providerId="ADAL" clId="{2A6677EF-F744-4575-9C34-D6B85F32ECB1}" dt="2019-02-28T20:05:23.371" v="22"/>
+          <ac:picMkLst>
+            <pc:docMk/>
+            <pc:sldMk cId="786482413" sldId="260"/>
+            <ac:picMk id="5" creationId="{01EDDD70-3142-4B11-B48F-17412EAC1A38}"/>
+          </ac:picMkLst>
+        </pc:picChg>
+        <pc:picChg chg="add del">
+          <ac:chgData name="Jasmine Coleman" userId="4cc2aa29-ef1f-452c-9851-7cf6c71e79fd" providerId="ADAL" clId="{2A6677EF-F744-4575-9C34-D6B85F32ECB1}" dt="2019-02-28T20:06:01.301" v="33" actId="478"/>
+          <ac:picMkLst>
+            <pc:docMk/>
+            <pc:sldMk cId="786482413" sldId="260"/>
+            <ac:picMk id="6" creationId="{74EBA0AA-8B8B-4F81-BC29-77D8FED2FBB6}"/>
+          </ac:picMkLst>
+        </pc:picChg>
+        <pc:picChg chg="add del mod">
+          <ac:chgData name="Jasmine Coleman" userId="4cc2aa29-ef1f-452c-9851-7cf6c71e79fd" providerId="ADAL" clId="{2A6677EF-F744-4575-9C34-D6B85F32ECB1}" dt="2019-02-28T20:06:00.787" v="32"/>
+          <ac:picMkLst>
+            <pc:docMk/>
+            <pc:sldMk cId="786482413" sldId="260"/>
+            <ac:picMk id="7" creationId="{9E741F60-964C-4C10-8F82-01DF51CC5E99}"/>
+          </ac:picMkLst>
+        </pc:picChg>
+        <pc:picChg chg="add del mod">
+          <ac:chgData name="Jasmine Coleman" userId="4cc2aa29-ef1f-452c-9851-7cf6c71e79fd" providerId="ADAL" clId="{2A6677EF-F744-4575-9C34-D6B85F32ECB1}" dt="2019-02-28T20:05:59.672" v="29"/>
+          <ac:picMkLst>
+            <pc:docMk/>
+            <pc:sldMk cId="786482413" sldId="260"/>
+            <ac:picMk id="8" creationId="{8139CC68-82DE-4B02-A577-8E2067829767}"/>
+          </ac:picMkLst>
+        </pc:picChg>
+        <pc:picChg chg="add del">
+          <ac:chgData name="Jasmine Coleman" userId="4cc2aa29-ef1f-452c-9851-7cf6c71e79fd" providerId="ADAL" clId="{2A6677EF-F744-4575-9C34-D6B85F32ECB1}" dt="2019-02-28T20:05:59.805" v="30" actId="478"/>
+          <ac:picMkLst>
+            <pc:docMk/>
+            <pc:sldMk cId="786482413" sldId="260"/>
+            <ac:picMk id="9" creationId="{A1E69D99-A3EC-4138-8A0D-E06FB9092B0B}"/>
+          </ac:picMkLst>
+        </pc:picChg>
+        <pc:picChg chg="add del">
+          <ac:chgData name="Jasmine Coleman" userId="4cc2aa29-ef1f-452c-9851-7cf6c71e79fd" providerId="ADAL" clId="{2A6677EF-F744-4575-9C34-D6B85F32ECB1}" dt="2019-02-28T20:05:59.282" v="28" actId="26606"/>
+          <ac:picMkLst>
+            <pc:docMk/>
+            <pc:sldMk cId="786482413" sldId="260"/>
+            <ac:picMk id="48" creationId="{8139CC68-82DE-4B02-A577-8E2067829767}"/>
+          </ac:picMkLst>
+        </pc:picChg>
+      </pc:sldChg>
+      <pc:sldChg chg="addSp delSp modSp add mod setBg">
+        <pc:chgData name="Jasmine Coleman" userId="4cc2aa29-ef1f-452c-9851-7cf6c71e79fd" providerId="ADAL" clId="{2A6677EF-F744-4575-9C34-D6B85F32ECB1}" dt="2019-02-28T20:10:23.490" v="164" actId="26606"/>
+        <pc:sldMkLst>
+          <pc:docMk/>
+          <pc:sldMk cId="1534044430" sldId="261"/>
+        </pc:sldMkLst>
+        <pc:spChg chg="add del">
+          <ac:chgData name="Jasmine Coleman" userId="4cc2aa29-ef1f-452c-9851-7cf6c71e79fd" providerId="ADAL" clId="{2A6677EF-F744-4575-9C34-D6B85F32ECB1}" dt="2019-02-28T20:09:51.738" v="155"/>
+          <ac:spMkLst>
+            <pc:docMk/>
+            <pc:sldMk cId="1534044430" sldId="261"/>
+            <ac:spMk id="2" creationId="{76028012-EC6A-4688-9FE4-517A0E820327}"/>
+          </ac:spMkLst>
+        </pc:spChg>
+        <pc:spChg chg="del mod">
+          <ac:chgData name="Jasmine Coleman" userId="4cc2aa29-ef1f-452c-9851-7cf6c71e79fd" providerId="ADAL" clId="{2A6677EF-F744-4575-9C34-D6B85F32ECB1}" dt="2019-02-28T20:09:51.738" v="155"/>
+          <ac:spMkLst>
+            <pc:docMk/>
+            <pc:sldMk cId="1534044430" sldId="261"/>
+            <ac:spMk id="3" creationId="{644645DC-0423-4A74-B39B-2E9130006476}"/>
+          </ac:spMkLst>
+        </pc:spChg>
+        <pc:spChg chg="add del">
+          <ac:chgData name="Jasmine Coleman" userId="4cc2aa29-ef1f-452c-9851-7cf6c71e79fd" providerId="ADAL" clId="{2A6677EF-F744-4575-9C34-D6B85F32ECB1}" dt="2019-02-28T20:09:51.738" v="155"/>
+          <ac:spMkLst>
+            <pc:docMk/>
+            <pc:sldMk cId="1534044430" sldId="261"/>
+            <ac:spMk id="4" creationId="{FE428D35-A418-4FFC-8867-FC3CE2D03E21}"/>
+          </ac:spMkLst>
+        </pc:spChg>
+        <pc:spChg chg="del mod">
+          <ac:chgData name="Jasmine Coleman" userId="4cc2aa29-ef1f-452c-9851-7cf6c71e79fd" providerId="ADAL" clId="{2A6677EF-F744-4575-9C34-D6B85F32ECB1}" dt="2019-02-28T20:09:51.738" v="155"/>
+          <ac:spMkLst>
+            <pc:docMk/>
+            <pc:sldMk cId="1534044430" sldId="261"/>
+            <ac:spMk id="5" creationId="{803D9F5A-6B32-471C-B222-E90F3E9B485E}"/>
+          </ac:spMkLst>
+        </pc:spChg>
+        <pc:spChg chg="add del">
+          <ac:chgData name="Jasmine Coleman" userId="4cc2aa29-ef1f-452c-9851-7cf6c71e79fd" providerId="ADAL" clId="{2A6677EF-F744-4575-9C34-D6B85F32ECB1}" dt="2019-02-28T20:09:51.738" v="155"/>
+          <ac:spMkLst>
+            <pc:docMk/>
+            <pc:sldMk cId="1534044430" sldId="261"/>
+            <ac:spMk id="6" creationId="{1D3BC6D3-2611-4AAB-B413-F7FBC8822A94}"/>
+          </ac:spMkLst>
+        </pc:spChg>
+        <pc:spChg chg="add del mod">
+          <ac:chgData name="Jasmine Coleman" userId="4cc2aa29-ef1f-452c-9851-7cf6c71e79fd" providerId="ADAL" clId="{2A6677EF-F744-4575-9C34-D6B85F32ECB1}" dt="2019-02-28T20:09:43.696" v="144"/>
+          <ac:spMkLst>
+            <pc:docMk/>
+            <pc:sldMk cId="1534044430" sldId="261"/>
+            <ac:spMk id="10" creationId="{AB9D9E0F-1563-4D1A-A4DB-B0D57D1E3BAD}"/>
+          </ac:spMkLst>
+        </pc:spChg>
+        <pc:spChg chg="add mod">
+          <ac:chgData name="Jasmine Coleman" userId="4cc2aa29-ef1f-452c-9851-7cf6c71e79fd" providerId="ADAL" clId="{2A6677EF-F744-4575-9C34-D6B85F32ECB1}" dt="2019-02-28T20:10:23.490" v="164" actId="26606"/>
+          <ac:spMkLst>
+            <pc:docMk/>
+            <pc:sldMk cId="1534044430" sldId="261"/>
+            <ac:spMk id="11" creationId="{F5559893-8F28-41D5-BF18-C74D8DCB18FC}"/>
+          </ac:spMkLst>
+        </pc:spChg>
+        <pc:spChg chg="add del mod">
+          <ac:chgData name="Jasmine Coleman" userId="4cc2aa29-ef1f-452c-9851-7cf6c71e79fd" providerId="ADAL" clId="{2A6677EF-F744-4575-9C34-D6B85F32ECB1}" dt="2019-02-28T20:10:06.139" v="157"/>
+          <ac:spMkLst>
+            <pc:docMk/>
+            <pc:sldMk cId="1534044430" sldId="261"/>
+            <ac:spMk id="12" creationId="{78581EA2-0F57-4447-A844-B64BD0458C1D}"/>
+          </ac:spMkLst>
+        </pc:spChg>
+        <pc:spChg chg="add del mod">
+          <ac:chgData name="Jasmine Coleman" userId="4cc2aa29-ef1f-452c-9851-7cf6c71e79fd" providerId="ADAL" clId="{2A6677EF-F744-4575-9C34-D6B85F32ECB1}" dt="2019-02-28T20:09:53.543" v="156"/>
+          <ac:spMkLst>
+            <pc:docMk/>
+            <pc:sldMk cId="1534044430" sldId="261"/>
+            <ac:spMk id="13" creationId="{5C8A3BF2-23DA-43EA-82D7-D0C588B32CC6}"/>
+          </ac:spMkLst>
+        </pc:spChg>
+        <pc:spChg chg="add del">
+          <ac:chgData name="Jasmine Coleman" userId="4cc2aa29-ef1f-452c-9851-7cf6c71e79fd" providerId="ADAL" clId="{2A6677EF-F744-4575-9C34-D6B85F32ECB1}" dt="2019-02-28T20:10:18.586" v="159" actId="26606"/>
+          <ac:spMkLst>
+            <pc:docMk/>
+            <pc:sldMk cId="1534044430" sldId="261"/>
+            <ac:spMk id="20" creationId="{CC5A0323-5230-4D86-9E55-E995051823A3}"/>
+          </ac:spMkLst>
+        </pc:spChg>
+        <pc:spChg chg="add del">
+          <ac:chgData name="Jasmine Coleman" userId="4cc2aa29-ef1f-452c-9851-7cf6c71e79fd" providerId="ADAL" clId="{2A6677EF-F744-4575-9C34-D6B85F32ECB1}" dt="2019-02-28T20:10:18.586" v="159" actId="26606"/>
+          <ac:spMkLst>
+            <pc:docMk/>
+            <pc:sldMk cId="1534044430" sldId="261"/>
+            <ac:spMk id="23" creationId="{99899462-FC16-43B0-966B-FCA263450716}"/>
+          </ac:spMkLst>
+        </pc:spChg>
+        <pc:spChg chg="add del">
+          <ac:chgData name="Jasmine Coleman" userId="4cc2aa29-ef1f-452c-9851-7cf6c71e79fd" providerId="ADAL" clId="{2A6677EF-F744-4575-9C34-D6B85F32ECB1}" dt="2019-02-28T20:10:21.719" v="161" actId="26606"/>
+          <ac:spMkLst>
+            <pc:docMk/>
+            <pc:sldMk cId="1534044430" sldId="261"/>
+            <ac:spMk id="27" creationId="{823AC064-BC96-4F32-8AE1-B2FD38754823}"/>
+          </ac:spMkLst>
+        </pc:spChg>
+        <pc:spChg chg="add del">
+          <ac:chgData name="Jasmine Coleman" userId="4cc2aa29-ef1f-452c-9851-7cf6c71e79fd" providerId="ADAL" clId="{2A6677EF-F744-4575-9C34-D6B85F32ECB1}" dt="2019-02-28T20:10:23.473" v="163" actId="26606"/>
+          <ac:spMkLst>
+            <pc:docMk/>
+            <pc:sldMk cId="1534044430" sldId="261"/>
+            <ac:spMk id="30" creationId="{E02F3C71-C981-4614-98EA-D6C494F8091E}"/>
+          </ac:spMkLst>
+        </pc:spChg>
+        <pc:spChg chg="add del">
+          <ac:chgData name="Jasmine Coleman" userId="4cc2aa29-ef1f-452c-9851-7cf6c71e79fd" providerId="ADAL" clId="{2A6677EF-F744-4575-9C34-D6B85F32ECB1}" dt="2019-02-28T20:10:23.473" v="163" actId="26606"/>
+          <ac:spMkLst>
+            <pc:docMk/>
+            <pc:sldMk cId="1534044430" sldId="261"/>
+            <ac:spMk id="31" creationId="{DCEBC096-0C72-41D6-A613-09ECAC9A0DB3}"/>
+          </ac:spMkLst>
+        </pc:spChg>
+        <pc:spChg chg="add">
+          <ac:chgData name="Jasmine Coleman" userId="4cc2aa29-ef1f-452c-9851-7cf6c71e79fd" providerId="ADAL" clId="{2A6677EF-F744-4575-9C34-D6B85F32ECB1}" dt="2019-02-28T20:10:23.490" v="164" actId="26606"/>
+          <ac:spMkLst>
+            <pc:docMk/>
+            <pc:sldMk cId="1534044430" sldId="261"/>
+            <ac:spMk id="34" creationId="{823AC064-BC96-4F32-8AE1-B2FD38754823}"/>
+          </ac:spMkLst>
+        </pc:spChg>
+        <pc:picChg chg="add del mod">
+          <ac:chgData name="Jasmine Coleman" userId="4cc2aa29-ef1f-452c-9851-7cf6c71e79fd" providerId="ADAL" clId="{2A6677EF-F744-4575-9C34-D6B85F32ECB1}" dt="2019-02-28T20:09:01.487" v="140"/>
+          <ac:picMkLst>
+            <pc:docMk/>
+            <pc:sldMk cId="1534044430" sldId="261"/>
+            <ac:picMk id="7" creationId="{8FF4FC9A-EC4E-4B61-B088-B0CE6CCBB2E1}"/>
+          </ac:picMkLst>
+        </pc:picChg>
+        <pc:picChg chg="add del mod">
+          <ac:chgData name="Jasmine Coleman" userId="4cc2aa29-ef1f-452c-9851-7cf6c71e79fd" providerId="ADAL" clId="{2A6677EF-F744-4575-9C34-D6B85F32ECB1}" dt="2019-02-28T20:09:44.478" v="146"/>
+          <ac:picMkLst>
+            <pc:docMk/>
+            <pc:sldMk cId="1534044430" sldId="261"/>
+            <ac:picMk id="8" creationId="{79B3EA3D-68C8-41A5-8D5A-90FB8A52B131}"/>
+          </ac:picMkLst>
+        </pc:picChg>
+        <pc:picChg chg="add del mod">
+          <ac:chgData name="Jasmine Coleman" userId="4cc2aa29-ef1f-452c-9851-7cf6c71e79fd" providerId="ADAL" clId="{2A6677EF-F744-4575-9C34-D6B85F32ECB1}" dt="2019-02-28T20:09:44.012" v="145"/>
+          <ac:picMkLst>
+            <pc:docMk/>
+            <pc:sldMk cId="1534044430" sldId="261"/>
+            <ac:picMk id="9" creationId="{3550A0A5-98A3-49C6-B5A6-1678B3FA6CB5}"/>
+          </ac:picMkLst>
+        </pc:picChg>
+        <pc:picChg chg="add mod">
+          <ac:chgData name="Jasmine Coleman" userId="4cc2aa29-ef1f-452c-9851-7cf6c71e79fd" providerId="ADAL" clId="{2A6677EF-F744-4575-9C34-D6B85F32ECB1}" dt="2019-02-28T20:10:23.490" v="164" actId="26606"/>
+          <ac:picMkLst>
+            <pc:docMk/>
+            <pc:sldMk cId="1534044430" sldId="261"/>
+            <ac:picMk id="14" creationId="{C1577941-AB28-40DF-8E05-173D9C17C7E6}"/>
+          </ac:picMkLst>
+        </pc:picChg>
+        <pc:picChg chg="add del mod">
+          <ac:chgData name="Jasmine Coleman" userId="4cc2aa29-ef1f-452c-9851-7cf6c71e79fd" providerId="ADAL" clId="{2A6677EF-F744-4575-9C34-D6B85F32ECB1}" dt="2019-02-28T20:10:23.490" v="164" actId="26606"/>
+          <ac:picMkLst>
+            <pc:docMk/>
+            <pc:sldMk cId="1534044430" sldId="261"/>
+            <ac:picMk id="15" creationId="{4A6091D3-1096-469C-A128-96C5FFF987EA}"/>
+          </ac:picMkLst>
+        </pc:picChg>
+        <pc:picChg chg="add del">
+          <ac:chgData name="Jasmine Coleman" userId="4cc2aa29-ef1f-452c-9851-7cf6c71e79fd" providerId="ADAL" clId="{2A6677EF-F744-4575-9C34-D6B85F32ECB1}" dt="2019-02-28T20:10:18.586" v="159" actId="26606"/>
+          <ac:picMkLst>
+            <pc:docMk/>
+            <pc:sldMk cId="1534044430" sldId="261"/>
+            <ac:picMk id="18" creationId="{4A6091D3-1096-469C-A128-96C5FFF987EA}"/>
+          </ac:picMkLst>
+        </pc:picChg>
+        <pc:picChg chg="add del">
+          <ac:chgData name="Jasmine Coleman" userId="4cc2aa29-ef1f-452c-9851-7cf6c71e79fd" providerId="ADAL" clId="{2A6677EF-F744-4575-9C34-D6B85F32ECB1}" dt="2019-02-28T20:10:21.719" v="161" actId="26606"/>
+          <ac:picMkLst>
+            <pc:docMk/>
+            <pc:sldMk cId="1534044430" sldId="261"/>
+            <ac:picMk id="28" creationId="{4A6091D3-1096-469C-A128-96C5FFF987EA}"/>
+          </ac:picMkLst>
+        </pc:picChg>
+        <pc:picChg chg="add del">
+          <ac:chgData name="Jasmine Coleman" userId="4cc2aa29-ef1f-452c-9851-7cf6c71e79fd" providerId="ADAL" clId="{2A6677EF-F744-4575-9C34-D6B85F32ECB1}" dt="2019-02-28T20:10:23.473" v="163" actId="26606"/>
+          <ac:picMkLst>
+            <pc:docMk/>
+            <pc:sldMk cId="1534044430" sldId="261"/>
+            <ac:picMk id="32" creationId="{4A6091D3-1096-469C-A128-96C5FFF987EA}"/>
+          </ac:picMkLst>
+        </pc:picChg>
+        <pc:picChg chg="add">
+          <ac:chgData name="Jasmine Coleman" userId="4cc2aa29-ef1f-452c-9851-7cf6c71e79fd" providerId="ADAL" clId="{2A6677EF-F744-4575-9C34-D6B85F32ECB1}" dt="2019-02-28T20:10:23.490" v="164" actId="26606"/>
+          <ac:picMkLst>
+            <pc:docMk/>
+            <pc:sldMk cId="1534044430" sldId="261"/>
+            <ac:picMk id="37" creationId="{4A6091D3-1096-469C-A128-96C5FFF987EA}"/>
+          </ac:picMkLst>
+        </pc:picChg>
+        <pc:cxnChg chg="add del">
+          <ac:chgData name="Jasmine Coleman" userId="4cc2aa29-ef1f-452c-9851-7cf6c71e79fd" providerId="ADAL" clId="{2A6677EF-F744-4575-9C34-D6B85F32ECB1}" dt="2019-02-28T20:10:21.719" v="161" actId="26606"/>
+          <ac:cxnSpMkLst>
+            <pc:docMk/>
+            <pc:sldMk cId="1534044430" sldId="261"/>
+            <ac:cxnSpMk id="22" creationId="{7E7C77BC-7138-40B1-A15B-20F57A494629}"/>
+          </ac:cxnSpMkLst>
+        </pc:cxnChg>
+        <pc:cxnChg chg="add del">
+          <ac:chgData name="Jasmine Coleman" userId="4cc2aa29-ef1f-452c-9851-7cf6c71e79fd" providerId="ADAL" clId="{2A6677EF-F744-4575-9C34-D6B85F32ECB1}" dt="2019-02-28T20:10:21.719" v="161" actId="26606"/>
+          <ac:cxnSpMkLst>
+            <pc:docMk/>
+            <pc:sldMk cId="1534044430" sldId="261"/>
+            <ac:cxnSpMk id="24" creationId="{DB146403-F3D6-484B-B2ED-97F9565D0370}"/>
+          </ac:cxnSpMkLst>
+        </pc:cxnChg>
+        <pc:cxnChg chg="add del">
+          <ac:chgData name="Jasmine Coleman" userId="4cc2aa29-ef1f-452c-9851-7cf6c71e79fd" providerId="ADAL" clId="{2A6677EF-F744-4575-9C34-D6B85F32ECB1}" dt="2019-02-28T20:10:18.586" v="159" actId="26606"/>
+          <ac:cxnSpMkLst>
+            <pc:docMk/>
+            <pc:sldMk cId="1534044430" sldId="261"/>
+            <ac:cxnSpMk id="25" creationId="{AAFEA932-2DF1-410C-A00A-7A1E7DBF7511}"/>
+          </ac:cxnSpMkLst>
+        </pc:cxnChg>
+        <pc:cxnChg chg="add">
+          <ac:chgData name="Jasmine Coleman" userId="4cc2aa29-ef1f-452c-9851-7cf6c71e79fd" providerId="ADAL" clId="{2A6677EF-F744-4575-9C34-D6B85F32ECB1}" dt="2019-02-28T20:10:23.490" v="164" actId="26606"/>
+          <ac:cxnSpMkLst>
+            <pc:docMk/>
+            <pc:sldMk cId="1534044430" sldId="261"/>
+            <ac:cxnSpMk id="35" creationId="{7E7C77BC-7138-40B1-A15B-20F57A494629}"/>
+          </ac:cxnSpMkLst>
+        </pc:cxnChg>
+        <pc:cxnChg chg="add">
+          <ac:chgData name="Jasmine Coleman" userId="4cc2aa29-ef1f-452c-9851-7cf6c71e79fd" providerId="ADAL" clId="{2A6677EF-F744-4575-9C34-D6B85F32ECB1}" dt="2019-02-28T20:10:23.490" v="164" actId="26606"/>
+          <ac:cxnSpMkLst>
+            <pc:docMk/>
+            <pc:sldMk cId="1534044430" sldId="261"/>
+            <ac:cxnSpMk id="36" creationId="{DB146403-F3D6-484B-B2ED-97F9565D0370}"/>
+          </ac:cxnSpMkLst>
+        </pc:cxnChg>
+      </pc:sldChg>
+      <pc:sldChg chg="addSp delSp modSp add mod ord setBg modNotesTx">
+        <pc:chgData name="Jasmine Coleman" userId="4cc2aa29-ef1f-452c-9851-7cf6c71e79fd" providerId="ADAL" clId="{2A6677EF-F744-4575-9C34-D6B85F32ECB1}" dt="2019-02-28T21:09:34.936" v="614" actId="20577"/>
+        <pc:sldMkLst>
+          <pc:docMk/>
+          <pc:sldMk cId="34456841" sldId="262"/>
+        </pc:sldMkLst>
+        <pc:spChg chg="mod">
+          <ac:chgData name="Jasmine Coleman" userId="4cc2aa29-ef1f-452c-9851-7cf6c71e79fd" providerId="ADAL" clId="{2A6677EF-F744-4575-9C34-D6B85F32ECB1}" dt="2019-02-28T20:57:50.197" v="282" actId="20577"/>
+          <ac:spMkLst>
+            <pc:docMk/>
+            <pc:sldMk cId="34456841" sldId="262"/>
+            <ac:spMk id="2" creationId="{75E2845C-C2F1-4D38-9225-6E97D66AFC50}"/>
+          </ac:spMkLst>
+        </pc:spChg>
+        <pc:spChg chg="del">
+          <ac:chgData name="Jasmine Coleman" userId="4cc2aa29-ef1f-452c-9851-7cf6c71e79fd" providerId="ADAL" clId="{2A6677EF-F744-4575-9C34-D6B85F32ECB1}" dt="2019-02-28T20:39:58.837" v="176"/>
+          <ac:spMkLst>
+            <pc:docMk/>
+            <pc:sldMk cId="34456841" sldId="262"/>
+            <ac:spMk id="3" creationId="{E880D851-259C-4F25-8F68-595549658EB5}"/>
+          </ac:spMkLst>
+        </pc:spChg>
+        <pc:spChg chg="del">
+          <ac:chgData name="Jasmine Coleman" userId="4cc2aa29-ef1f-452c-9851-7cf6c71e79fd" providerId="ADAL" clId="{2A6677EF-F744-4575-9C34-D6B85F32ECB1}" dt="2019-02-28T20:40:23.009" v="177"/>
+          <ac:spMkLst>
+            <pc:docMk/>
+            <pc:sldMk cId="34456841" sldId="262"/>
+            <ac:spMk id="4" creationId="{3453D7F3-CBAF-456A-83C3-0DB0B2991706}"/>
+          </ac:spMkLst>
+        </pc:spChg>
+        <pc:spChg chg="add mod">
+          <ac:chgData name="Jasmine Coleman" userId="4cc2aa29-ef1f-452c-9851-7cf6c71e79fd" providerId="ADAL" clId="{2A6677EF-F744-4575-9C34-D6B85F32ECB1}" dt="2019-02-28T20:54:43.750" v="240" actId="1076"/>
+          <ac:spMkLst>
+            <pc:docMk/>
+            <pc:sldMk cId="34456841" sldId="262"/>
+            <ac:spMk id="7" creationId="{F743672A-23DA-4F3B-9D86-84F5EBCF258F}"/>
+          </ac:spMkLst>
+        </pc:spChg>
+        <pc:spChg chg="add del">
+          <ac:chgData name="Jasmine Coleman" userId="4cc2aa29-ef1f-452c-9851-7cf6c71e79fd" providerId="ADAL" clId="{2A6677EF-F744-4575-9C34-D6B85F32ECB1}" dt="2019-02-28T20:40:38.811" v="179" actId="26606"/>
+          <ac:spMkLst>
+            <pc:docMk/>
+            <pc:sldMk cId="34456841" sldId="262"/>
+            <ac:spMk id="11" creationId="{BD543F1A-8929-45A1-A802-654556B12A30}"/>
+          </ac:spMkLst>
+        </pc:spChg>
+        <pc:spChg chg="add">
+          <ac:chgData name="Jasmine Coleman" userId="4cc2aa29-ef1f-452c-9851-7cf6c71e79fd" providerId="ADAL" clId="{2A6677EF-F744-4575-9C34-D6B85F32ECB1}" dt="2019-02-28T20:40:40.563" v="182" actId="26606"/>
+          <ac:spMkLst>
+            <pc:docMk/>
+            <pc:sldMk cId="34456841" sldId="262"/>
+            <ac:spMk id="13" creationId="{823AC064-BC96-4F32-8AE1-B2FD38754823}"/>
+          </ac:spMkLst>
+        </pc:spChg>
+        <pc:spChg chg="add del">
+          <ac:chgData name="Jasmine Coleman" userId="4cc2aa29-ef1f-452c-9851-7cf6c71e79fd" providerId="ADAL" clId="{2A6677EF-F744-4575-9C34-D6B85F32ECB1}" dt="2019-02-28T20:40:38.811" v="179" actId="26606"/>
+          <ac:spMkLst>
+            <pc:docMk/>
+            <pc:sldMk cId="34456841" sldId="262"/>
+            <ac:spMk id="14" creationId="{F64F6814-96D5-4463-898E-405CC0C40147}"/>
+          </ac:spMkLst>
+        </pc:spChg>
+        <pc:spChg chg="add del">
+          <ac:chgData name="Jasmine Coleman" userId="4cc2aa29-ef1f-452c-9851-7cf6c71e79fd" providerId="ADAL" clId="{2A6677EF-F744-4575-9C34-D6B85F32ECB1}" dt="2019-02-28T20:40:40.545" v="181" actId="26606"/>
+          <ac:spMkLst>
+            <pc:docMk/>
+            <pc:sldMk cId="34456841" sldId="262"/>
+            <ac:spMk id="16" creationId="{E02F3C71-C981-4614-98EA-D6C494F8091E}"/>
+          </ac:spMkLst>
+        </pc:spChg>
+        <pc:spChg chg="add del">
+          <ac:chgData name="Jasmine Coleman" userId="4cc2aa29-ef1f-452c-9851-7cf6c71e79fd" providerId="ADAL" clId="{2A6677EF-F744-4575-9C34-D6B85F32ECB1}" dt="2019-02-28T20:40:40.545" v="181" actId="26606"/>
+          <ac:spMkLst>
+            <pc:docMk/>
+            <pc:sldMk cId="34456841" sldId="262"/>
+            <ac:spMk id="17" creationId="{A093B262-D441-4D4A-BFEA-EEE42555C893}"/>
+          </ac:spMkLst>
+        </pc:spChg>
+        <pc:spChg chg="add mod">
+          <ac:chgData name="Jasmine Coleman" userId="4cc2aa29-ef1f-452c-9851-7cf6c71e79fd" providerId="ADAL" clId="{2A6677EF-F744-4575-9C34-D6B85F32ECB1}" dt="2019-02-28T20:55:03.534" v="242" actId="1076"/>
+          <ac:spMkLst>
+            <pc:docMk/>
+            <pc:sldMk cId="34456841" sldId="262"/>
+            <ac:spMk id="19" creationId="{1DCE4A04-64FF-4A76-8C39-A2D9A1F83DE0}"/>
+          </ac:spMkLst>
+        </pc:spChg>
+        <pc:picChg chg="add del mod">
+          <ac:chgData name="Jasmine Coleman" userId="4cc2aa29-ef1f-452c-9851-7cf6c71e79fd" providerId="ADAL" clId="{2A6677EF-F744-4575-9C34-D6B85F32ECB1}" dt="2019-02-28T20:40:40.563" v="182" actId="26606"/>
+          <ac:picMkLst>
+            <pc:docMk/>
+            <pc:sldMk cId="34456841" sldId="262"/>
+            <ac:picMk id="5" creationId="{48EE4E75-65F5-4A76-B5A5-3EC1CA8AACA7}"/>
+          </ac:picMkLst>
+        </pc:picChg>
+        <pc:picChg chg="add mod">
+          <ac:chgData name="Jasmine Coleman" userId="4cc2aa29-ef1f-452c-9851-7cf6c71e79fd" providerId="ADAL" clId="{2A6677EF-F744-4575-9C34-D6B85F32ECB1}" dt="2019-02-28T20:40:40.563" v="182" actId="26606"/>
+          <ac:picMkLst>
+            <pc:docMk/>
+            <pc:sldMk cId="34456841" sldId="262"/>
+            <ac:picMk id="6" creationId="{3A51B0DA-80C3-45A3-9D1D-FCF4821F083F}"/>
+          </ac:picMkLst>
+        </pc:picChg>
+        <pc:picChg chg="add del">
+          <ac:chgData name="Jasmine Coleman" userId="4cc2aa29-ef1f-452c-9851-7cf6c71e79fd" providerId="ADAL" clId="{2A6677EF-F744-4575-9C34-D6B85F32ECB1}" dt="2019-02-28T20:40:38.811" v="179" actId="26606"/>
+          <ac:picMkLst>
+            <pc:docMk/>
+            <pc:sldMk cId="34456841" sldId="262"/>
+            <ac:picMk id="9" creationId="{48EE4E75-65F5-4A76-B5A5-3EC1CA8AACA7}"/>
+          </ac:picMkLst>
+        </pc:picChg>
+        <pc:picChg chg="add del">
+          <ac:chgData name="Jasmine Coleman" userId="4cc2aa29-ef1f-452c-9851-7cf6c71e79fd" providerId="ADAL" clId="{2A6677EF-F744-4575-9C34-D6B85F32ECB1}" dt="2019-02-28T20:40:40.545" v="181" actId="26606"/>
+          <ac:picMkLst>
+            <pc:docMk/>
+            <pc:sldMk cId="34456841" sldId="262"/>
+            <ac:picMk id="18" creationId="{48EE4E75-65F5-4A76-B5A5-3EC1CA8AACA7}"/>
+          </ac:picMkLst>
+        </pc:picChg>
+        <pc:picChg chg="add">
+          <ac:chgData name="Jasmine Coleman" userId="4cc2aa29-ef1f-452c-9851-7cf6c71e79fd" providerId="ADAL" clId="{2A6677EF-F744-4575-9C34-D6B85F32ECB1}" dt="2019-02-28T20:40:40.563" v="182" actId="26606"/>
+          <ac:picMkLst>
+            <pc:docMk/>
+            <pc:sldMk cId="34456841" sldId="262"/>
+            <ac:picMk id="21" creationId="{48EE4E75-65F5-4A76-B5A5-3EC1CA8AACA7}"/>
+          </ac:picMkLst>
+        </pc:picChg>
+        <pc:cxnChg chg="add">
+          <ac:chgData name="Jasmine Coleman" userId="4cc2aa29-ef1f-452c-9851-7cf6c71e79fd" providerId="ADAL" clId="{2A6677EF-F744-4575-9C34-D6B85F32ECB1}" dt="2019-02-28T20:40:40.563" v="182" actId="26606"/>
+          <ac:cxnSpMkLst>
+            <pc:docMk/>
+            <pc:sldMk cId="34456841" sldId="262"/>
+            <ac:cxnSpMk id="15" creationId="{7E7C77BC-7138-40B1-A15B-20F57A494629}"/>
+          </ac:cxnSpMkLst>
+        </pc:cxnChg>
+        <pc:cxnChg chg="add">
+          <ac:chgData name="Jasmine Coleman" userId="4cc2aa29-ef1f-452c-9851-7cf6c71e79fd" providerId="ADAL" clId="{2A6677EF-F744-4575-9C34-D6B85F32ECB1}" dt="2019-02-28T20:40:40.563" v="182" actId="26606"/>
+          <ac:cxnSpMkLst>
+            <pc:docMk/>
+            <pc:sldMk cId="34456841" sldId="262"/>
+            <ac:cxnSpMk id="20" creationId="{DB146403-F3D6-484B-B2ED-97F9565D0370}"/>
+          </ac:cxnSpMkLst>
+        </pc:cxnChg>
+      </pc:sldChg>
+      <pc:sldChg chg="addSp delSp modSp add mod setBg modNotesTx">
+        <pc:chgData name="Jasmine Coleman" userId="4cc2aa29-ef1f-452c-9851-7cf6c71e79fd" providerId="ADAL" clId="{2A6677EF-F744-4575-9C34-D6B85F32ECB1}" dt="2019-02-28T21:18:00.578" v="696" actId="1076"/>
+        <pc:sldMkLst>
+          <pc:docMk/>
+          <pc:sldMk cId="768475211" sldId="263"/>
+        </pc:sldMkLst>
+        <pc:spChg chg="mod">
+          <ac:chgData name="Jasmine Coleman" userId="4cc2aa29-ef1f-452c-9851-7cf6c71e79fd" providerId="ADAL" clId="{2A6677EF-F744-4575-9C34-D6B85F32ECB1}" dt="2019-02-28T21:10:20.180" v="630" actId="26606"/>
+          <ac:spMkLst>
+            <pc:docMk/>
+            <pc:sldMk cId="768475211" sldId="263"/>
+            <ac:spMk id="2" creationId="{DE5A57CE-FD5E-4A54-B3E1-CBA5FC96075E}"/>
+          </ac:spMkLst>
+        </pc:spChg>
+        <pc:spChg chg="del">
+          <ac:chgData name="Jasmine Coleman" userId="4cc2aa29-ef1f-452c-9851-7cf6c71e79fd" providerId="ADAL" clId="{2A6677EF-F744-4575-9C34-D6B85F32ECB1}" dt="2019-02-28T21:05:43.586" v="396"/>
+          <ac:spMkLst>
+            <pc:docMk/>
+            <pc:sldMk cId="768475211" sldId="263"/>
+            <ac:spMk id="3" creationId="{8D5F78B4-C2D1-461A-A910-A87AA9DFAC75}"/>
+          </ac:spMkLst>
+        </pc:spChg>
+        <pc:spChg chg="add del">
+          <ac:chgData name="Jasmine Coleman" userId="4cc2aa29-ef1f-452c-9851-7cf6c71e79fd" providerId="ADAL" clId="{2A6677EF-F744-4575-9C34-D6B85F32ECB1}" dt="2019-02-28T21:10:08.474" v="617" actId="26606"/>
+          <ac:spMkLst>
+            <pc:docMk/>
+            <pc:sldMk cId="768475211" sldId="263"/>
+            <ac:spMk id="9" creationId="{DE5D4C84-4630-45CF-92A2-BE1F0E314C84}"/>
+          </ac:spMkLst>
+        </pc:spChg>
+        <pc:spChg chg="add mod">
+          <ac:chgData name="Jasmine Coleman" userId="4cc2aa29-ef1f-452c-9851-7cf6c71e79fd" providerId="ADAL" clId="{2A6677EF-F744-4575-9C34-D6B85F32ECB1}" dt="2019-02-28T21:18:00.578" v="696" actId="1076"/>
+          <ac:spMkLst>
+            <pc:docMk/>
+            <pc:sldMk cId="768475211" sldId="263"/>
+            <ac:spMk id="10" creationId="{DD342184-7168-40CF-B10B-7DE07EDADEAA}"/>
+          </ac:spMkLst>
+        </pc:spChg>
+        <pc:spChg chg="add del">
+          <ac:chgData name="Jasmine Coleman" userId="4cc2aa29-ef1f-452c-9851-7cf6c71e79fd" providerId="ADAL" clId="{2A6677EF-F744-4575-9C34-D6B85F32ECB1}" dt="2019-02-28T21:10:17.975" v="627" actId="26606"/>
+          <ac:spMkLst>
+            <pc:docMk/>
+            <pc:sldMk cId="768475211" sldId="263"/>
+            <ac:spMk id="11" creationId="{047C8CCB-F95D-4249-92DD-651249D3535A}"/>
+          </ac:spMkLst>
+        </pc:spChg>
+        <pc:spChg chg="add del">
+          <ac:chgData name="Jasmine Coleman" userId="4cc2aa29-ef1f-452c-9851-7cf6c71e79fd" providerId="ADAL" clId="{2A6677EF-F744-4575-9C34-D6B85F32ECB1}" dt="2019-02-28T21:10:08.474" v="617" actId="26606"/>
+          <ac:spMkLst>
+            <pc:docMk/>
+            <pc:sldMk cId="768475211" sldId="263"/>
+            <ac:spMk id="12" creationId="{42A5316D-ED2F-4F89-B4B4-8D9240B1A348}"/>
+          </ac:spMkLst>
+        </pc:spChg>
+        <pc:spChg chg="add del">
+          <ac:chgData name="Jasmine Coleman" userId="4cc2aa29-ef1f-452c-9851-7cf6c71e79fd" providerId="ADAL" clId="{2A6677EF-F744-4575-9C34-D6B85F32ECB1}" dt="2019-02-28T21:10:09.481" v="619" actId="26606"/>
+          <ac:spMkLst>
+            <pc:docMk/>
+            <pc:sldMk cId="768475211" sldId="263"/>
+            <ac:spMk id="16" creationId="{3CD9DF72-87A3-404E-A828-84CBF11A8303}"/>
+          </ac:spMkLst>
+        </pc:spChg>
+        <pc:spChg chg="add del">
+          <ac:chgData name="Jasmine Coleman" userId="4cc2aa29-ef1f-452c-9851-7cf6c71e79fd" providerId="ADAL" clId="{2A6677EF-F744-4575-9C34-D6B85F32ECB1}" dt="2019-02-28T21:10:09.481" v="619" actId="26606"/>
+          <ac:spMkLst>
+            <pc:docMk/>
+            <pc:sldMk cId="768475211" sldId="263"/>
+            <ac:spMk id="17" creationId="{ED753D8B-7565-4324-A40C-EEE228B36A82}"/>
+          </ac:spMkLst>
+        </pc:spChg>
+        <pc:spChg chg="add del">
+          <ac:chgData name="Jasmine Coleman" userId="4cc2aa29-ef1f-452c-9851-7cf6c71e79fd" providerId="ADAL" clId="{2A6677EF-F744-4575-9C34-D6B85F32ECB1}" dt="2019-02-28T21:10:12.300" v="621" actId="26606"/>
+          <ac:spMkLst>
+            <pc:docMk/>
+            <pc:sldMk cId="768475211" sldId="263"/>
+            <ac:spMk id="19" creationId="{73DE2CFE-42F2-48F0-8706-5264E012B10C}"/>
+          </ac:spMkLst>
+        </pc:spChg>
+        <pc:spChg chg="add del">
+          <ac:chgData name="Jasmine Coleman" userId="4cc2aa29-ef1f-452c-9851-7cf6c71e79fd" providerId="ADAL" clId="{2A6677EF-F744-4575-9C34-D6B85F32ECB1}" dt="2019-02-28T21:10:12.300" v="621" actId="26606"/>
+          <ac:spMkLst>
+            <pc:docMk/>
+            <pc:sldMk cId="768475211" sldId="263"/>
+            <ac:spMk id="20" creationId="{CA16F726-1297-418E-B8C7-0796FBEE63FF}"/>
+          </ac:spMkLst>
+        </pc:spChg>
+        <pc:spChg chg="add del">
+          <ac:chgData name="Jasmine Coleman" userId="4cc2aa29-ef1f-452c-9851-7cf6c71e79fd" providerId="ADAL" clId="{2A6677EF-F744-4575-9C34-D6B85F32ECB1}" dt="2019-02-28T21:10:13.902" v="623" actId="26606"/>
+          <ac:spMkLst>
+            <pc:docMk/>
+            <pc:sldMk cId="768475211" sldId="263"/>
+            <ac:spMk id="23" creationId="{4038CB10-1F5C-4D54-9DF7-12586DE5B007}"/>
+          </ac:spMkLst>
+        </pc:spChg>
+        <pc:spChg chg="add del">
+          <ac:chgData name="Jasmine Coleman" userId="4cc2aa29-ef1f-452c-9851-7cf6c71e79fd" providerId="ADAL" clId="{2A6677EF-F744-4575-9C34-D6B85F32ECB1}" dt="2019-02-28T21:10:13.902" v="623" actId="26606"/>
+          <ac:spMkLst>
+            <pc:docMk/>
+            <pc:sldMk cId="768475211" sldId="263"/>
+            <ac:spMk id="25" creationId="{73ED6512-6858-4552-B699-9A97FE9A4EA2}"/>
+          </ac:spMkLst>
+        </pc:spChg>
+        <pc:spChg chg="add del">
+          <ac:chgData name="Jasmine Coleman" userId="4cc2aa29-ef1f-452c-9851-7cf6c71e79fd" providerId="ADAL" clId="{2A6677EF-F744-4575-9C34-D6B85F32ECB1}" dt="2019-02-28T21:10:13.902" v="623" actId="26606"/>
+          <ac:spMkLst>
+            <pc:docMk/>
+            <pc:sldMk cId="768475211" sldId="263"/>
+            <ac:spMk id="26" creationId="{F7B2C0DF-50CD-40D6-AF82-FE9624F2C515}"/>
+          </ac:spMkLst>
+        </pc:spChg>
+        <pc:spChg chg="add del">
+          <ac:chgData name="Jasmine Coleman" userId="4cc2aa29-ef1f-452c-9851-7cf6c71e79fd" providerId="ADAL" clId="{2A6677EF-F744-4575-9C34-D6B85F32ECB1}" dt="2019-02-28T21:10:15.791" v="625" actId="26606"/>
+          <ac:spMkLst>
+            <pc:docMk/>
+            <pc:sldMk cId="768475211" sldId="263"/>
+            <ac:spMk id="28" creationId="{867D4867-5BA7-4462-B2F6-A23F4A622AA7}"/>
+          </ac:spMkLst>
+        </pc:spChg>
+        <pc:spChg chg="add del">
+          <ac:chgData name="Jasmine Coleman" userId="4cc2aa29-ef1f-452c-9851-7cf6c71e79fd" providerId="ADAL" clId="{2A6677EF-F744-4575-9C34-D6B85F32ECB1}" dt="2019-02-28T21:10:15.791" v="625" actId="26606"/>
+          <ac:spMkLst>
+            <pc:docMk/>
+            <pc:sldMk cId="768475211" sldId="263"/>
+            <ac:spMk id="29" creationId="{FF72C77B-DAF7-4C9E-A3D2-010E545DC82B}"/>
+          </ac:spMkLst>
+        </pc:spChg>
+        <pc:spChg chg="add del">
+          <ac:chgData name="Jasmine Coleman" userId="4cc2aa29-ef1f-452c-9851-7cf6c71e79fd" providerId="ADAL" clId="{2A6677EF-F744-4575-9C34-D6B85F32ECB1}" dt="2019-02-28T21:10:17.975" v="627" actId="26606"/>
+          <ac:spMkLst>
+            <pc:docMk/>
+            <pc:sldMk cId="768475211" sldId="263"/>
+            <ac:spMk id="32" creationId="{6753252F-4873-4F63-801D-CC719279A7D5}"/>
+          </ac:spMkLst>
+        </pc:spChg>
+        <pc:spChg chg="add del">
+          <ac:chgData name="Jasmine Coleman" userId="4cc2aa29-ef1f-452c-9851-7cf6c71e79fd" providerId="ADAL" clId="{2A6677EF-F744-4575-9C34-D6B85F32ECB1}" dt="2019-02-28T21:10:20.158" v="629" actId="26606"/>
+          <ac:spMkLst>
+            <pc:docMk/>
+            <pc:sldMk cId="768475211" sldId="263"/>
+            <ac:spMk id="35" creationId="{AB45A142-4255-493C-8284-5D566C121B10}"/>
+          </ac:spMkLst>
+        </pc:spChg>
+        <pc:spChg chg="add mod">
+          <ac:chgData name="Jasmine Coleman" userId="4cc2aa29-ef1f-452c-9851-7cf6c71e79fd" providerId="ADAL" clId="{2A6677EF-F744-4575-9C34-D6B85F32ECB1}" dt="2019-02-28T21:18:00.578" v="696" actId="1076"/>
+          <ac:spMkLst>
+            <pc:docMk/>
+            <pc:sldMk cId="768475211" sldId="263"/>
+            <ac:spMk id="38" creationId="{E5AE2027-AEDF-4692-8B69-80657D63FA6E}"/>
+          </ac:spMkLst>
+        </pc:spChg>
+        <pc:spChg chg="add">
+          <ac:chgData name="Jasmine Coleman" userId="4cc2aa29-ef1f-452c-9851-7cf6c71e79fd" providerId="ADAL" clId="{2A6677EF-F744-4575-9C34-D6B85F32ECB1}" dt="2019-02-28T21:10:20.180" v="630" actId="26606"/>
+          <ac:spMkLst>
+            <pc:docMk/>
+            <pc:sldMk cId="768475211" sldId="263"/>
+            <ac:spMk id="39" creationId="{6753252F-4873-4F63-801D-CC719279A7D5}"/>
+          </ac:spMkLst>
+        </pc:spChg>
+        <pc:spChg chg="add">
+          <ac:chgData name="Jasmine Coleman" userId="4cc2aa29-ef1f-452c-9851-7cf6c71e79fd" providerId="ADAL" clId="{2A6677EF-F744-4575-9C34-D6B85F32ECB1}" dt="2019-02-28T21:10:20.180" v="630" actId="26606"/>
+          <ac:spMkLst>
+            <pc:docMk/>
+            <pc:sldMk cId="768475211" sldId="263"/>
+            <ac:spMk id="40" creationId="{047C8CCB-F95D-4249-92DD-651249D3535A}"/>
+          </ac:spMkLst>
+        </pc:spChg>
+        <pc:graphicFrameChg chg="add del">
+          <ac:chgData name="Jasmine Coleman" userId="4cc2aa29-ef1f-452c-9851-7cf6c71e79fd" providerId="ADAL" clId="{2A6677EF-F744-4575-9C34-D6B85F32ECB1}" dt="2019-02-28T21:05:56.424" v="398"/>
+          <ac:graphicFrameMkLst>
+            <pc:docMk/>
+            <pc:sldMk cId="768475211" sldId="263"/>
+            <ac:graphicFrameMk id="5" creationId="{101E7935-199B-4313-9FFA-C720D61F7F06}"/>
+          </ac:graphicFrameMkLst>
+        </pc:graphicFrameChg>
+        <pc:graphicFrameChg chg="add mod">
+          <ac:chgData name="Jasmine Coleman" userId="4cc2aa29-ef1f-452c-9851-7cf6c71e79fd" providerId="ADAL" clId="{2A6677EF-F744-4575-9C34-D6B85F32ECB1}" dt="2019-02-28T21:18:00.578" v="696" actId="1076"/>
+          <ac:graphicFrameMkLst>
+            <pc:docMk/>
+            <pc:sldMk cId="768475211" sldId="263"/>
+            <ac:graphicFrameMk id="13" creationId="{929E6477-3C01-452D-906A-C1333C0E955B}"/>
+          </ac:graphicFrameMkLst>
+        </pc:graphicFrameChg>
+        <pc:graphicFrameChg chg="add mod">
+          <ac:chgData name="Jasmine Coleman" userId="4cc2aa29-ef1f-452c-9851-7cf6c71e79fd" providerId="ADAL" clId="{2A6677EF-F744-4575-9C34-D6B85F32ECB1}" dt="2019-02-28T21:18:00.578" v="696" actId="1076"/>
+          <ac:graphicFrameMkLst>
+            <pc:docMk/>
+            <pc:sldMk cId="768475211" sldId="263"/>
+            <ac:graphicFrameMk id="34" creationId="{788AE022-21CE-4B6C-87CC-12F1EDB24447}"/>
+          </ac:graphicFrameMkLst>
+        </pc:graphicFrameChg>
+        <pc:picChg chg="add del mod">
+          <ac:chgData name="Jasmine Coleman" userId="4cc2aa29-ef1f-452c-9851-7cf6c71e79fd" providerId="ADAL" clId="{2A6677EF-F744-4575-9C34-D6B85F32ECB1}" dt="2019-02-28T21:10:20.180" v="630" actId="26606"/>
+          <ac:picMkLst>
+            <pc:docMk/>
+            <pc:sldMk cId="768475211" sldId="263"/>
+            <ac:picMk id="4" creationId="{E6EE9F30-2AD2-436B-B843-C8816DC156D3}"/>
+          </ac:picMkLst>
+        </pc:picChg>
+        <pc:picChg chg="add del">
+          <ac:chgData name="Jasmine Coleman" userId="4cc2aa29-ef1f-452c-9851-7cf6c71e79fd" providerId="ADAL" clId="{2A6677EF-F744-4575-9C34-D6B85F32ECB1}" dt="2019-02-28T21:10:08.474" v="617" actId="26606"/>
+          <ac:picMkLst>
+            <pc:docMk/>
+            <pc:sldMk cId="768475211" sldId="263"/>
+            <ac:picMk id="7" creationId="{E6EE9F30-2AD2-436B-B843-C8816DC156D3}"/>
+          </ac:picMkLst>
+        </pc:picChg>
+        <pc:picChg chg="add del">
+          <ac:chgData name="Jasmine Coleman" userId="4cc2aa29-ef1f-452c-9851-7cf6c71e79fd" providerId="ADAL" clId="{2A6677EF-F744-4575-9C34-D6B85F32ECB1}" dt="2019-02-28T21:10:09.481" v="619" actId="26606"/>
+          <ac:picMkLst>
+            <pc:docMk/>
+            <pc:sldMk cId="768475211" sldId="263"/>
+            <ac:picMk id="15" creationId="{E6EE9F30-2AD2-436B-B843-C8816DC156D3}"/>
+          </ac:picMkLst>
+        </pc:picChg>
+        <pc:picChg chg="add del">
+          <ac:chgData name="Jasmine Coleman" userId="4cc2aa29-ef1f-452c-9851-7cf6c71e79fd" providerId="ADAL" clId="{2A6677EF-F744-4575-9C34-D6B85F32ECB1}" dt="2019-02-28T21:10:12.300" v="621" actId="26606"/>
+          <ac:picMkLst>
+            <pc:docMk/>
+            <pc:sldMk cId="768475211" sldId="263"/>
+            <ac:picMk id="21" creationId="{E6EE9F30-2AD2-436B-B843-C8816DC156D3}"/>
+          </ac:picMkLst>
+        </pc:picChg>
+        <pc:picChg chg="add del">
+          <ac:chgData name="Jasmine Coleman" userId="4cc2aa29-ef1f-452c-9851-7cf6c71e79fd" providerId="ADAL" clId="{2A6677EF-F744-4575-9C34-D6B85F32ECB1}" dt="2019-02-28T21:10:13.902" v="623" actId="26606"/>
+          <ac:picMkLst>
+            <pc:docMk/>
+            <pc:sldMk cId="768475211" sldId="263"/>
+            <ac:picMk id="24" creationId="{E6EE9F30-2AD2-436B-B843-C8816DC156D3}"/>
+          </ac:picMkLst>
+        </pc:picChg>
+        <pc:picChg chg="add del">
+          <ac:chgData name="Jasmine Coleman" userId="4cc2aa29-ef1f-452c-9851-7cf6c71e79fd" providerId="ADAL" clId="{2A6677EF-F744-4575-9C34-D6B85F32ECB1}" dt="2019-02-28T21:10:15.791" v="625" actId="26606"/>
+          <ac:picMkLst>
+            <pc:docMk/>
+            <pc:sldMk cId="768475211" sldId="263"/>
+            <ac:picMk id="30" creationId="{E6EE9F30-2AD2-436B-B843-C8816DC156D3}"/>
+          </ac:picMkLst>
+        </pc:picChg>
+        <pc:picChg chg="add del">
+          <ac:chgData name="Jasmine Coleman" userId="4cc2aa29-ef1f-452c-9851-7cf6c71e79fd" providerId="ADAL" clId="{2A6677EF-F744-4575-9C34-D6B85F32ECB1}" dt="2019-02-28T21:10:17.975" v="627" actId="26606"/>
+          <ac:picMkLst>
+            <pc:docMk/>
+            <pc:sldMk cId="768475211" sldId="263"/>
+            <ac:picMk id="33" creationId="{E6EE9F30-2AD2-436B-B843-C8816DC156D3}"/>
+          </ac:picMkLst>
+        </pc:picChg>
+        <pc:picChg chg="add del">
+          <ac:chgData name="Jasmine Coleman" userId="4cc2aa29-ef1f-452c-9851-7cf6c71e79fd" providerId="ADAL" clId="{2A6677EF-F744-4575-9C34-D6B85F32ECB1}" dt="2019-02-28T21:10:20.158" v="629" actId="26606"/>
+          <ac:picMkLst>
+            <pc:docMk/>
+            <pc:sldMk cId="768475211" sldId="263"/>
+            <ac:picMk id="37" creationId="{E6EE9F30-2AD2-436B-B843-C8816DC156D3}"/>
+          </ac:picMkLst>
+        </pc:picChg>
+        <pc:picChg chg="add mod">
+          <ac:chgData name="Jasmine Coleman" userId="4cc2aa29-ef1f-452c-9851-7cf6c71e79fd" providerId="ADAL" clId="{2A6677EF-F744-4575-9C34-D6B85F32ECB1}" dt="2019-02-28T21:11:37.720" v="642" actId="1076"/>
+          <ac:picMkLst>
+            <pc:docMk/>
+            <pc:sldMk cId="768475211" sldId="263"/>
+            <ac:picMk id="41" creationId="{E6EE9F30-2AD2-436B-B843-C8816DC156D3}"/>
+          </ac:picMkLst>
+        </pc:picChg>
+        <pc:cxnChg chg="add mod">
+          <ac:chgData name="Jasmine Coleman" userId="4cc2aa29-ef1f-452c-9851-7cf6c71e79fd" providerId="ADAL" clId="{2A6677EF-F744-4575-9C34-D6B85F32ECB1}" dt="2019-02-28T21:12:59.997" v="648" actId="11529"/>
+          <ac:cxnSpMkLst>
+            <pc:docMk/>
+            <pc:sldMk cId="768475211" sldId="263"/>
+            <ac:cxnSpMk id="8" creationId="{7443A728-3211-4771-997F-619887C2F031}"/>
+          </ac:cxnSpMkLst>
+        </pc:cxnChg>
+        <pc:cxnChg chg="add del">
+          <ac:chgData name="Jasmine Coleman" userId="4cc2aa29-ef1f-452c-9851-7cf6c71e79fd" providerId="ADAL" clId="{2A6677EF-F744-4575-9C34-D6B85F32ECB1}" dt="2019-02-28T21:10:09.481" v="619" actId="26606"/>
+          <ac:cxnSpMkLst>
+            <pc:docMk/>
+            <pc:sldMk cId="768475211" sldId="263"/>
+            <ac:cxnSpMk id="14" creationId="{20E3A342-4D61-4E3F-AF90-1AB42AEB96CC}"/>
+          </ac:cxnSpMkLst>
+        </pc:cxnChg>
+        <pc:cxnChg chg="add del">
+          <ac:chgData name="Jasmine Coleman" userId="4cc2aa29-ef1f-452c-9851-7cf6c71e79fd" providerId="ADAL" clId="{2A6677EF-F744-4575-9C34-D6B85F32ECB1}" dt="2019-02-28T21:10:20.158" v="629" actId="26606"/>
+          <ac:cxnSpMkLst>
+            <pc:docMk/>
+            <pc:sldMk cId="768475211" sldId="263"/>
+            <ac:cxnSpMk id="36" creationId="{38FB9660-F42F-4313-BBC4-47C007FE484C}"/>
+          </ac:cxnSpMkLst>
+        </pc:cxnChg>
+      </pc:sldChg>
+      <pc:sldChg chg="addSp delSp modSp add">
+        <pc:chgData name="Jasmine Coleman" userId="4cc2aa29-ef1f-452c-9851-7cf6c71e79fd" providerId="ADAL" clId="{2A6677EF-F744-4575-9C34-D6B85F32ECB1}" dt="2019-02-28T21:11:40.409" v="643"/>
+        <pc:sldMkLst>
+          <pc:docMk/>
+          <pc:sldMk cId="149287810" sldId="264"/>
+        </pc:sldMkLst>
+        <pc:spChg chg="add del">
+          <ac:chgData name="Jasmine Coleman" userId="4cc2aa29-ef1f-452c-9851-7cf6c71e79fd" providerId="ADAL" clId="{2A6677EF-F744-4575-9C34-D6B85F32ECB1}" dt="2019-02-28T21:03:48.529" v="395"/>
+          <ac:spMkLst>
+            <pc:docMk/>
+            <pc:sldMk cId="149287810" sldId="264"/>
+            <ac:spMk id="3" creationId="{E88A7421-5D29-4A3D-A459-19175EF17E4B}"/>
+          </ac:spMkLst>
+        </pc:spChg>
+        <pc:spChg chg="add del">
+          <ac:chgData name="Jasmine Coleman" userId="4cc2aa29-ef1f-452c-9851-7cf6c71e79fd" providerId="ADAL" clId="{2A6677EF-F744-4575-9C34-D6B85F32ECB1}" dt="2019-02-28T21:01:58.259" v="394"/>
+          <ac:spMkLst>
+            <pc:docMk/>
+            <pc:sldMk cId="149287810" sldId="264"/>
+            <ac:spMk id="4" creationId="{B4F491DD-01E6-4774-91E2-43607F600455}"/>
+          </ac:spMkLst>
+        </pc:spChg>
+        <pc:spChg chg="add mod">
+          <ac:chgData name="Jasmine Coleman" userId="4cc2aa29-ef1f-452c-9851-7cf6c71e79fd" providerId="ADAL" clId="{2A6677EF-F744-4575-9C34-D6B85F32ECB1}" dt="2019-02-28T21:11:40.409" v="643"/>
+          <ac:spMkLst>
+            <pc:docMk/>
+            <pc:sldMk cId="149287810" sldId="264"/>
+            <ac:spMk id="6" creationId="{0A757754-DCA6-4545-B05B-735A8089A4FC}"/>
+          </ac:spMkLst>
+        </pc:spChg>
+        <pc:graphicFrameChg chg="add del mod">
+          <ac:chgData name="Jasmine Coleman" userId="4cc2aa29-ef1f-452c-9851-7cf6c71e79fd" providerId="ADAL" clId="{2A6677EF-F744-4575-9C34-D6B85F32ECB1}" dt="2019-02-28T21:11:40.409" v="643"/>
+          <ac:graphicFrameMkLst>
+            <pc:docMk/>
+            <pc:sldMk cId="149287810" sldId="264"/>
+            <ac:graphicFrameMk id="5" creationId="{50AC6F80-1E13-4520-A9FC-26E400F8817F}"/>
+          </ac:graphicFrameMkLst>
+        </pc:graphicFrameChg>
+      </pc:sldChg>
+    </pc:docChg>
+  </pc:docChgLst>
+  <pc:docChgLst>
+    <pc:chgData name="Coleman, Jasmine" userId="4cc2aa29-ef1f-452c-9851-7cf6c71e79fd" providerId="ADAL" clId="{2A6677EF-F744-4575-9C34-D6B85F32ECB1}"/>
+    <pc:docChg chg="delSld">
+      <pc:chgData name="Coleman, Jasmine" userId="4cc2aa29-ef1f-452c-9851-7cf6c71e79fd" providerId="ADAL" clId="{2A6677EF-F744-4575-9C34-D6B85F32ECB1}" dt="2019-02-28T21:18:55.361" v="2" actId="2696"/>
+      <pc:docMkLst>
+        <pc:docMk/>
+      </pc:docMkLst>
+      <pc:sldChg chg="del">
+        <pc:chgData name="Coleman, Jasmine" userId="4cc2aa29-ef1f-452c-9851-7cf6c71e79fd" providerId="ADAL" clId="{2A6677EF-F744-4575-9C34-D6B85F32ECB1}" dt="2019-02-28T21:18:53.332" v="0" actId="2696"/>
+        <pc:sldMkLst>
+          <pc:docMk/>
+          <pc:sldMk cId="786482413" sldId="260"/>
+        </pc:sldMkLst>
+      </pc:sldChg>
+      <pc:sldChg chg="del">
+        <pc:chgData name="Coleman, Jasmine" userId="4cc2aa29-ef1f-452c-9851-7cf6c71e79fd" providerId="ADAL" clId="{2A6677EF-F744-4575-9C34-D6B85F32ECB1}" dt="2019-02-28T21:18:54.312" v="1" actId="2696"/>
+        <pc:sldMkLst>
+          <pc:docMk/>
+          <pc:sldMk cId="1534044430" sldId="261"/>
+        </pc:sldMkLst>
+      </pc:sldChg>
+      <pc:sldChg chg="del">
+        <pc:chgData name="Coleman, Jasmine" userId="4cc2aa29-ef1f-452c-9851-7cf6c71e79fd" providerId="ADAL" clId="{2A6677EF-F744-4575-9C34-D6B85F32ECB1}" dt="2019-02-28T21:18:55.361" v="2" actId="2696"/>
+        <pc:sldMkLst>
+          <pc:docMk/>
+          <pc:sldMk cId="149287810" sldId="264"/>
+        </pc:sldMkLst>
+      </pc:sldChg>
+    </pc:docChg>
+  </pc:docChgLst>
+</pc:chgInfo>
 </file>
 
 <file path=ppt/notesMasters/notesMaster1.xml><?xml version="1.0" encoding="utf-8"?>
@@ -752,6 +1720,227 @@
 </p:notes>
 </file>
 
+<file path=ppt/notesSlides/notesSlide4.xml><?xml version="1.0" encoding="utf-8"?>
+<p:notes xmlns:a="http://schemas.openxmlformats.org/drawingml/2006/main" xmlns:r="http://schemas.openxmlformats.org/officeDocument/2006/relationships" xmlns:p="http://schemas.openxmlformats.org/presentationml/2006/main">
+  <p:cSld>
+    <p:spTree>
+      <p:nvGrpSpPr>
+        <p:cNvPr id="1" name=""/>
+        <p:cNvGrpSpPr/>
+        <p:nvPr/>
+      </p:nvGrpSpPr>
+      <p:grpSpPr>
+        <a:xfrm>
+          <a:off x="0" y="0"/>
+          <a:ext cx="0" cy="0"/>
+          <a:chOff x="0" y="0"/>
+          <a:chExt cx="0" cy="0"/>
+        </a:xfrm>
+      </p:grpSpPr>
+      <p:sp>
+        <p:nvSpPr>
+          <p:cNvPr id="2" name="Slide Image Placeholder 1"/>
+          <p:cNvSpPr>
+            <a:spLocks noGrp="1" noRot="1" noChangeAspect="1"/>
+          </p:cNvSpPr>
+          <p:nvPr>
+            <p:ph type="sldImg"/>
+          </p:nvPr>
+        </p:nvSpPr>
+        <p:spPr/>
+      </p:sp>
+      <p:sp>
+        <p:nvSpPr>
+          <p:cNvPr id="3" name="Notes Placeholder 2"/>
+          <p:cNvSpPr>
+            <a:spLocks noGrp="1"/>
+          </p:cNvSpPr>
+          <p:nvPr>
+            <p:ph type="body" idx="1"/>
+          </p:nvPr>
+        </p:nvSpPr>
+        <p:spPr/>
+        <p:txBody>
+          <a:bodyPr/>
+          <a:lstStyle/>
+          <a:p>
+            <a:r>
+              <a:rPr lang="en-US" dirty="0"/>
+              <a:t>ABV ranges from </a:t>
+            </a:r>
+            <a:r>
+              <a:rPr lang="en-US" dirty="0">
+                <a:effectLst/>
+              </a:rPr>
+              <a:t>0.001 to 0.128 but the majority of beers range btw .052 and .062 ABV with CO producing highest at…</a:t>
+            </a:r>
+          </a:p>
+          <a:p>
+            <a:r>
+              <a:rPr lang="en-US" dirty="0">
+                <a:effectLst/>
+              </a:rPr>
+              <a:t>IBU ranges from 4.00 to 138.00 but the top 10 states range btw 19 and 42 … with OR producing highest at…</a:t>
+            </a:r>
+            <a:endParaRPr lang="en-US" dirty="0"/>
+          </a:p>
+          <a:p>
+            <a:r>
+              <a:rPr lang="en-US" dirty="0"/>
+              <a:t>Max ABV: CO - </a:t>
+            </a:r>
+            <a:r>
+              <a:rPr lang="en-US" dirty="0">
+                <a:effectLst/>
+              </a:rPr>
+              <a:t>0.128</a:t>
+            </a:r>
+            <a:endParaRPr lang="en-US" dirty="0"/>
+          </a:p>
+          <a:p>
+            <a:r>
+              <a:rPr lang="en-US" dirty="0"/>
+              <a:t>Max IBU: OR -</a:t>
+            </a:r>
+            <a:r>
+              <a:rPr lang="en-US" dirty="0">
+                <a:effectLst/>
+              </a:rPr>
+              <a:t>138</a:t>
+            </a:r>
+            <a:endParaRPr lang="en-US" dirty="0"/>
+          </a:p>
+        </p:txBody>
+      </p:sp>
+      <p:sp>
+        <p:nvSpPr>
+          <p:cNvPr id="4" name="Slide Number Placeholder 3"/>
+          <p:cNvSpPr>
+            <a:spLocks noGrp="1"/>
+          </p:cNvSpPr>
+          <p:nvPr>
+            <p:ph type="sldNum" sz="quarter" idx="5"/>
+          </p:nvPr>
+        </p:nvSpPr>
+        <p:spPr/>
+        <p:txBody>
+          <a:bodyPr/>
+          <a:lstStyle/>
+          <a:p>
+            <a:fld id="{54D2827B-2772-4EF8-AAC8-41926FFFB231}" type="slidenum">
+              <a:rPr lang="en-US" smtClean="0"/>
+              <a:t>5</a:t>
+            </a:fld>
+            <a:endParaRPr lang="en-US"/>
+          </a:p>
+        </p:txBody>
+      </p:sp>
+    </p:spTree>
+    <p:extLst>
+      <p:ext uri="{BB962C8B-B14F-4D97-AF65-F5344CB8AC3E}">
+        <p14:creationId xmlns:p14="http://schemas.microsoft.com/office/powerpoint/2010/main" val="3795730569"/>
+      </p:ext>
+    </p:extLst>
+  </p:cSld>
+  <p:clrMapOvr>
+    <a:masterClrMapping/>
+  </p:clrMapOvr>
+</p:notes>
+</file>
+
+<file path=ppt/notesSlides/notesSlide5.xml><?xml version="1.0" encoding="utf-8"?>
+<p:notes xmlns:a="http://schemas.openxmlformats.org/drawingml/2006/main" xmlns:r="http://schemas.openxmlformats.org/officeDocument/2006/relationships" xmlns:p="http://schemas.openxmlformats.org/presentationml/2006/main">
+  <p:cSld>
+    <p:spTree>
+      <p:nvGrpSpPr>
+        <p:cNvPr id="1" name=""/>
+        <p:cNvGrpSpPr/>
+        <p:nvPr/>
+      </p:nvGrpSpPr>
+      <p:grpSpPr>
+        <a:xfrm>
+          <a:off x="0" y="0"/>
+          <a:ext cx="0" cy="0"/>
+          <a:chOff x="0" y="0"/>
+          <a:chExt cx="0" cy="0"/>
+        </a:xfrm>
+      </p:grpSpPr>
+      <p:sp>
+        <p:nvSpPr>
+          <p:cNvPr id="2" name="Slide Image Placeholder 1"/>
+          <p:cNvSpPr>
+            <a:spLocks noGrp="1" noRot="1" noChangeAspect="1"/>
+          </p:cNvSpPr>
+          <p:nvPr>
+            <p:ph type="sldImg"/>
+          </p:nvPr>
+        </p:nvSpPr>
+        <p:spPr/>
+      </p:sp>
+      <p:sp>
+        <p:nvSpPr>
+          <p:cNvPr id="3" name="Notes Placeholder 2"/>
+          <p:cNvSpPr>
+            <a:spLocks noGrp="1"/>
+          </p:cNvSpPr>
+          <p:nvPr>
+            <p:ph type="body" idx="1"/>
+          </p:nvPr>
+        </p:nvSpPr>
+        <p:spPr/>
+        <p:txBody>
+          <a:bodyPr/>
+          <a:lstStyle/>
+          <a:p>
+            <a:r>
+              <a:rPr lang="en-US" dirty="0"/>
+              <a:t>IBU: Bitterness</a:t>
+            </a:r>
+          </a:p>
+          <a:p>
+            <a:r>
+              <a:rPr lang="en-US" dirty="0"/>
+              <a:t>ABV: Alc. content</a:t>
+            </a:r>
+          </a:p>
+        </p:txBody>
+      </p:sp>
+      <p:sp>
+        <p:nvSpPr>
+          <p:cNvPr id="4" name="Slide Number Placeholder 3"/>
+          <p:cNvSpPr>
+            <a:spLocks noGrp="1"/>
+          </p:cNvSpPr>
+          <p:nvPr>
+            <p:ph type="sldNum" sz="quarter" idx="5"/>
+          </p:nvPr>
+        </p:nvSpPr>
+        <p:spPr/>
+        <p:txBody>
+          <a:bodyPr/>
+          <a:lstStyle/>
+          <a:p>
+            <a:fld id="{54D2827B-2772-4EF8-AAC8-41926FFFB231}" type="slidenum">
+              <a:rPr lang="en-US" smtClean="0"/>
+              <a:t>6</a:t>
+            </a:fld>
+            <a:endParaRPr lang="en-US"/>
+          </a:p>
+        </p:txBody>
+      </p:sp>
+    </p:spTree>
+    <p:extLst>
+      <p:ext uri="{BB962C8B-B14F-4D97-AF65-F5344CB8AC3E}">
+        <p14:creationId xmlns:p14="http://schemas.microsoft.com/office/powerpoint/2010/main" val="2565251688"/>
+      </p:ext>
+    </p:extLst>
+  </p:cSld>
+  <p:clrMapOvr>
+    <a:masterClrMapping/>
+  </p:clrMapOvr>
+</p:notes>
+</file>
+
 <file path=ppt/slideLayouts/slideLayout1.xml><?xml version="1.0" encoding="utf-8"?>
 <p:sldLayout xmlns:a="http://schemas.openxmlformats.org/drawingml/2006/main" xmlns:r="http://schemas.openxmlformats.org/officeDocument/2006/relationships" xmlns:p="http://schemas.openxmlformats.org/presentationml/2006/main" type="title" preserve="1">
   <p:cSld name="Title Slide">
@@ -899,7 +2088,7 @@
           <a:p>
             <a:fld id="{BCFAC40C-DCF3-4668-A328-EC475B101CBA}" type="datetimeFigureOut">
               <a:rPr lang="en-US" smtClean="0"/>
-              <a:t>2/27/2019</a:t>
+              <a:t>2/28/2019</a:t>
             </a:fld>
             <a:endParaRPr lang="en-US"/>
           </a:p>
@@ -1097,7 +2286,7 @@
           <a:p>
             <a:fld id="{BCFAC40C-DCF3-4668-A328-EC475B101CBA}" type="datetimeFigureOut">
               <a:rPr lang="en-US" smtClean="0"/>
-              <a:t>2/27/2019</a:t>
+              <a:t>2/28/2019</a:t>
             </a:fld>
             <a:endParaRPr lang="en-US"/>
           </a:p>
@@ -1305,7 +2494,7 @@
           <a:p>
             <a:fld id="{BCFAC40C-DCF3-4668-A328-EC475B101CBA}" type="datetimeFigureOut">
               <a:rPr lang="en-US" smtClean="0"/>
-              <a:t>2/27/2019</a:t>
+              <a:t>2/28/2019</a:t>
             </a:fld>
             <a:endParaRPr lang="en-US"/>
           </a:p>
@@ -1503,7 +2692,7 @@
           <a:p>
             <a:fld id="{BCFAC40C-DCF3-4668-A328-EC475B101CBA}" type="datetimeFigureOut">
               <a:rPr lang="en-US" smtClean="0"/>
-              <a:t>2/27/2019</a:t>
+              <a:t>2/28/2019</a:t>
             </a:fld>
             <a:endParaRPr lang="en-US"/>
           </a:p>
@@ -1778,7 +2967,7 @@
           <a:p>
             <a:fld id="{BCFAC40C-DCF3-4668-A328-EC475B101CBA}" type="datetimeFigureOut">
               <a:rPr lang="en-US" smtClean="0"/>
-              <a:t>2/27/2019</a:t>
+              <a:t>2/28/2019</a:t>
             </a:fld>
             <a:endParaRPr lang="en-US"/>
           </a:p>
@@ -2043,7 +3232,7 @@
           <a:p>
             <a:fld id="{BCFAC40C-DCF3-4668-A328-EC475B101CBA}" type="datetimeFigureOut">
               <a:rPr lang="en-US" smtClean="0"/>
-              <a:t>2/27/2019</a:t>
+              <a:t>2/28/2019</a:t>
             </a:fld>
             <a:endParaRPr lang="en-US"/>
           </a:p>
@@ -2455,7 +3644,7 @@
           <a:p>
             <a:fld id="{BCFAC40C-DCF3-4668-A328-EC475B101CBA}" type="datetimeFigureOut">
               <a:rPr lang="en-US" smtClean="0"/>
-              <a:t>2/27/2019</a:t>
+              <a:t>2/28/2019</a:t>
             </a:fld>
             <a:endParaRPr lang="en-US"/>
           </a:p>
@@ -2596,7 +3785,7 @@
           <a:p>
             <a:fld id="{BCFAC40C-DCF3-4668-A328-EC475B101CBA}" type="datetimeFigureOut">
               <a:rPr lang="en-US" smtClean="0"/>
-              <a:t>2/27/2019</a:t>
+              <a:t>2/28/2019</a:t>
             </a:fld>
             <a:endParaRPr lang="en-US"/>
           </a:p>
@@ -2709,7 +3898,7 @@
           <a:p>
             <a:fld id="{BCFAC40C-DCF3-4668-A328-EC475B101CBA}" type="datetimeFigureOut">
               <a:rPr lang="en-US" smtClean="0"/>
-              <a:t>2/27/2019</a:t>
+              <a:t>2/28/2019</a:t>
             </a:fld>
             <a:endParaRPr lang="en-US"/>
           </a:p>
@@ -3020,7 +4209,7 @@
           <a:p>
             <a:fld id="{BCFAC40C-DCF3-4668-A328-EC475B101CBA}" type="datetimeFigureOut">
               <a:rPr lang="en-US" smtClean="0"/>
-              <a:t>2/27/2019</a:t>
+              <a:t>2/28/2019</a:t>
             </a:fld>
             <a:endParaRPr lang="en-US"/>
           </a:p>
@@ -3308,7 +4497,7 @@
           <a:p>
             <a:fld id="{BCFAC40C-DCF3-4668-A328-EC475B101CBA}" type="datetimeFigureOut">
               <a:rPr lang="en-US" smtClean="0"/>
-              <a:t>2/27/2019</a:t>
+              <a:t>2/28/2019</a:t>
             </a:fld>
             <a:endParaRPr lang="en-US"/>
           </a:p>
@@ -3549,7 +4738,7 @@
           <a:p>
             <a:fld id="{BCFAC40C-DCF3-4668-A328-EC475B101CBA}" type="datetimeFigureOut">
               <a:rPr lang="en-US" smtClean="0"/>
-              <a:t>2/27/2019</a:t>
+              <a:t>2/28/2019</a:t>
             </a:fld>
             <a:endParaRPr lang="en-US"/>
           </a:p>
@@ -5595,19 +6784,20 @@
         </p:nvSpPr>
         <p:spPr>
           <a:xfrm>
-            <a:off x="625687" y="888365"/>
+            <a:off x="697320" y="630777"/>
             <a:ext cx="4185817" cy="660116"/>
           </a:xfrm>
         </p:spPr>
         <p:txBody>
           <a:bodyPr>
-            <a:normAutofit/>
+            <a:normAutofit fontScale="90000"/>
           </a:bodyPr>
           <a:lstStyle/>
           <a:p>
+            <a:pPr algn="ctr"/>
             <a:r>
               <a:rPr lang="en-US" sz="3300" dirty="0"/>
-              <a:t>US Brewery Locations</a:t>
+              <a:t>US Brewery Locations &amp; Beer Production Volume</a:t>
             </a:r>
           </a:p>
         </p:txBody>
@@ -5678,12 +6868,47 @@
         </p:blipFill>
         <p:spPr>
           <a:xfrm>
-            <a:off x="452757" y="2304420"/>
-            <a:ext cx="4462337" cy="3923625"/>
+            <a:off x="235942" y="2191567"/>
+            <a:ext cx="3497074" cy="3074893"/>
           </a:xfrm>
           <a:prstGeom prst="rect">
             <a:avLst/>
           </a:prstGeom>
+        </p:spPr>
+      </p:pic>
+      <p:pic>
+        <p:nvPicPr>
+          <p:cNvPr id="9" name="Content Placeholder 5">
+            <a:extLst>
+              <a:ext uri="{FF2B5EF4-FFF2-40B4-BE49-F238E27FC236}">
+                <a16:creationId xmlns:a16="http://schemas.microsoft.com/office/drawing/2014/main" id="{05DE3D7F-AA10-436C-B990-F8FD25A6B6C1}"/>
+              </a:ext>
+            </a:extLst>
+          </p:cNvPr>
+          <p:cNvPicPr>
+            <a:picLocks noChangeAspect="1"/>
+          </p:cNvPicPr>
+          <p:nvPr/>
+        </p:nvPicPr>
+        <p:blipFill>
+          <a:blip r:embed="rId5"/>
+          <a:stretch>
+            <a:fillRect/>
+          </a:stretch>
+        </p:blipFill>
+        <p:spPr>
+          <a:xfrm>
+            <a:off x="2790229" y="3332800"/>
+            <a:ext cx="3355909" cy="2950770"/>
+          </a:xfrm>
+          <a:prstGeom prst="rect">
+            <a:avLst/>
+          </a:prstGeom>
+          <a:ln>
+            <a:solidFill>
+              <a:schemeClr val="bg1"/>
+            </a:solidFill>
+          </a:ln>
         </p:spPr>
       </p:pic>
     </p:spTree>
@@ -5724,21 +6949,21 @@
           <a:chExt cx="0" cy="0"/>
         </a:xfrm>
       </p:grpSpPr>
-      <p:sp useBgFill="1">
-        <p:nvSpPr>
-          <p:cNvPr id="14" name="Rectangle 13">
-            <a:extLst>
-              <a:ext uri="{FF2B5EF4-FFF2-40B4-BE49-F238E27FC236}">
-                <a16:creationId xmlns:a16="http://schemas.microsoft.com/office/drawing/2014/main" id="{F2974790-8852-4217-8EC5-00AD6F9A51F8}"/>
+      <p:cxnSp>
+        <p:nvCxnSpPr>
+          <p:cNvPr id="20" name="Straight Connector 10">
+            <a:extLst>
+              <a:ext uri="{FF2B5EF4-FFF2-40B4-BE49-F238E27FC236}">
+                <a16:creationId xmlns:a16="http://schemas.microsoft.com/office/drawing/2014/main" id="{DB146403-F3D6-484B-B2ED-97F9565D0370}"/>
               </a:ext>
               <a:ext uri="{C183D7F6-B498-43B3-948B-1728B52AA6E4}">
                 <adec:decorative xmlns:adec="http://schemas.microsoft.com/office/drawing/2017/decorative" val="1"/>
               </a:ext>
             </a:extLst>
           </p:cNvPr>
-          <p:cNvSpPr>
-            <a:spLocks noGrp="1" noRot="1" noChangeAspect="1" noMove="1" noResize="1" noEditPoints="1" noAdjustHandles="1" noChangeArrowheads="1" noChangeShapeType="1" noTextEdit="1"/>
-          </p:cNvSpPr>
+          <p:cNvCxnSpPr>
+            <a:cxnSpLocks noGrp="1" noRot="1" noChangeAspect="1" noMove="1" noResize="1" noEditPoints="1" noAdjustHandles="1" noChangeArrowheads="1" noChangeShapeType="1"/>
+          </p:cNvCxnSpPr>
           <p:nvPr>
             <p:extLst>
               <p:ext uri="{386F3935-93C4-4BCD-93E2-E3B085C9AB24}">
@@ -5746,17 +6971,74 @@
               </p:ext>
             </p:extLst>
           </p:nvPr>
-        </p:nvSpPr>
+        </p:nvCxnSpPr>
         <p:spPr>
           <a:xfrm>
-            <a:off x="0" y="0"/>
-            <a:ext cx="12191695" cy="6858000"/>
+            <a:off x="6096000" y="477749"/>
+            <a:ext cx="0" cy="3657600"/>
+          </a:xfrm>
+          <a:prstGeom prst="line">
+            <a:avLst/>
+          </a:prstGeom>
+          <a:ln w="101600" cmpd="dbl">
+            <a:solidFill>
+              <a:srgbClr val="595959"/>
+            </a:solidFill>
+          </a:ln>
+        </p:spPr>
+        <p:style>
+          <a:lnRef idx="1">
+            <a:schemeClr val="accent1"/>
+          </a:lnRef>
+          <a:fillRef idx="0">
+            <a:schemeClr val="accent1"/>
+          </a:fillRef>
+          <a:effectRef idx="0">
+            <a:schemeClr val="accent1"/>
+          </a:effectRef>
+          <a:fontRef idx="minor">
+            <a:schemeClr val="tx1"/>
+          </a:fontRef>
+        </p:style>
+      </p:cxnSp>
+      <p:sp>
+        <p:nvSpPr>
+          <p:cNvPr id="13" name="Rectangle 12">
+            <a:extLst>
+              <a:ext uri="{FF2B5EF4-FFF2-40B4-BE49-F238E27FC236}">
+                <a16:creationId xmlns:a16="http://schemas.microsoft.com/office/drawing/2014/main" id="{823AC064-BC96-4F32-8AE1-B2FD38754823}"/>
+              </a:ext>
+              <a:ext uri="{C183D7F6-B498-43B3-948B-1728B52AA6E4}">
+                <adec:decorative xmlns:adec="http://schemas.microsoft.com/office/drawing/2017/decorative" val="1"/>
+              </a:ext>
+            </a:extLst>
+          </p:cNvPr>
+          <p:cNvSpPr>
+            <a:spLocks noGrp="1" noRot="1" noChangeAspect="1" noMove="1" noResize="1" noEditPoints="1" noAdjustHandles="1" noChangeArrowheads="1" noChangeShapeType="1" noTextEdit="1"/>
+          </p:cNvSpPr>
+          <p:nvPr>
+            <p:extLst>
+              <p:ext uri="{386F3935-93C4-4BCD-93E2-E3B085C9AB24}">
+                <p16:designElem xmlns:p16="http://schemas.microsoft.com/office/powerpoint/2015/main" val="1"/>
+              </p:ext>
+            </p:extLst>
+          </p:nvPr>
+        </p:nvSpPr>
+        <p:spPr bwMode="ltGray">
+          <a:xfrm>
+            <a:off x="378068" y="4633546"/>
+            <a:ext cx="11438793" cy="1844256"/>
           </a:xfrm>
           <a:prstGeom prst="rect">
             <a:avLst/>
           </a:prstGeom>
-          <a:ln>
-            <a:noFill/>
+          <a:solidFill>
+            <a:srgbClr val="404040"/>
+          </a:solidFill>
+          <a:ln w="127000" cap="sq" cmpd="thinThick">
+            <a:solidFill>
+              <a:srgbClr val="404040"/>
+            </a:solidFill>
           </a:ln>
         </p:spPr>
         <p:style>
@@ -5784,21 +7066,125 @@
           </a:p>
         </p:txBody>
       </p:sp>
-      <p:grpSp>
-        <p:nvGrpSpPr>
-          <p:cNvPr id="16" name="Group 15">
-            <a:extLst>
-              <a:ext uri="{FF2B5EF4-FFF2-40B4-BE49-F238E27FC236}">
-                <a16:creationId xmlns:a16="http://schemas.microsoft.com/office/drawing/2014/main" id="{9AE485DA-524A-4260-9FC8-98FAACAFF580}"/>
+      <p:sp>
+        <p:nvSpPr>
+          <p:cNvPr id="2" name="Title 1">
+            <a:extLst>
+              <a:ext uri="{FF2B5EF4-FFF2-40B4-BE49-F238E27FC236}">
+                <a16:creationId xmlns:a16="http://schemas.microsoft.com/office/drawing/2014/main" id="{75E2845C-C2F1-4D38-9225-6E97D66AFC50}"/>
+              </a:ext>
+            </a:extLst>
+          </p:cNvPr>
+          <p:cNvSpPr>
+            <a:spLocks noGrp="1"/>
+          </p:cNvSpPr>
+          <p:nvPr>
+            <p:ph type="title"/>
+          </p:nvPr>
+        </p:nvSpPr>
+        <p:spPr>
+          <a:xfrm>
+            <a:off x="527538" y="4756638"/>
+            <a:ext cx="11139854" cy="930447"/>
+          </a:xfrm>
+        </p:spPr>
+        <p:txBody>
+          <a:bodyPr vert="horz" lIns="91440" tIns="45720" rIns="91440" bIns="45720" rtlCol="0" anchor="b">
+            <a:normAutofit/>
+          </a:bodyPr>
+          <a:lstStyle/>
+          <a:p>
+            <a:pPr algn="ctr"/>
+            <a:r>
+              <a:rPr lang="en-US" sz="5400" dirty="0">
+                <a:solidFill>
+                  <a:srgbClr val="FFFFFF"/>
+                </a:solidFill>
+              </a:rPr>
+              <a:t>Beer Stats</a:t>
+            </a:r>
+          </a:p>
+        </p:txBody>
+      </p:sp>
+      <p:pic>
+        <p:nvPicPr>
+          <p:cNvPr id="6" name="Content Placeholder 5">
+            <a:extLst>
+              <a:ext uri="{FF2B5EF4-FFF2-40B4-BE49-F238E27FC236}">
+                <a16:creationId xmlns:a16="http://schemas.microsoft.com/office/drawing/2014/main" id="{3A51B0DA-80C3-45A3-9D1D-FCF4821F083F}"/>
+              </a:ext>
+            </a:extLst>
+          </p:cNvPr>
+          <p:cNvPicPr>
+            <a:picLocks noGrp="1" noChangeAspect="1"/>
+          </p:cNvPicPr>
+          <p:nvPr>
+            <p:ph sz="half" idx="2"/>
+          </p:nvPr>
+        </p:nvPicPr>
+        <p:blipFill>
+          <a:blip r:embed="rId3"/>
+          <a:stretch>
+            <a:fillRect/>
+          </a:stretch>
+        </p:blipFill>
+        <p:spPr>
+          <a:xfrm>
+            <a:off x="320040" y="553836"/>
+            <a:ext cx="5455917" cy="3505426"/>
+          </a:xfrm>
+          <a:prstGeom prst="rect">
+            <a:avLst/>
+          </a:prstGeom>
+        </p:spPr>
+      </p:pic>
+      <p:pic>
+        <p:nvPicPr>
+          <p:cNvPr id="21" name="Content Placeholder 4">
+            <a:extLst>
+              <a:ext uri="{FF2B5EF4-FFF2-40B4-BE49-F238E27FC236}">
+                <a16:creationId xmlns:a16="http://schemas.microsoft.com/office/drawing/2014/main" id="{48EE4E75-65F5-4A76-B5A5-3EC1CA8AACA7}"/>
+              </a:ext>
+            </a:extLst>
+          </p:cNvPr>
+          <p:cNvPicPr>
+            <a:picLocks noGrp="1" noChangeAspect="1"/>
+          </p:cNvPicPr>
+          <p:nvPr>
+            <p:ph sz="half" idx="1"/>
+          </p:nvPr>
+        </p:nvPicPr>
+        <p:blipFill>
+          <a:blip r:embed="rId4"/>
+          <a:stretch>
+            <a:fillRect/>
+          </a:stretch>
+        </p:blipFill>
+        <p:spPr>
+          <a:xfrm>
+            <a:off x="6416043" y="553836"/>
+            <a:ext cx="5455917" cy="3505426"/>
+          </a:xfrm>
+          <a:prstGeom prst="rect">
+            <a:avLst/>
+          </a:prstGeom>
+        </p:spPr>
+      </p:pic>
+      <p:cxnSp>
+        <p:nvCxnSpPr>
+          <p:cNvPr id="15" name="Straight Connector 14">
+            <a:extLst>
+              <a:ext uri="{FF2B5EF4-FFF2-40B4-BE49-F238E27FC236}">
+                <a16:creationId xmlns:a16="http://schemas.microsoft.com/office/drawing/2014/main" id="{7E7C77BC-7138-40B1-A15B-20F57A494629}"/>
               </a:ext>
               <a:ext uri="{C183D7F6-B498-43B3-948B-1728B52AA6E4}">
                 <adec:decorative xmlns:adec="http://schemas.microsoft.com/office/drawing/2017/decorative" val="1"/>
               </a:ext>
             </a:extLst>
           </p:cNvPr>
-          <p:cNvGrpSpPr>
-            <a:grpSpLocks noGrp="1" noUngrp="1" noRot="1" noChangeAspect="1" noMove="1" noResize="1"/>
-          </p:cNvGrpSpPr>
+          <p:cNvCxnSpPr>
+            <a:cxnSpLocks noGrp="1" noRot="1" noChangeAspect="1" noMove="1" noResize="1" noEditPoints="1" noAdjustHandles="1" noChangeArrowheads="1" noChangeShapeType="1"/>
+          </p:cNvCxnSpPr>
           <p:nvPr>
             <p:extLst>
               <p:ext uri="{386F3935-93C4-4BCD-93E2-E3B085C9AB24}">
@@ -5806,1975 +7192,220 @@
               </p:ext>
             </p:extLst>
           </p:nvPr>
-        </p:nvGrpSpPr>
-        <p:grpSpPr>
+        </p:nvCxnSpPr>
+        <p:spPr>
           <a:xfrm>
-            <a:off x="-417513" y="0"/>
-            <a:ext cx="12584114" cy="6853238"/>
-            <a:chOff x="-417513" y="0"/>
-            <a:chExt cx="12584114" cy="6853238"/>
+            <a:off x="2209800" y="5738691"/>
+            <a:ext cx="7772400" cy="0"/>
           </a:xfrm>
-        </p:grpSpPr>
-        <p:sp>
-          <p:nvSpPr>
-            <p:cNvPr id="17" name="Freeform 5">
-              <a:extLst>
-                <a:ext uri="{FF2B5EF4-FFF2-40B4-BE49-F238E27FC236}">
-                  <a16:creationId xmlns:a16="http://schemas.microsoft.com/office/drawing/2014/main" id="{6B58B403-6C75-44AB-AE71-97BF1EB567D7}"/>
-                </a:ext>
-                <a:ext uri="{C183D7F6-B498-43B3-948B-1728B52AA6E4}">
-                  <adec:decorative xmlns:adec="http://schemas.microsoft.com/office/drawing/2017/decorative" val="1"/>
-                </a:ext>
-              </a:extLst>
-            </p:cNvPr>
-            <p:cNvSpPr>
-              <a:spLocks/>
-            </p:cNvSpPr>
-            <p:nvPr>
-              <p:extLst>
-                <p:ext uri="{386F3935-93C4-4BCD-93E2-E3B085C9AB24}">
-                  <p16:designElem xmlns:p16="http://schemas.microsoft.com/office/powerpoint/2015/main" val="1"/>
-                </p:ext>
-              </p:extLst>
-            </p:nvPr>
-          </p:nvSpPr>
-          <p:spPr bwMode="auto">
-            <a:xfrm>
-              <a:off x="1306513" y="0"/>
-              <a:ext cx="3862388" cy="6843713"/>
-            </a:xfrm>
-            <a:custGeom>
-              <a:avLst/>
-              <a:gdLst>
-                <a:gd name="T0" fmla="*/ 813 w 813"/>
-                <a:gd name="T1" fmla="*/ 0 h 1440"/>
-                <a:gd name="T2" fmla="*/ 435 w 813"/>
-                <a:gd name="T3" fmla="*/ 1440 h 1440"/>
-              </a:gdLst>
-              <a:ahLst/>
-              <a:cxnLst>
-                <a:cxn ang="0">
-                  <a:pos x="T0" y="T1"/>
-                </a:cxn>
-                <a:cxn ang="0">
-                  <a:pos x="T2" y="T3"/>
-                </a:cxn>
-              </a:cxnLst>
-              <a:rect l="0" t="0" r="r" b="b"/>
-              <a:pathLst>
-                <a:path w="813" h="1440">
-                  <a:moveTo>
-                    <a:pt x="813" y="0"/>
-                  </a:moveTo>
-                  <a:cubicBezTo>
-                    <a:pt x="331" y="221"/>
-                    <a:pt x="0" y="1039"/>
-                    <a:pt x="435" y="1440"/>
-                  </a:cubicBezTo>
-                </a:path>
-              </a:pathLst>
-            </a:custGeom>
+          <a:prstGeom prst="line">
+            <a:avLst/>
+          </a:prstGeom>
+          <a:ln w="22225">
+            <a:solidFill>
+              <a:srgbClr val="D9D9D9"/>
+            </a:solidFill>
+          </a:ln>
+        </p:spPr>
+        <p:style>
+          <a:lnRef idx="1">
+            <a:schemeClr val="accent1"/>
+          </a:lnRef>
+          <a:fillRef idx="0">
+            <a:schemeClr val="accent1"/>
+          </a:fillRef>
+          <a:effectRef idx="0">
+            <a:schemeClr val="accent1"/>
+          </a:effectRef>
+          <a:fontRef idx="minor">
+            <a:schemeClr val="tx1"/>
+          </a:fontRef>
+        </p:style>
+      </p:cxnSp>
+      <p:sp>
+        <p:nvSpPr>
+          <p:cNvPr id="7" name="Star: 5 Points 6">
+            <a:extLst>
+              <a:ext uri="{FF2B5EF4-FFF2-40B4-BE49-F238E27FC236}">
+                <a16:creationId xmlns:a16="http://schemas.microsoft.com/office/drawing/2014/main" id="{F743672A-23DA-4F3B-9D86-84F5EBCF258F}"/>
+              </a:ext>
+            </a:extLst>
+          </p:cNvPr>
+          <p:cNvSpPr/>
+          <p:nvPr/>
+        </p:nvSpPr>
+        <p:spPr>
+          <a:xfrm>
+            <a:off x="320040" y="1283855"/>
+            <a:ext cx="166877" cy="157019"/>
+          </a:xfrm>
+          <a:prstGeom prst="star5">
+            <a:avLst/>
+          </a:prstGeom>
+          <a:gradFill flip="none" rotWithShape="1">
+            <a:gsLst>
+              <a:gs pos="0">
+                <a:schemeClr val="accent4">
+                  <a:lumMod val="67000"/>
+                </a:schemeClr>
+              </a:gs>
+              <a:gs pos="48000">
+                <a:schemeClr val="accent4">
+                  <a:lumMod val="97000"/>
+                  <a:lumOff val="3000"/>
+                </a:schemeClr>
+              </a:gs>
+              <a:gs pos="100000">
+                <a:schemeClr val="accent4">
+                  <a:lumMod val="60000"/>
+                  <a:lumOff val="40000"/>
+                </a:schemeClr>
+              </a:gs>
+            </a:gsLst>
+            <a:lin ang="16200000" scaled="1"/>
+            <a:tileRect/>
+          </a:gradFill>
+          <a:ln>
             <a:noFill/>
-            <a:ln w="9525" cap="flat">
-              <a:solidFill>
-                <a:schemeClr val="tx1">
-                  <a:alpha val="20000"/>
+          </a:ln>
+        </p:spPr>
+        <p:style>
+          <a:lnRef idx="0">
+            <a:scrgbClr r="0" g="0" b="0"/>
+          </a:lnRef>
+          <a:fillRef idx="0">
+            <a:scrgbClr r="0" g="0" b="0"/>
+          </a:fillRef>
+          <a:effectRef idx="0">
+            <a:scrgbClr r="0" g="0" b="0"/>
+          </a:effectRef>
+          <a:fontRef idx="minor">
+            <a:schemeClr val="lt1"/>
+          </a:fontRef>
+        </p:style>
+        <p:txBody>
+          <a:bodyPr rtlCol="0" anchor="ctr"/>
+          <a:lstStyle/>
+          <a:p>
+            <a:pPr algn="ctr"/>
+            <a:endParaRPr lang="en-US"/>
+          </a:p>
+        </p:txBody>
+      </p:sp>
+      <p:sp>
+        <p:nvSpPr>
+          <p:cNvPr id="19" name="Star: 5 Points 18">
+            <a:extLst>
+              <a:ext uri="{FF2B5EF4-FFF2-40B4-BE49-F238E27FC236}">
+                <a16:creationId xmlns:a16="http://schemas.microsoft.com/office/drawing/2014/main" id="{1DCE4A04-64FF-4A76-8C39-A2D9A1F83DE0}"/>
+              </a:ext>
+            </a:extLst>
+          </p:cNvPr>
+          <p:cNvSpPr/>
+          <p:nvPr/>
+        </p:nvSpPr>
+        <p:spPr>
+          <a:xfrm>
+            <a:off x="6397651" y="1283854"/>
+            <a:ext cx="166877" cy="157019"/>
+          </a:xfrm>
+          <a:prstGeom prst="star5">
+            <a:avLst/>
+          </a:prstGeom>
+          <a:gradFill flip="none" rotWithShape="1">
+            <a:gsLst>
+              <a:gs pos="0">
+                <a:schemeClr val="accent4">
+                  <a:lumMod val="67000"/>
                 </a:schemeClr>
-              </a:solidFill>
-              <a:prstDash val="solid"/>
-              <a:miter lim="800000"/>
-              <a:headEnd/>
-              <a:tailEnd/>
-            </a:ln>
-            <a:extLst>
-              <a:ext uri="{909E8E84-426E-40DD-AFC4-6F175D3DCCD1}">
-                <a14:hiddenFill xmlns:a14="http://schemas.microsoft.com/office/drawing/2010/main">
-                  <a:solidFill>
-                    <a:srgbClr val="FFFFFF"/>
-                  </a:solidFill>
-                </a14:hiddenFill>
-              </a:ext>
-            </a:extLst>
-          </p:spPr>
-          <p:txBody>
-            <a:bodyPr vert="horz" wrap="square" lIns="91440" tIns="45720" rIns="91440" bIns="45720" numCol="1" anchor="t" anchorCtr="0" compatLnSpc="1">
-              <a:prstTxWarp prst="textNoShape">
-                <a:avLst/>
-              </a:prstTxWarp>
-            </a:bodyPr>
-            <a:lstStyle/>
-            <a:p>
-              <a:endParaRPr lang="en-US"/>
-            </a:p>
-          </p:txBody>
-        </p:sp>
-        <p:sp>
-          <p:nvSpPr>
-            <p:cNvPr id="18" name="Freeform 6">
-              <a:extLst>
-                <a:ext uri="{FF2B5EF4-FFF2-40B4-BE49-F238E27FC236}">
-                  <a16:creationId xmlns:a16="http://schemas.microsoft.com/office/drawing/2014/main" id="{F012B86A-CF90-40CF-8B77-C382530E3935}"/>
-                </a:ext>
-                <a:ext uri="{C183D7F6-B498-43B3-948B-1728B52AA6E4}">
-                  <adec:decorative xmlns:adec="http://schemas.microsoft.com/office/drawing/2017/decorative" val="1"/>
-                </a:ext>
-              </a:extLst>
-            </p:cNvPr>
-            <p:cNvSpPr>
-              <a:spLocks/>
-            </p:cNvSpPr>
-            <p:nvPr>
-              <p:extLst>
-                <p:ext uri="{386F3935-93C4-4BCD-93E2-E3B085C9AB24}">
-                  <p16:designElem xmlns:p16="http://schemas.microsoft.com/office/powerpoint/2015/main" val="1"/>
-                </p:ext>
-              </p:extLst>
-            </p:nvPr>
-          </p:nvSpPr>
-          <p:spPr bwMode="auto">
-            <a:xfrm>
-              <a:off x="10626725" y="9525"/>
-              <a:ext cx="1539875" cy="555625"/>
-            </a:xfrm>
-            <a:custGeom>
-              <a:avLst/>
-              <a:gdLst>
-                <a:gd name="T0" fmla="*/ 324 w 324"/>
-                <a:gd name="T1" fmla="*/ 117 h 117"/>
-                <a:gd name="T2" fmla="*/ 0 w 324"/>
-                <a:gd name="T3" fmla="*/ 0 h 117"/>
-              </a:gdLst>
-              <a:ahLst/>
-              <a:cxnLst>
-                <a:cxn ang="0">
-                  <a:pos x="T0" y="T1"/>
-                </a:cxn>
-                <a:cxn ang="0">
-                  <a:pos x="T2" y="T3"/>
-                </a:cxn>
-              </a:cxnLst>
-              <a:rect l="0" t="0" r="r" b="b"/>
-              <a:pathLst>
-                <a:path w="324" h="117">
-                  <a:moveTo>
-                    <a:pt x="324" y="117"/>
-                  </a:moveTo>
-                  <a:cubicBezTo>
-                    <a:pt x="223" y="64"/>
-                    <a:pt x="107" y="28"/>
-                    <a:pt x="0" y="0"/>
-                  </a:cubicBezTo>
-                </a:path>
-              </a:pathLst>
-            </a:custGeom>
+              </a:gs>
+              <a:gs pos="48000">
+                <a:schemeClr val="accent4">
+                  <a:lumMod val="97000"/>
+                  <a:lumOff val="3000"/>
+                </a:schemeClr>
+              </a:gs>
+              <a:gs pos="100000">
+                <a:schemeClr val="accent4">
+                  <a:lumMod val="60000"/>
+                  <a:lumOff val="40000"/>
+                </a:schemeClr>
+              </a:gs>
+            </a:gsLst>
+            <a:lin ang="16200000" scaled="1"/>
+            <a:tileRect/>
+          </a:gradFill>
+          <a:ln>
             <a:noFill/>
-            <a:ln w="9525" cap="flat">
-              <a:solidFill>
-                <a:schemeClr val="tx1">
-                  <a:alpha val="20000"/>
-                </a:schemeClr>
-              </a:solidFill>
-              <a:prstDash val="solid"/>
-              <a:miter lim="800000"/>
-              <a:headEnd/>
-              <a:tailEnd/>
-            </a:ln>
-            <a:extLst>
-              <a:ext uri="{909E8E84-426E-40DD-AFC4-6F175D3DCCD1}">
-                <a14:hiddenFill xmlns:a14="http://schemas.microsoft.com/office/drawing/2010/main">
-                  <a:solidFill>
-                    <a:srgbClr val="FFFFFF"/>
-                  </a:solidFill>
-                </a14:hiddenFill>
-              </a:ext>
-            </a:extLst>
-          </p:spPr>
-          <p:txBody>
-            <a:bodyPr vert="horz" wrap="square" lIns="91440" tIns="45720" rIns="91440" bIns="45720" numCol="1" anchor="t" anchorCtr="0" compatLnSpc="1">
-              <a:prstTxWarp prst="textNoShape">
-                <a:avLst/>
-              </a:prstTxWarp>
-            </a:bodyPr>
-            <a:lstStyle/>
-            <a:p>
-              <a:endParaRPr lang="en-US"/>
-            </a:p>
-          </p:txBody>
-        </p:sp>
-        <p:sp>
-          <p:nvSpPr>
-            <p:cNvPr id="19" name="Freeform 7">
-              <a:extLst>
-                <a:ext uri="{FF2B5EF4-FFF2-40B4-BE49-F238E27FC236}">
-                  <a16:creationId xmlns:a16="http://schemas.microsoft.com/office/drawing/2014/main" id="{77EB535E-0753-4F7A-8E6A-A6BB3A3A4214}"/>
-                </a:ext>
-                <a:ext uri="{C183D7F6-B498-43B3-948B-1728B52AA6E4}">
-                  <adec:decorative xmlns:adec="http://schemas.microsoft.com/office/drawing/2017/decorative" val="1"/>
-                </a:ext>
-              </a:extLst>
-            </p:cNvPr>
-            <p:cNvSpPr>
-              <a:spLocks/>
-            </p:cNvSpPr>
-            <p:nvPr>
-              <p:extLst>
-                <p:ext uri="{386F3935-93C4-4BCD-93E2-E3B085C9AB24}">
-                  <p16:designElem xmlns:p16="http://schemas.microsoft.com/office/powerpoint/2015/main" val="1"/>
-                </p:ext>
-              </p:extLst>
-            </p:nvPr>
-          </p:nvSpPr>
-          <p:spPr bwMode="auto">
-            <a:xfrm>
-              <a:off x="10247313" y="5013325"/>
-              <a:ext cx="1919288" cy="1830388"/>
-            </a:xfrm>
-            <a:custGeom>
-              <a:avLst/>
-              <a:gdLst>
-                <a:gd name="T0" fmla="*/ 0 w 404"/>
-                <a:gd name="T1" fmla="*/ 385 h 385"/>
-                <a:gd name="T2" fmla="*/ 404 w 404"/>
-                <a:gd name="T3" fmla="*/ 0 h 385"/>
-              </a:gdLst>
-              <a:ahLst/>
-              <a:cxnLst>
-                <a:cxn ang="0">
-                  <a:pos x="T0" y="T1"/>
-                </a:cxn>
-                <a:cxn ang="0">
-                  <a:pos x="T2" y="T3"/>
-                </a:cxn>
-              </a:cxnLst>
-              <a:rect l="0" t="0" r="r" b="b"/>
-              <a:pathLst>
-                <a:path w="404" h="385">
-                  <a:moveTo>
-                    <a:pt x="0" y="385"/>
-                  </a:moveTo>
-                  <a:cubicBezTo>
-                    <a:pt x="146" y="272"/>
-                    <a:pt x="285" y="142"/>
-                    <a:pt x="404" y="0"/>
-                  </a:cubicBezTo>
-                </a:path>
-              </a:pathLst>
-            </a:custGeom>
-            <a:noFill/>
-            <a:ln w="9525" cap="flat">
-              <a:solidFill>
-                <a:schemeClr val="tx1">
-                  <a:alpha val="20000"/>
-                </a:schemeClr>
-              </a:solidFill>
-              <a:prstDash val="solid"/>
-              <a:miter lim="800000"/>
-              <a:headEnd/>
-              <a:tailEnd/>
-            </a:ln>
-            <a:extLst>
-              <a:ext uri="{909E8E84-426E-40DD-AFC4-6F175D3DCCD1}">
-                <a14:hiddenFill xmlns:a14="http://schemas.microsoft.com/office/drawing/2010/main">
-                  <a:solidFill>
-                    <a:srgbClr val="FFFFFF"/>
-                  </a:solidFill>
-                </a14:hiddenFill>
-              </a:ext>
-            </a:extLst>
-          </p:spPr>
-          <p:txBody>
-            <a:bodyPr vert="horz" wrap="square" lIns="91440" tIns="45720" rIns="91440" bIns="45720" numCol="1" anchor="t" anchorCtr="0" compatLnSpc="1">
-              <a:prstTxWarp prst="textNoShape">
-                <a:avLst/>
-              </a:prstTxWarp>
-            </a:bodyPr>
-            <a:lstStyle/>
-            <a:p>
-              <a:endParaRPr lang="en-US"/>
-            </a:p>
-          </p:txBody>
-        </p:sp>
-        <p:sp>
-          <p:nvSpPr>
-            <p:cNvPr id="20" name="Freeform 8">
-              <a:extLst>
-                <a:ext uri="{FF2B5EF4-FFF2-40B4-BE49-F238E27FC236}">
-                  <a16:creationId xmlns:a16="http://schemas.microsoft.com/office/drawing/2014/main" id="{6EA7969D-0525-4972-A406-A3ECCFB906ED}"/>
-                </a:ext>
-                <a:ext uri="{C183D7F6-B498-43B3-948B-1728B52AA6E4}">
-                  <adec:decorative xmlns:adec="http://schemas.microsoft.com/office/drawing/2017/decorative" val="1"/>
-                </a:ext>
-              </a:extLst>
-            </p:cNvPr>
-            <p:cNvSpPr>
-              <a:spLocks/>
-            </p:cNvSpPr>
-            <p:nvPr>
-              <p:extLst>
-                <p:ext uri="{386F3935-93C4-4BCD-93E2-E3B085C9AB24}">
-                  <p16:designElem xmlns:p16="http://schemas.microsoft.com/office/powerpoint/2015/main" val="1"/>
-                </p:ext>
-              </p:extLst>
-            </p:nvPr>
-          </p:nvSpPr>
-          <p:spPr bwMode="auto">
-            <a:xfrm>
-              <a:off x="1120775" y="0"/>
-              <a:ext cx="3676650" cy="6843713"/>
-            </a:xfrm>
-            <a:custGeom>
-              <a:avLst/>
-              <a:gdLst>
-                <a:gd name="T0" fmla="*/ 774 w 774"/>
-                <a:gd name="T1" fmla="*/ 0 h 1440"/>
-                <a:gd name="T2" fmla="*/ 411 w 774"/>
-                <a:gd name="T3" fmla="*/ 1440 h 1440"/>
-              </a:gdLst>
-              <a:ahLst/>
-              <a:cxnLst>
-                <a:cxn ang="0">
-                  <a:pos x="T0" y="T1"/>
-                </a:cxn>
-                <a:cxn ang="0">
-                  <a:pos x="T2" y="T3"/>
-                </a:cxn>
-              </a:cxnLst>
-              <a:rect l="0" t="0" r="r" b="b"/>
-              <a:pathLst>
-                <a:path w="774" h="1440">
-                  <a:moveTo>
-                    <a:pt x="774" y="0"/>
-                  </a:moveTo>
-                  <a:cubicBezTo>
-                    <a:pt x="312" y="240"/>
-                    <a:pt x="0" y="1034"/>
-                    <a:pt x="411" y="1440"/>
-                  </a:cubicBezTo>
-                </a:path>
-              </a:pathLst>
-            </a:custGeom>
-            <a:noFill/>
-            <a:ln w="9525" cap="flat">
-              <a:solidFill>
-                <a:schemeClr val="tx1">
-                  <a:alpha val="20000"/>
-                </a:schemeClr>
-              </a:solidFill>
-              <a:prstDash val="dash"/>
-              <a:miter lim="800000"/>
-              <a:headEnd/>
-              <a:tailEnd/>
-            </a:ln>
-            <a:extLst>
-              <a:ext uri="{909E8E84-426E-40DD-AFC4-6F175D3DCCD1}">
-                <a14:hiddenFill xmlns:a14="http://schemas.microsoft.com/office/drawing/2010/main">
-                  <a:solidFill>
-                    <a:srgbClr val="FFFFFF"/>
-                  </a:solidFill>
-                </a14:hiddenFill>
-              </a:ext>
-            </a:extLst>
-          </p:spPr>
-          <p:txBody>
-            <a:bodyPr vert="horz" wrap="square" lIns="91440" tIns="45720" rIns="91440" bIns="45720" numCol="1" anchor="t" anchorCtr="0" compatLnSpc="1">
-              <a:prstTxWarp prst="textNoShape">
-                <a:avLst/>
-              </a:prstTxWarp>
-            </a:bodyPr>
-            <a:lstStyle/>
-            <a:p>
-              <a:endParaRPr lang="en-US"/>
-            </a:p>
-          </p:txBody>
-        </p:sp>
-        <p:sp>
-          <p:nvSpPr>
-            <p:cNvPr id="21" name="Freeform 9">
-              <a:extLst>
-                <a:ext uri="{FF2B5EF4-FFF2-40B4-BE49-F238E27FC236}">
-                  <a16:creationId xmlns:a16="http://schemas.microsoft.com/office/drawing/2014/main" id="{111A00F7-1251-40DA-95AA-8EB5A776D540}"/>
-                </a:ext>
-                <a:ext uri="{C183D7F6-B498-43B3-948B-1728B52AA6E4}">
-                  <adec:decorative xmlns:adec="http://schemas.microsoft.com/office/drawing/2017/decorative" val="1"/>
-                </a:ext>
-              </a:extLst>
-            </p:cNvPr>
-            <p:cNvSpPr>
-              <a:spLocks/>
-            </p:cNvSpPr>
-            <p:nvPr>
-              <p:extLst>
-                <p:ext uri="{386F3935-93C4-4BCD-93E2-E3B085C9AB24}">
-                  <p16:designElem xmlns:p16="http://schemas.microsoft.com/office/powerpoint/2015/main" val="1"/>
-                </p:ext>
-              </p:extLst>
-            </p:nvPr>
-          </p:nvSpPr>
-          <p:spPr bwMode="auto">
-            <a:xfrm>
-              <a:off x="11202988" y="9525"/>
-              <a:ext cx="963613" cy="366713"/>
-            </a:xfrm>
-            <a:custGeom>
-              <a:avLst/>
-              <a:gdLst>
-                <a:gd name="T0" fmla="*/ 203 w 203"/>
-                <a:gd name="T1" fmla="*/ 77 h 77"/>
-                <a:gd name="T2" fmla="*/ 0 w 203"/>
-                <a:gd name="T3" fmla="*/ 0 h 77"/>
-              </a:gdLst>
-              <a:ahLst/>
-              <a:cxnLst>
-                <a:cxn ang="0">
-                  <a:pos x="T0" y="T1"/>
-                </a:cxn>
-                <a:cxn ang="0">
-                  <a:pos x="T2" y="T3"/>
-                </a:cxn>
-              </a:cxnLst>
-              <a:rect l="0" t="0" r="r" b="b"/>
-              <a:pathLst>
-                <a:path w="203" h="77">
-                  <a:moveTo>
-                    <a:pt x="203" y="77"/>
-                  </a:moveTo>
-                  <a:cubicBezTo>
-                    <a:pt x="138" y="46"/>
-                    <a:pt x="68" y="21"/>
-                    <a:pt x="0" y="0"/>
-                  </a:cubicBezTo>
-                </a:path>
-              </a:pathLst>
-            </a:custGeom>
-            <a:noFill/>
-            <a:ln w="9525" cap="flat">
-              <a:solidFill>
-                <a:schemeClr val="tx1">
-                  <a:alpha val="20000"/>
-                </a:schemeClr>
-              </a:solidFill>
-              <a:prstDash val="dash"/>
-              <a:miter lim="800000"/>
-              <a:headEnd/>
-              <a:tailEnd/>
-            </a:ln>
-            <a:extLst>
-              <a:ext uri="{909E8E84-426E-40DD-AFC4-6F175D3DCCD1}">
-                <a14:hiddenFill xmlns:a14="http://schemas.microsoft.com/office/drawing/2010/main">
-                  <a:solidFill>
-                    <a:srgbClr val="FFFFFF"/>
-                  </a:solidFill>
-                </a14:hiddenFill>
-              </a:ext>
-            </a:extLst>
-          </p:spPr>
-          <p:txBody>
-            <a:bodyPr vert="horz" wrap="square" lIns="91440" tIns="45720" rIns="91440" bIns="45720" numCol="1" anchor="t" anchorCtr="0" compatLnSpc="1">
-              <a:prstTxWarp prst="textNoShape">
-                <a:avLst/>
-              </a:prstTxWarp>
-            </a:bodyPr>
-            <a:lstStyle/>
-            <a:p>
-              <a:endParaRPr lang="en-US"/>
-            </a:p>
-          </p:txBody>
-        </p:sp>
-        <p:sp>
-          <p:nvSpPr>
-            <p:cNvPr id="22" name="Freeform 10">
-              <a:extLst>
-                <a:ext uri="{FF2B5EF4-FFF2-40B4-BE49-F238E27FC236}">
-                  <a16:creationId xmlns:a16="http://schemas.microsoft.com/office/drawing/2014/main" id="{3B034E9C-0B6D-4740-B839-339A3CFE9164}"/>
-                </a:ext>
-                <a:ext uri="{C183D7F6-B498-43B3-948B-1728B52AA6E4}">
-                  <adec:decorative xmlns:adec="http://schemas.microsoft.com/office/drawing/2017/decorative" val="1"/>
-                </a:ext>
-              </a:extLst>
-            </p:cNvPr>
-            <p:cNvSpPr>
-              <a:spLocks/>
-            </p:cNvSpPr>
-            <p:nvPr>
-              <p:extLst>
-                <p:ext uri="{386F3935-93C4-4BCD-93E2-E3B085C9AB24}">
-                  <p16:designElem xmlns:p16="http://schemas.microsoft.com/office/powerpoint/2015/main" val="1"/>
-                </p:ext>
-              </p:extLst>
-            </p:nvPr>
-          </p:nvSpPr>
-          <p:spPr bwMode="auto">
-            <a:xfrm>
-              <a:off x="10494963" y="5275263"/>
-              <a:ext cx="1666875" cy="1577975"/>
-            </a:xfrm>
-            <a:custGeom>
-              <a:avLst/>
-              <a:gdLst>
-                <a:gd name="T0" fmla="*/ 0 w 351"/>
-                <a:gd name="T1" fmla="*/ 332 h 332"/>
-                <a:gd name="T2" fmla="*/ 351 w 351"/>
-                <a:gd name="T3" fmla="*/ 0 h 332"/>
-              </a:gdLst>
-              <a:ahLst/>
-              <a:cxnLst>
-                <a:cxn ang="0">
-                  <a:pos x="T0" y="T1"/>
-                </a:cxn>
-                <a:cxn ang="0">
-                  <a:pos x="T2" y="T3"/>
-                </a:cxn>
-              </a:cxnLst>
-              <a:rect l="0" t="0" r="r" b="b"/>
-              <a:pathLst>
-                <a:path w="351" h="332">
-                  <a:moveTo>
-                    <a:pt x="0" y="332"/>
-                  </a:moveTo>
-                  <a:cubicBezTo>
-                    <a:pt x="125" y="232"/>
-                    <a:pt x="245" y="121"/>
-                    <a:pt x="351" y="0"/>
-                  </a:cubicBezTo>
-                </a:path>
-              </a:pathLst>
-            </a:custGeom>
-            <a:noFill/>
-            <a:ln w="9525" cap="flat">
-              <a:solidFill>
-                <a:schemeClr val="tx1">
-                  <a:alpha val="20000"/>
-                </a:schemeClr>
-              </a:solidFill>
-              <a:prstDash val="dash"/>
-              <a:miter lim="800000"/>
-              <a:headEnd/>
-              <a:tailEnd/>
-            </a:ln>
-            <a:extLst>
-              <a:ext uri="{909E8E84-426E-40DD-AFC4-6F175D3DCCD1}">
-                <a14:hiddenFill xmlns:a14="http://schemas.microsoft.com/office/drawing/2010/main">
-                  <a:solidFill>
-                    <a:srgbClr val="FFFFFF"/>
-                  </a:solidFill>
-                </a14:hiddenFill>
-              </a:ext>
-            </a:extLst>
-          </p:spPr>
-          <p:txBody>
-            <a:bodyPr vert="horz" wrap="square" lIns="91440" tIns="45720" rIns="91440" bIns="45720" numCol="1" anchor="t" anchorCtr="0" compatLnSpc="1">
-              <a:prstTxWarp prst="textNoShape">
-                <a:avLst/>
-              </a:prstTxWarp>
-            </a:bodyPr>
-            <a:lstStyle/>
-            <a:p>
-              <a:endParaRPr lang="en-US"/>
-            </a:p>
-          </p:txBody>
-        </p:sp>
-        <p:sp>
-          <p:nvSpPr>
-            <p:cNvPr id="23" name="Freeform 11">
-              <a:extLst>
-                <a:ext uri="{FF2B5EF4-FFF2-40B4-BE49-F238E27FC236}">
-                  <a16:creationId xmlns:a16="http://schemas.microsoft.com/office/drawing/2014/main" id="{79BDE6BB-D9F6-4547-A3D5-0410D5686445}"/>
-                </a:ext>
-                <a:ext uri="{C183D7F6-B498-43B3-948B-1728B52AA6E4}">
-                  <adec:decorative xmlns:adec="http://schemas.microsoft.com/office/drawing/2017/decorative" val="1"/>
-                </a:ext>
-              </a:extLst>
-            </p:cNvPr>
-            <p:cNvSpPr>
-              <a:spLocks/>
-            </p:cNvSpPr>
-            <p:nvPr>
-              <p:extLst>
-                <p:ext uri="{386F3935-93C4-4BCD-93E2-E3B085C9AB24}">
-                  <p16:designElem xmlns:p16="http://schemas.microsoft.com/office/powerpoint/2015/main" val="1"/>
-                </p:ext>
-              </p:extLst>
-            </p:nvPr>
-          </p:nvSpPr>
-          <p:spPr bwMode="auto">
-            <a:xfrm>
-              <a:off x="1001713" y="0"/>
-              <a:ext cx="3621088" cy="6843713"/>
-            </a:xfrm>
-            <a:custGeom>
-              <a:avLst/>
-              <a:gdLst>
-                <a:gd name="T0" fmla="*/ 762 w 762"/>
-                <a:gd name="T1" fmla="*/ 0 h 1440"/>
-                <a:gd name="T2" fmla="*/ 403 w 762"/>
-                <a:gd name="T3" fmla="*/ 1440 h 1440"/>
-              </a:gdLst>
-              <a:ahLst/>
-              <a:cxnLst>
-                <a:cxn ang="0">
-                  <a:pos x="T0" y="T1"/>
-                </a:cxn>
-                <a:cxn ang="0">
-                  <a:pos x="T2" y="T3"/>
-                </a:cxn>
-              </a:cxnLst>
-              <a:rect l="0" t="0" r="r" b="b"/>
-              <a:pathLst>
-                <a:path w="762" h="1440">
-                  <a:moveTo>
-                    <a:pt x="762" y="0"/>
-                  </a:moveTo>
-                  <a:cubicBezTo>
-                    <a:pt x="308" y="245"/>
-                    <a:pt x="0" y="1033"/>
-                    <a:pt x="403" y="1440"/>
-                  </a:cubicBezTo>
-                </a:path>
-              </a:pathLst>
-            </a:custGeom>
-            <a:noFill/>
-            <a:ln w="9525" cap="flat">
-              <a:solidFill>
-                <a:schemeClr val="tx1">
-                  <a:alpha val="20000"/>
-                </a:schemeClr>
-              </a:solidFill>
-              <a:prstDash val="solid"/>
-              <a:miter lim="800000"/>
-              <a:headEnd/>
-              <a:tailEnd/>
-            </a:ln>
-            <a:extLst>
-              <a:ext uri="{909E8E84-426E-40DD-AFC4-6F175D3DCCD1}">
-                <a14:hiddenFill xmlns:a14="http://schemas.microsoft.com/office/drawing/2010/main">
-                  <a:solidFill>
-                    <a:srgbClr val="FFFFFF"/>
-                  </a:solidFill>
-                </a14:hiddenFill>
-              </a:ext>
-            </a:extLst>
-          </p:spPr>
-          <p:txBody>
-            <a:bodyPr vert="horz" wrap="square" lIns="91440" tIns="45720" rIns="91440" bIns="45720" numCol="1" anchor="t" anchorCtr="0" compatLnSpc="1">
-              <a:prstTxWarp prst="textNoShape">
-                <a:avLst/>
-              </a:prstTxWarp>
-            </a:bodyPr>
-            <a:lstStyle/>
-            <a:p>
-              <a:endParaRPr lang="en-US"/>
-            </a:p>
-          </p:txBody>
-        </p:sp>
-        <p:sp>
-          <p:nvSpPr>
-            <p:cNvPr id="24" name="Freeform 12">
-              <a:extLst>
-                <a:ext uri="{FF2B5EF4-FFF2-40B4-BE49-F238E27FC236}">
-                  <a16:creationId xmlns:a16="http://schemas.microsoft.com/office/drawing/2014/main" id="{0B171098-0659-4752-BCA7-80539A02B9A7}"/>
-                </a:ext>
-                <a:ext uri="{C183D7F6-B498-43B3-948B-1728B52AA6E4}">
-                  <adec:decorative xmlns:adec="http://schemas.microsoft.com/office/drawing/2017/decorative" val="1"/>
-                </a:ext>
-              </a:extLst>
-            </p:cNvPr>
-            <p:cNvSpPr>
-              <a:spLocks/>
-            </p:cNvSpPr>
-            <p:nvPr>
-              <p:extLst>
-                <p:ext uri="{386F3935-93C4-4BCD-93E2-E3B085C9AB24}">
-                  <p16:designElem xmlns:p16="http://schemas.microsoft.com/office/powerpoint/2015/main" val="1"/>
-                </p:ext>
-              </p:extLst>
-            </p:nvPr>
-          </p:nvSpPr>
-          <p:spPr bwMode="auto">
-            <a:xfrm>
-              <a:off x="11501438" y="9525"/>
-              <a:ext cx="665163" cy="257175"/>
-            </a:xfrm>
-            <a:custGeom>
-              <a:avLst/>
-              <a:gdLst>
-                <a:gd name="T0" fmla="*/ 140 w 140"/>
-                <a:gd name="T1" fmla="*/ 54 h 54"/>
-                <a:gd name="T2" fmla="*/ 0 w 140"/>
-                <a:gd name="T3" fmla="*/ 0 h 54"/>
-              </a:gdLst>
-              <a:ahLst/>
-              <a:cxnLst>
-                <a:cxn ang="0">
-                  <a:pos x="T0" y="T1"/>
-                </a:cxn>
-                <a:cxn ang="0">
-                  <a:pos x="T2" y="T3"/>
-                </a:cxn>
-              </a:cxnLst>
-              <a:rect l="0" t="0" r="r" b="b"/>
-              <a:pathLst>
-                <a:path w="140" h="54">
-                  <a:moveTo>
-                    <a:pt x="140" y="54"/>
-                  </a:moveTo>
-                  <a:cubicBezTo>
-                    <a:pt x="95" y="34"/>
-                    <a:pt x="48" y="16"/>
-                    <a:pt x="0" y="0"/>
-                  </a:cubicBezTo>
-                </a:path>
-              </a:pathLst>
-            </a:custGeom>
-            <a:noFill/>
-            <a:ln w="9525" cap="flat">
-              <a:solidFill>
-                <a:schemeClr val="tx1">
-                  <a:alpha val="20000"/>
-                </a:schemeClr>
-              </a:solidFill>
-              <a:prstDash val="solid"/>
-              <a:miter lim="800000"/>
-              <a:headEnd/>
-              <a:tailEnd/>
-            </a:ln>
-            <a:extLst>
-              <a:ext uri="{909E8E84-426E-40DD-AFC4-6F175D3DCCD1}">
-                <a14:hiddenFill xmlns:a14="http://schemas.microsoft.com/office/drawing/2010/main">
-                  <a:solidFill>
-                    <a:srgbClr val="FFFFFF"/>
-                  </a:solidFill>
-                </a14:hiddenFill>
-              </a:ext>
-            </a:extLst>
-          </p:spPr>
-          <p:txBody>
-            <a:bodyPr vert="horz" wrap="square" lIns="91440" tIns="45720" rIns="91440" bIns="45720" numCol="1" anchor="t" anchorCtr="0" compatLnSpc="1">
-              <a:prstTxWarp prst="textNoShape">
-                <a:avLst/>
-              </a:prstTxWarp>
-            </a:bodyPr>
-            <a:lstStyle/>
-            <a:p>
-              <a:endParaRPr lang="en-US"/>
-            </a:p>
-          </p:txBody>
-        </p:sp>
-        <p:sp>
-          <p:nvSpPr>
-            <p:cNvPr id="25" name="Freeform 13">
-              <a:extLst>
-                <a:ext uri="{FF2B5EF4-FFF2-40B4-BE49-F238E27FC236}">
-                  <a16:creationId xmlns:a16="http://schemas.microsoft.com/office/drawing/2014/main" id="{19BB0F73-3E8F-4DB3-B047-5C5FAB474E41}"/>
-                </a:ext>
-                <a:ext uri="{C183D7F6-B498-43B3-948B-1728B52AA6E4}">
-                  <adec:decorative xmlns:adec="http://schemas.microsoft.com/office/drawing/2017/decorative" val="1"/>
-                </a:ext>
-              </a:extLst>
-            </p:cNvPr>
-            <p:cNvSpPr>
-              <a:spLocks/>
-            </p:cNvSpPr>
-            <p:nvPr>
-              <p:extLst>
-                <p:ext uri="{386F3935-93C4-4BCD-93E2-E3B085C9AB24}">
-                  <p16:designElem xmlns:p16="http://schemas.microsoft.com/office/powerpoint/2015/main" val="1"/>
-                </p:ext>
-              </p:extLst>
-            </p:nvPr>
-          </p:nvSpPr>
-          <p:spPr bwMode="auto">
-            <a:xfrm>
-              <a:off x="10641013" y="5408613"/>
-              <a:ext cx="1525588" cy="1435100"/>
-            </a:xfrm>
-            <a:custGeom>
-              <a:avLst/>
-              <a:gdLst>
-                <a:gd name="T0" fmla="*/ 0 w 321"/>
-                <a:gd name="T1" fmla="*/ 302 h 302"/>
-                <a:gd name="T2" fmla="*/ 321 w 321"/>
-                <a:gd name="T3" fmla="*/ 0 h 302"/>
-              </a:gdLst>
-              <a:ahLst/>
-              <a:cxnLst>
-                <a:cxn ang="0">
-                  <a:pos x="T0" y="T1"/>
-                </a:cxn>
-                <a:cxn ang="0">
-                  <a:pos x="T2" y="T3"/>
-                </a:cxn>
-              </a:cxnLst>
-              <a:rect l="0" t="0" r="r" b="b"/>
-              <a:pathLst>
-                <a:path w="321" h="302">
-                  <a:moveTo>
-                    <a:pt x="0" y="302"/>
-                  </a:moveTo>
-                  <a:cubicBezTo>
-                    <a:pt x="114" y="210"/>
-                    <a:pt x="223" y="109"/>
-                    <a:pt x="321" y="0"/>
-                  </a:cubicBezTo>
-                </a:path>
-              </a:pathLst>
-            </a:custGeom>
-            <a:noFill/>
-            <a:ln w="9525" cap="flat">
-              <a:solidFill>
-                <a:schemeClr val="tx1">
-                  <a:alpha val="20000"/>
-                </a:schemeClr>
-              </a:solidFill>
-              <a:prstDash val="solid"/>
-              <a:miter lim="800000"/>
-              <a:headEnd/>
-              <a:tailEnd/>
-            </a:ln>
-            <a:extLst>
-              <a:ext uri="{909E8E84-426E-40DD-AFC4-6F175D3DCCD1}">
-                <a14:hiddenFill xmlns:a14="http://schemas.microsoft.com/office/drawing/2010/main">
-                  <a:solidFill>
-                    <a:srgbClr val="FFFFFF"/>
-                  </a:solidFill>
-                </a14:hiddenFill>
-              </a:ext>
-            </a:extLst>
-          </p:spPr>
-          <p:txBody>
-            <a:bodyPr vert="horz" wrap="square" lIns="91440" tIns="45720" rIns="91440" bIns="45720" numCol="1" anchor="t" anchorCtr="0" compatLnSpc="1">
-              <a:prstTxWarp prst="textNoShape">
-                <a:avLst/>
-              </a:prstTxWarp>
-            </a:bodyPr>
-            <a:lstStyle/>
-            <a:p>
-              <a:endParaRPr lang="en-US"/>
-            </a:p>
-          </p:txBody>
-        </p:sp>
-        <p:sp>
-          <p:nvSpPr>
-            <p:cNvPr id="26" name="Freeform 14">
-              <a:extLst>
-                <a:ext uri="{FF2B5EF4-FFF2-40B4-BE49-F238E27FC236}">
-                  <a16:creationId xmlns:a16="http://schemas.microsoft.com/office/drawing/2014/main" id="{11EC89ED-7CE2-455E-9D3D-4F4F08846968}"/>
-                </a:ext>
-                <a:ext uri="{C183D7F6-B498-43B3-948B-1728B52AA6E4}">
-                  <adec:decorative xmlns:adec="http://schemas.microsoft.com/office/drawing/2017/decorative" val="1"/>
-                </a:ext>
-              </a:extLst>
-            </p:cNvPr>
-            <p:cNvSpPr>
-              <a:spLocks/>
-            </p:cNvSpPr>
-            <p:nvPr>
-              <p:extLst>
-                <p:ext uri="{386F3935-93C4-4BCD-93E2-E3B085C9AB24}">
-                  <p16:designElem xmlns:p16="http://schemas.microsoft.com/office/powerpoint/2015/main" val="1"/>
-                </p:ext>
-              </p:extLst>
-            </p:nvPr>
-          </p:nvSpPr>
-          <p:spPr bwMode="auto">
-            <a:xfrm>
-              <a:off x="1001713" y="0"/>
-              <a:ext cx="3244850" cy="6843713"/>
-            </a:xfrm>
-            <a:custGeom>
-              <a:avLst/>
-              <a:gdLst>
-                <a:gd name="T0" fmla="*/ 683 w 683"/>
-                <a:gd name="T1" fmla="*/ 0 h 1440"/>
-                <a:gd name="T2" fmla="*/ 355 w 683"/>
-                <a:gd name="T3" fmla="*/ 1440 h 1440"/>
-              </a:gdLst>
-              <a:ahLst/>
-              <a:cxnLst>
-                <a:cxn ang="0">
-                  <a:pos x="T0" y="T1"/>
-                </a:cxn>
-                <a:cxn ang="0">
-                  <a:pos x="T2" y="T3"/>
-                </a:cxn>
-              </a:cxnLst>
-              <a:rect l="0" t="0" r="r" b="b"/>
-              <a:pathLst>
-                <a:path w="683" h="1440">
-                  <a:moveTo>
-                    <a:pt x="683" y="0"/>
-                  </a:moveTo>
-                  <a:cubicBezTo>
-                    <a:pt x="258" y="256"/>
-                    <a:pt x="0" y="1041"/>
-                    <a:pt x="355" y="1440"/>
-                  </a:cubicBezTo>
-                </a:path>
-              </a:pathLst>
-            </a:custGeom>
-            <a:noFill/>
-            <a:ln w="9525" cap="flat">
-              <a:solidFill>
-                <a:schemeClr val="tx1">
-                  <a:alpha val="20000"/>
-                </a:schemeClr>
-              </a:solidFill>
-              <a:prstDash val="solid"/>
-              <a:miter lim="800000"/>
-              <a:headEnd/>
-              <a:tailEnd/>
-            </a:ln>
-            <a:extLst>
-              <a:ext uri="{909E8E84-426E-40DD-AFC4-6F175D3DCCD1}">
-                <a14:hiddenFill xmlns:a14="http://schemas.microsoft.com/office/drawing/2010/main">
-                  <a:solidFill>
-                    <a:srgbClr val="FFFFFF"/>
-                  </a:solidFill>
-                </a14:hiddenFill>
-              </a:ext>
-            </a:extLst>
-          </p:spPr>
-          <p:txBody>
-            <a:bodyPr vert="horz" wrap="square" lIns="91440" tIns="45720" rIns="91440" bIns="45720" numCol="1" anchor="t" anchorCtr="0" compatLnSpc="1">
-              <a:prstTxWarp prst="textNoShape">
-                <a:avLst/>
-              </a:prstTxWarp>
-            </a:bodyPr>
-            <a:lstStyle/>
-            <a:p>
-              <a:endParaRPr lang="en-US"/>
-            </a:p>
-          </p:txBody>
-        </p:sp>
-        <p:sp>
-          <p:nvSpPr>
-            <p:cNvPr id="27" name="Freeform 15">
-              <a:extLst>
-                <a:ext uri="{FF2B5EF4-FFF2-40B4-BE49-F238E27FC236}">
-                  <a16:creationId xmlns:a16="http://schemas.microsoft.com/office/drawing/2014/main" id="{A6116FC0-48C5-47DE-BEDD-5D395F7511AC}"/>
-                </a:ext>
-                <a:ext uri="{C183D7F6-B498-43B3-948B-1728B52AA6E4}">
-                  <adec:decorative xmlns:adec="http://schemas.microsoft.com/office/drawing/2017/decorative" val="1"/>
-                </a:ext>
-              </a:extLst>
-            </p:cNvPr>
-            <p:cNvSpPr>
-              <a:spLocks/>
-            </p:cNvSpPr>
-            <p:nvPr>
-              <p:extLst>
-                <p:ext uri="{386F3935-93C4-4BCD-93E2-E3B085C9AB24}">
-                  <p16:designElem xmlns:p16="http://schemas.microsoft.com/office/powerpoint/2015/main" val="1"/>
-                </p:ext>
-              </p:extLst>
-            </p:nvPr>
-          </p:nvSpPr>
-          <p:spPr bwMode="auto">
-            <a:xfrm>
-              <a:off x="10802938" y="5518150"/>
-              <a:ext cx="1363663" cy="1325563"/>
-            </a:xfrm>
-            <a:custGeom>
-              <a:avLst/>
-              <a:gdLst>
-                <a:gd name="T0" fmla="*/ 0 w 287"/>
-                <a:gd name="T1" fmla="*/ 279 h 279"/>
-                <a:gd name="T2" fmla="*/ 287 w 287"/>
-                <a:gd name="T3" fmla="*/ 0 h 279"/>
-              </a:gdLst>
-              <a:ahLst/>
-              <a:cxnLst>
-                <a:cxn ang="0">
-                  <a:pos x="T0" y="T1"/>
-                </a:cxn>
-                <a:cxn ang="0">
-                  <a:pos x="T2" y="T3"/>
-                </a:cxn>
-              </a:cxnLst>
-              <a:rect l="0" t="0" r="r" b="b"/>
-              <a:pathLst>
-                <a:path w="287" h="279">
-                  <a:moveTo>
-                    <a:pt x="0" y="279"/>
-                  </a:moveTo>
-                  <a:cubicBezTo>
-                    <a:pt x="101" y="193"/>
-                    <a:pt x="198" y="100"/>
-                    <a:pt x="287" y="0"/>
-                  </a:cubicBezTo>
-                </a:path>
-              </a:pathLst>
-            </a:custGeom>
-            <a:noFill/>
-            <a:ln w="9525" cap="flat">
-              <a:solidFill>
-                <a:schemeClr val="tx1">
-                  <a:alpha val="20000"/>
-                </a:schemeClr>
-              </a:solidFill>
-              <a:prstDash val="solid"/>
-              <a:miter lim="800000"/>
-              <a:headEnd/>
-              <a:tailEnd/>
-            </a:ln>
-            <a:extLst>
-              <a:ext uri="{909E8E84-426E-40DD-AFC4-6F175D3DCCD1}">
-                <a14:hiddenFill xmlns:a14="http://schemas.microsoft.com/office/drawing/2010/main">
-                  <a:solidFill>
-                    <a:srgbClr val="FFFFFF"/>
-                  </a:solidFill>
-                </a14:hiddenFill>
-              </a:ext>
-            </a:extLst>
-          </p:spPr>
-          <p:txBody>
-            <a:bodyPr vert="horz" wrap="square" lIns="91440" tIns="45720" rIns="91440" bIns="45720" numCol="1" anchor="t" anchorCtr="0" compatLnSpc="1">
-              <a:prstTxWarp prst="textNoShape">
-                <a:avLst/>
-              </a:prstTxWarp>
-            </a:bodyPr>
-            <a:lstStyle/>
-            <a:p>
-              <a:endParaRPr lang="en-US"/>
-            </a:p>
-          </p:txBody>
-        </p:sp>
-        <p:sp>
-          <p:nvSpPr>
-            <p:cNvPr id="28" name="Freeform 16">
-              <a:extLst>
-                <a:ext uri="{FF2B5EF4-FFF2-40B4-BE49-F238E27FC236}">
-                  <a16:creationId xmlns:a16="http://schemas.microsoft.com/office/drawing/2014/main" id="{540BFDCD-3B77-492C-A402-463DDC8C77EC}"/>
-                </a:ext>
-                <a:ext uri="{C183D7F6-B498-43B3-948B-1728B52AA6E4}">
-                  <adec:decorative xmlns:adec="http://schemas.microsoft.com/office/drawing/2017/decorative" val="1"/>
-                </a:ext>
-              </a:extLst>
-            </p:cNvPr>
-            <p:cNvSpPr>
-              <a:spLocks/>
-            </p:cNvSpPr>
-            <p:nvPr>
-              <p:extLst>
-                <p:ext uri="{386F3935-93C4-4BCD-93E2-E3B085C9AB24}">
-                  <p16:designElem xmlns:p16="http://schemas.microsoft.com/office/powerpoint/2015/main" val="1"/>
-                </p:ext>
-              </p:extLst>
-            </p:nvPr>
-          </p:nvSpPr>
-          <p:spPr bwMode="auto">
-            <a:xfrm>
-              <a:off x="889000" y="0"/>
-              <a:ext cx="3230563" cy="6843713"/>
-            </a:xfrm>
-            <a:custGeom>
-              <a:avLst/>
-              <a:gdLst>
-                <a:gd name="T0" fmla="*/ 680 w 680"/>
-                <a:gd name="T1" fmla="*/ 0 h 1440"/>
-                <a:gd name="T2" fmla="*/ 337 w 680"/>
-                <a:gd name="T3" fmla="*/ 1440 h 1440"/>
-              </a:gdLst>
-              <a:ahLst/>
-              <a:cxnLst>
-                <a:cxn ang="0">
-                  <a:pos x="T0" y="T1"/>
-                </a:cxn>
-                <a:cxn ang="0">
-                  <a:pos x="T2" y="T3"/>
-                </a:cxn>
-              </a:cxnLst>
-              <a:rect l="0" t="0" r="r" b="b"/>
-              <a:pathLst>
-                <a:path w="680" h="1440">
-                  <a:moveTo>
-                    <a:pt x="680" y="0"/>
-                  </a:moveTo>
-                  <a:cubicBezTo>
-                    <a:pt x="257" y="265"/>
-                    <a:pt x="0" y="1026"/>
-                    <a:pt x="337" y="1440"/>
-                  </a:cubicBezTo>
-                </a:path>
-              </a:pathLst>
-            </a:custGeom>
-            <a:noFill/>
-            <a:ln w="9525" cap="flat">
-              <a:solidFill>
-                <a:schemeClr val="tx1">
-                  <a:alpha val="20000"/>
-                </a:schemeClr>
-              </a:solidFill>
-              <a:prstDash val="solid"/>
-              <a:miter lim="800000"/>
-              <a:headEnd/>
-              <a:tailEnd/>
-            </a:ln>
-            <a:extLst>
-              <a:ext uri="{909E8E84-426E-40DD-AFC4-6F175D3DCCD1}">
-                <a14:hiddenFill xmlns:a14="http://schemas.microsoft.com/office/drawing/2010/main">
-                  <a:solidFill>
-                    <a:srgbClr val="FFFFFF"/>
-                  </a:solidFill>
-                </a14:hiddenFill>
-              </a:ext>
-            </a:extLst>
-          </p:spPr>
-          <p:txBody>
-            <a:bodyPr vert="horz" wrap="square" lIns="91440" tIns="45720" rIns="91440" bIns="45720" numCol="1" anchor="t" anchorCtr="0" compatLnSpc="1">
-              <a:prstTxWarp prst="textNoShape">
-                <a:avLst/>
-              </a:prstTxWarp>
-            </a:bodyPr>
-            <a:lstStyle/>
-            <a:p>
-              <a:endParaRPr lang="en-US"/>
-            </a:p>
-          </p:txBody>
-        </p:sp>
-        <p:sp>
-          <p:nvSpPr>
-            <p:cNvPr id="29" name="Freeform 17">
-              <a:extLst>
-                <a:ext uri="{FF2B5EF4-FFF2-40B4-BE49-F238E27FC236}">
-                  <a16:creationId xmlns:a16="http://schemas.microsoft.com/office/drawing/2014/main" id="{602FA0AD-30A8-4863-A785-0D72E7D6EDFC}"/>
-                </a:ext>
-                <a:ext uri="{C183D7F6-B498-43B3-948B-1728B52AA6E4}">
-                  <adec:decorative xmlns:adec="http://schemas.microsoft.com/office/drawing/2017/decorative" val="1"/>
-                </a:ext>
-              </a:extLst>
-            </p:cNvPr>
-            <p:cNvSpPr>
-              <a:spLocks/>
-            </p:cNvSpPr>
-            <p:nvPr>
-              <p:extLst>
-                <p:ext uri="{386F3935-93C4-4BCD-93E2-E3B085C9AB24}">
-                  <p16:designElem xmlns:p16="http://schemas.microsoft.com/office/powerpoint/2015/main" val="1"/>
-                </p:ext>
-              </p:extLst>
-            </p:nvPr>
-          </p:nvSpPr>
-          <p:spPr bwMode="auto">
-            <a:xfrm>
-              <a:off x="10979150" y="5694363"/>
-              <a:ext cx="1187450" cy="1149350"/>
-            </a:xfrm>
-            <a:custGeom>
-              <a:avLst/>
-              <a:gdLst>
-                <a:gd name="T0" fmla="*/ 0 w 250"/>
-                <a:gd name="T1" fmla="*/ 242 h 242"/>
-                <a:gd name="T2" fmla="*/ 250 w 250"/>
-                <a:gd name="T3" fmla="*/ 0 h 242"/>
-              </a:gdLst>
-              <a:ahLst/>
-              <a:cxnLst>
-                <a:cxn ang="0">
-                  <a:pos x="T0" y="T1"/>
-                </a:cxn>
-                <a:cxn ang="0">
-                  <a:pos x="T2" y="T3"/>
-                </a:cxn>
-              </a:cxnLst>
-              <a:rect l="0" t="0" r="r" b="b"/>
-              <a:pathLst>
-                <a:path w="250" h="242">
-                  <a:moveTo>
-                    <a:pt x="0" y="242"/>
-                  </a:moveTo>
-                  <a:cubicBezTo>
-                    <a:pt x="88" y="166"/>
-                    <a:pt x="172" y="85"/>
-                    <a:pt x="250" y="0"/>
-                  </a:cubicBezTo>
-                </a:path>
-              </a:pathLst>
-            </a:custGeom>
-            <a:noFill/>
-            <a:ln w="9525" cap="flat">
-              <a:solidFill>
-                <a:schemeClr val="tx1">
-                  <a:alpha val="20000"/>
-                </a:schemeClr>
-              </a:solidFill>
-              <a:prstDash val="solid"/>
-              <a:miter lim="800000"/>
-              <a:headEnd/>
-              <a:tailEnd/>
-            </a:ln>
-            <a:extLst>
-              <a:ext uri="{909E8E84-426E-40DD-AFC4-6F175D3DCCD1}">
-                <a14:hiddenFill xmlns:a14="http://schemas.microsoft.com/office/drawing/2010/main">
-                  <a:solidFill>
-                    <a:srgbClr val="FFFFFF"/>
-                  </a:solidFill>
-                </a14:hiddenFill>
-              </a:ext>
-            </a:extLst>
-          </p:spPr>
-          <p:txBody>
-            <a:bodyPr vert="horz" wrap="square" lIns="91440" tIns="45720" rIns="91440" bIns="45720" numCol="1" anchor="t" anchorCtr="0" compatLnSpc="1">
-              <a:prstTxWarp prst="textNoShape">
-                <a:avLst/>
-              </a:prstTxWarp>
-            </a:bodyPr>
-            <a:lstStyle/>
-            <a:p>
-              <a:endParaRPr lang="en-US"/>
-            </a:p>
-          </p:txBody>
-        </p:sp>
-        <p:sp>
-          <p:nvSpPr>
-            <p:cNvPr id="30" name="Freeform 18">
-              <a:extLst>
-                <a:ext uri="{FF2B5EF4-FFF2-40B4-BE49-F238E27FC236}">
-                  <a16:creationId xmlns:a16="http://schemas.microsoft.com/office/drawing/2014/main" id="{F99711A0-AA25-427D-B4CB-45817E61F4CC}"/>
-                </a:ext>
-                <a:ext uri="{C183D7F6-B498-43B3-948B-1728B52AA6E4}">
-                  <adec:decorative xmlns:adec="http://schemas.microsoft.com/office/drawing/2017/decorative" val="1"/>
-                </a:ext>
-              </a:extLst>
-            </p:cNvPr>
-            <p:cNvSpPr>
-              <a:spLocks/>
-            </p:cNvSpPr>
-            <p:nvPr>
-              <p:extLst>
-                <p:ext uri="{386F3935-93C4-4BCD-93E2-E3B085C9AB24}">
-                  <p16:designElem xmlns:p16="http://schemas.microsoft.com/office/powerpoint/2015/main" val="1"/>
-                </p:ext>
-              </p:extLst>
-            </p:nvPr>
-          </p:nvSpPr>
-          <p:spPr bwMode="auto">
-            <a:xfrm>
-              <a:off x="484188" y="0"/>
-              <a:ext cx="3421063" cy="6843713"/>
-            </a:xfrm>
-            <a:custGeom>
-              <a:avLst/>
-              <a:gdLst>
-                <a:gd name="T0" fmla="*/ 720 w 720"/>
-                <a:gd name="T1" fmla="*/ 0 h 1440"/>
-                <a:gd name="T2" fmla="*/ 362 w 720"/>
-                <a:gd name="T3" fmla="*/ 1440 h 1440"/>
-              </a:gdLst>
-              <a:ahLst/>
-              <a:cxnLst>
-                <a:cxn ang="0">
-                  <a:pos x="T0" y="T1"/>
-                </a:cxn>
-                <a:cxn ang="0">
-                  <a:pos x="T2" y="T3"/>
-                </a:cxn>
-              </a:cxnLst>
-              <a:rect l="0" t="0" r="r" b="b"/>
-              <a:pathLst>
-                <a:path w="720" h="1440">
-                  <a:moveTo>
-                    <a:pt x="720" y="0"/>
-                  </a:moveTo>
-                  <a:cubicBezTo>
-                    <a:pt x="316" y="282"/>
-                    <a:pt x="0" y="1018"/>
-                    <a:pt x="362" y="1440"/>
-                  </a:cubicBezTo>
-                </a:path>
-              </a:pathLst>
-            </a:custGeom>
-            <a:noFill/>
-            <a:ln w="9525" cap="flat">
-              <a:solidFill>
-                <a:schemeClr val="tx1">
-                  <a:alpha val="20000"/>
-                </a:schemeClr>
-              </a:solidFill>
-              <a:prstDash val="solid"/>
-              <a:miter lim="800000"/>
-              <a:headEnd/>
-              <a:tailEnd/>
-            </a:ln>
-            <a:extLst>
-              <a:ext uri="{909E8E84-426E-40DD-AFC4-6F175D3DCCD1}">
-                <a14:hiddenFill xmlns:a14="http://schemas.microsoft.com/office/drawing/2010/main">
-                  <a:solidFill>
-                    <a:srgbClr val="FFFFFF"/>
-                  </a:solidFill>
-                </a14:hiddenFill>
-              </a:ext>
-            </a:extLst>
-          </p:spPr>
-          <p:txBody>
-            <a:bodyPr vert="horz" wrap="square" lIns="91440" tIns="45720" rIns="91440" bIns="45720" numCol="1" anchor="t" anchorCtr="0" compatLnSpc="1">
-              <a:prstTxWarp prst="textNoShape">
-                <a:avLst/>
-              </a:prstTxWarp>
-            </a:bodyPr>
-            <a:lstStyle/>
-            <a:p>
-              <a:endParaRPr lang="en-US"/>
-            </a:p>
-          </p:txBody>
-        </p:sp>
-        <p:sp>
-          <p:nvSpPr>
-            <p:cNvPr id="31" name="Freeform 19">
-              <a:extLst>
-                <a:ext uri="{FF2B5EF4-FFF2-40B4-BE49-F238E27FC236}">
-                  <a16:creationId xmlns:a16="http://schemas.microsoft.com/office/drawing/2014/main" id="{E0D52CC1-593C-4216-A5D3-5839D9F72ABD}"/>
-                </a:ext>
-                <a:ext uri="{C183D7F6-B498-43B3-948B-1728B52AA6E4}">
-                  <adec:decorative xmlns:adec="http://schemas.microsoft.com/office/drawing/2017/decorative" val="1"/>
-                </a:ext>
-              </a:extLst>
-            </p:cNvPr>
-            <p:cNvSpPr>
-              <a:spLocks/>
-            </p:cNvSpPr>
-            <p:nvPr>
-              <p:extLst>
-                <p:ext uri="{386F3935-93C4-4BCD-93E2-E3B085C9AB24}">
-                  <p16:designElem xmlns:p16="http://schemas.microsoft.com/office/powerpoint/2015/main" val="1"/>
-                </p:ext>
-              </p:extLst>
-            </p:nvPr>
-          </p:nvSpPr>
-          <p:spPr bwMode="auto">
-            <a:xfrm>
-              <a:off x="11287125" y="6049963"/>
-              <a:ext cx="879475" cy="793750"/>
-            </a:xfrm>
-            <a:custGeom>
-              <a:avLst/>
-              <a:gdLst>
-                <a:gd name="T0" fmla="*/ 0 w 185"/>
-                <a:gd name="T1" fmla="*/ 167 h 167"/>
-                <a:gd name="T2" fmla="*/ 185 w 185"/>
-                <a:gd name="T3" fmla="*/ 0 h 167"/>
-              </a:gdLst>
-              <a:ahLst/>
-              <a:cxnLst>
-                <a:cxn ang="0">
-                  <a:pos x="T0" y="T1"/>
-                </a:cxn>
-                <a:cxn ang="0">
-                  <a:pos x="T2" y="T3"/>
-                </a:cxn>
-              </a:cxnLst>
-              <a:rect l="0" t="0" r="r" b="b"/>
-              <a:pathLst>
-                <a:path w="185" h="167">
-                  <a:moveTo>
-                    <a:pt x="0" y="167"/>
-                  </a:moveTo>
-                  <a:cubicBezTo>
-                    <a:pt x="63" y="114"/>
-                    <a:pt x="125" y="58"/>
-                    <a:pt x="185" y="0"/>
-                  </a:cubicBezTo>
-                </a:path>
-              </a:pathLst>
-            </a:custGeom>
-            <a:noFill/>
-            <a:ln w="9525" cap="flat">
-              <a:solidFill>
-                <a:schemeClr val="tx1">
-                  <a:alpha val="20000"/>
-                </a:schemeClr>
-              </a:solidFill>
-              <a:prstDash val="solid"/>
-              <a:miter lim="800000"/>
-              <a:headEnd/>
-              <a:tailEnd/>
-            </a:ln>
-            <a:extLst>
-              <a:ext uri="{909E8E84-426E-40DD-AFC4-6F175D3DCCD1}">
-                <a14:hiddenFill xmlns:a14="http://schemas.microsoft.com/office/drawing/2010/main">
-                  <a:solidFill>
-                    <a:srgbClr val="FFFFFF"/>
-                  </a:solidFill>
-                </a14:hiddenFill>
-              </a:ext>
-            </a:extLst>
-          </p:spPr>
-          <p:txBody>
-            <a:bodyPr vert="horz" wrap="square" lIns="91440" tIns="45720" rIns="91440" bIns="45720" numCol="1" anchor="t" anchorCtr="0" compatLnSpc="1">
-              <a:prstTxWarp prst="textNoShape">
-                <a:avLst/>
-              </a:prstTxWarp>
-            </a:bodyPr>
-            <a:lstStyle/>
-            <a:p>
-              <a:endParaRPr lang="en-US"/>
-            </a:p>
-          </p:txBody>
-        </p:sp>
-        <p:sp>
-          <p:nvSpPr>
-            <p:cNvPr id="32" name="Freeform 20">
-              <a:extLst>
-                <a:ext uri="{FF2B5EF4-FFF2-40B4-BE49-F238E27FC236}">
-                  <a16:creationId xmlns:a16="http://schemas.microsoft.com/office/drawing/2014/main" id="{E782A25F-17DE-4DC0-A536-76DCD24A8280}"/>
-                </a:ext>
-                <a:ext uri="{C183D7F6-B498-43B3-948B-1728B52AA6E4}">
-                  <adec:decorative xmlns:adec="http://schemas.microsoft.com/office/drawing/2017/decorative" val="1"/>
-                </a:ext>
-              </a:extLst>
-            </p:cNvPr>
-            <p:cNvSpPr>
-              <a:spLocks/>
-            </p:cNvSpPr>
-            <p:nvPr>
-              <p:extLst>
-                <p:ext uri="{386F3935-93C4-4BCD-93E2-E3B085C9AB24}">
-                  <p16:designElem xmlns:p16="http://schemas.microsoft.com/office/powerpoint/2015/main" val="1"/>
-                </p:ext>
-              </p:extLst>
-            </p:nvPr>
-          </p:nvSpPr>
-          <p:spPr bwMode="auto">
-            <a:xfrm>
-              <a:off x="598488" y="0"/>
-              <a:ext cx="2717800" cy="6843713"/>
-            </a:xfrm>
-            <a:custGeom>
-              <a:avLst/>
-              <a:gdLst>
-                <a:gd name="T0" fmla="*/ 572 w 572"/>
-                <a:gd name="T1" fmla="*/ 0 h 1440"/>
-                <a:gd name="T2" fmla="*/ 164 w 572"/>
-                <a:gd name="T3" fmla="*/ 1440 h 1440"/>
-              </a:gdLst>
-              <a:ahLst/>
-              <a:cxnLst>
-                <a:cxn ang="0">
-                  <a:pos x="T0" y="T1"/>
-                </a:cxn>
-                <a:cxn ang="0">
-                  <a:pos x="T2" y="T3"/>
-                </a:cxn>
-              </a:cxnLst>
-              <a:rect l="0" t="0" r="r" b="b"/>
-              <a:pathLst>
-                <a:path w="572" h="1440">
-                  <a:moveTo>
-                    <a:pt x="572" y="0"/>
-                  </a:moveTo>
-                  <a:cubicBezTo>
-                    <a:pt x="213" y="320"/>
-                    <a:pt x="0" y="979"/>
-                    <a:pt x="164" y="1440"/>
-                  </a:cubicBezTo>
-                </a:path>
-              </a:pathLst>
-            </a:custGeom>
-            <a:noFill/>
-            <a:ln w="12700" cap="flat">
-              <a:solidFill>
-                <a:schemeClr val="tx1">
-                  <a:alpha val="20000"/>
-                </a:schemeClr>
-              </a:solidFill>
-              <a:prstDash val="dashDot"/>
-              <a:miter lim="800000"/>
-              <a:headEnd/>
-              <a:tailEnd/>
-            </a:ln>
-            <a:extLst>
-              <a:ext uri="{909E8E84-426E-40DD-AFC4-6F175D3DCCD1}">
-                <a14:hiddenFill xmlns:a14="http://schemas.microsoft.com/office/drawing/2010/main">
-                  <a:solidFill>
-                    <a:srgbClr val="FFFFFF"/>
-                  </a:solidFill>
-                </a14:hiddenFill>
-              </a:ext>
-            </a:extLst>
-          </p:spPr>
-          <p:txBody>
-            <a:bodyPr vert="horz" wrap="square" lIns="91440" tIns="45720" rIns="91440" bIns="45720" numCol="1" anchor="t" anchorCtr="0" compatLnSpc="1">
-              <a:prstTxWarp prst="textNoShape">
-                <a:avLst/>
-              </a:prstTxWarp>
-            </a:bodyPr>
-            <a:lstStyle/>
-            <a:p>
-              <a:endParaRPr lang="en-US"/>
-            </a:p>
-          </p:txBody>
-        </p:sp>
-        <p:sp>
-          <p:nvSpPr>
-            <p:cNvPr id="33" name="Freeform 21">
-              <a:extLst>
-                <a:ext uri="{FF2B5EF4-FFF2-40B4-BE49-F238E27FC236}">
-                  <a16:creationId xmlns:a16="http://schemas.microsoft.com/office/drawing/2014/main" id="{9367600B-A73C-4101-8DA7-C76EDDACF15C}"/>
-                </a:ext>
-                <a:ext uri="{C183D7F6-B498-43B3-948B-1728B52AA6E4}">
-                  <adec:decorative xmlns:adec="http://schemas.microsoft.com/office/drawing/2017/decorative" val="1"/>
-                </a:ext>
-              </a:extLst>
-            </p:cNvPr>
-            <p:cNvSpPr>
-              <a:spLocks/>
-            </p:cNvSpPr>
-            <p:nvPr>
-              <p:extLst>
-                <p:ext uri="{386F3935-93C4-4BCD-93E2-E3B085C9AB24}">
-                  <p16:designElem xmlns:p16="http://schemas.microsoft.com/office/powerpoint/2015/main" val="1"/>
-                </p:ext>
-              </p:extLst>
-            </p:nvPr>
-          </p:nvSpPr>
-          <p:spPr bwMode="auto">
-            <a:xfrm>
-              <a:off x="261938" y="0"/>
-              <a:ext cx="2944813" cy="6843713"/>
-            </a:xfrm>
-            <a:custGeom>
-              <a:avLst/>
-              <a:gdLst>
-                <a:gd name="T0" fmla="*/ 620 w 620"/>
-                <a:gd name="T1" fmla="*/ 0 h 1440"/>
-                <a:gd name="T2" fmla="*/ 186 w 620"/>
-                <a:gd name="T3" fmla="*/ 1440 h 1440"/>
-              </a:gdLst>
-              <a:ahLst/>
-              <a:cxnLst>
-                <a:cxn ang="0">
-                  <a:pos x="T0" y="T1"/>
-                </a:cxn>
-                <a:cxn ang="0">
-                  <a:pos x="T2" y="T3"/>
-                </a:cxn>
-              </a:cxnLst>
-              <a:rect l="0" t="0" r="r" b="b"/>
-              <a:pathLst>
-                <a:path w="620" h="1440">
-                  <a:moveTo>
-                    <a:pt x="620" y="0"/>
-                  </a:moveTo>
-                  <a:cubicBezTo>
-                    <a:pt x="248" y="325"/>
-                    <a:pt x="0" y="960"/>
-                    <a:pt x="186" y="1440"/>
-                  </a:cubicBezTo>
-                </a:path>
-              </a:pathLst>
-            </a:custGeom>
-            <a:noFill/>
-            <a:ln w="9525" cap="flat">
-              <a:solidFill>
-                <a:schemeClr val="tx1">
-                  <a:alpha val="20000"/>
-                </a:schemeClr>
-              </a:solidFill>
-              <a:prstDash val="lgDash"/>
-              <a:miter lim="800000"/>
-              <a:headEnd/>
-              <a:tailEnd/>
-            </a:ln>
-            <a:extLst>
-              <a:ext uri="{909E8E84-426E-40DD-AFC4-6F175D3DCCD1}">
-                <a14:hiddenFill xmlns:a14="http://schemas.microsoft.com/office/drawing/2010/main">
-                  <a:solidFill>
-                    <a:srgbClr val="FFFFFF"/>
-                  </a:solidFill>
-                </a14:hiddenFill>
-              </a:ext>
-            </a:extLst>
-          </p:spPr>
-          <p:txBody>
-            <a:bodyPr vert="horz" wrap="square" lIns="91440" tIns="45720" rIns="91440" bIns="45720" numCol="1" anchor="t" anchorCtr="0" compatLnSpc="1">
-              <a:prstTxWarp prst="textNoShape">
-                <a:avLst/>
-              </a:prstTxWarp>
-            </a:bodyPr>
-            <a:lstStyle/>
-            <a:p>
-              <a:endParaRPr lang="en-US"/>
-            </a:p>
-          </p:txBody>
-        </p:sp>
-        <p:sp>
-          <p:nvSpPr>
-            <p:cNvPr id="34" name="Freeform 22">
-              <a:extLst>
-                <a:ext uri="{FF2B5EF4-FFF2-40B4-BE49-F238E27FC236}">
-                  <a16:creationId xmlns:a16="http://schemas.microsoft.com/office/drawing/2014/main" id="{F432540E-8D0F-4CC2-8F09-378A28D61716}"/>
-                </a:ext>
-                <a:ext uri="{C183D7F6-B498-43B3-948B-1728B52AA6E4}">
-                  <adec:decorative xmlns:adec="http://schemas.microsoft.com/office/drawing/2017/decorative" val="1"/>
-                </a:ext>
-              </a:extLst>
-            </p:cNvPr>
-            <p:cNvSpPr>
-              <a:spLocks/>
-            </p:cNvSpPr>
-            <p:nvPr>
-              <p:extLst>
-                <p:ext uri="{386F3935-93C4-4BCD-93E2-E3B085C9AB24}">
-                  <p16:designElem xmlns:p16="http://schemas.microsoft.com/office/powerpoint/2015/main" val="1"/>
-                </p:ext>
-              </p:extLst>
-            </p:nvPr>
-          </p:nvSpPr>
-          <p:spPr bwMode="auto">
-            <a:xfrm>
-              <a:off x="-417513" y="0"/>
-              <a:ext cx="2403475" cy="6843713"/>
-            </a:xfrm>
-            <a:custGeom>
-              <a:avLst/>
-              <a:gdLst>
-                <a:gd name="T0" fmla="*/ 506 w 506"/>
-                <a:gd name="T1" fmla="*/ 0 h 1440"/>
-                <a:gd name="T2" fmla="*/ 171 w 506"/>
-                <a:gd name="T3" fmla="*/ 1440 h 1440"/>
-              </a:gdLst>
-              <a:ahLst/>
-              <a:cxnLst>
-                <a:cxn ang="0">
-                  <a:pos x="T0" y="T1"/>
-                </a:cxn>
-                <a:cxn ang="0">
-                  <a:pos x="T2" y="T3"/>
-                </a:cxn>
-              </a:cxnLst>
-              <a:rect l="0" t="0" r="r" b="b"/>
-              <a:pathLst>
-                <a:path w="506" h="1440">
-                  <a:moveTo>
-                    <a:pt x="506" y="0"/>
-                  </a:moveTo>
-                  <a:cubicBezTo>
-                    <a:pt x="109" y="356"/>
-                    <a:pt x="0" y="943"/>
-                    <a:pt x="171" y="1440"/>
-                  </a:cubicBezTo>
-                </a:path>
-              </a:pathLst>
-            </a:custGeom>
-            <a:noFill/>
-            <a:ln w="9525" cap="flat">
-              <a:solidFill>
-                <a:schemeClr val="tx1">
-                  <a:alpha val="20000"/>
-                </a:schemeClr>
-              </a:solidFill>
-              <a:prstDash val="solid"/>
-              <a:miter lim="800000"/>
-              <a:headEnd/>
-              <a:tailEnd/>
-            </a:ln>
-            <a:extLst>
-              <a:ext uri="{909E8E84-426E-40DD-AFC4-6F175D3DCCD1}">
-                <a14:hiddenFill xmlns:a14="http://schemas.microsoft.com/office/drawing/2010/main">
-                  <a:solidFill>
-                    <a:srgbClr val="FFFFFF"/>
-                  </a:solidFill>
-                </a14:hiddenFill>
-              </a:ext>
-            </a:extLst>
-          </p:spPr>
-          <p:txBody>
-            <a:bodyPr vert="horz" wrap="square" lIns="91440" tIns="45720" rIns="91440" bIns="45720" numCol="1" anchor="t" anchorCtr="0" compatLnSpc="1">
-              <a:prstTxWarp prst="textNoShape">
-                <a:avLst/>
-              </a:prstTxWarp>
-            </a:bodyPr>
-            <a:lstStyle/>
-            <a:p>
-              <a:endParaRPr lang="en-US"/>
-            </a:p>
-          </p:txBody>
-        </p:sp>
-        <p:sp>
-          <p:nvSpPr>
-            <p:cNvPr id="35" name="Freeform 23">
-              <a:extLst>
-                <a:ext uri="{FF2B5EF4-FFF2-40B4-BE49-F238E27FC236}">
-                  <a16:creationId xmlns:a16="http://schemas.microsoft.com/office/drawing/2014/main" id="{EAE46CBD-5B80-44B6-AA1C-75E3684D9E10}"/>
-                </a:ext>
-                <a:ext uri="{C183D7F6-B498-43B3-948B-1728B52AA6E4}">
-                  <adec:decorative xmlns:adec="http://schemas.microsoft.com/office/drawing/2017/decorative" val="1"/>
-                </a:ext>
-              </a:extLst>
-            </p:cNvPr>
-            <p:cNvSpPr>
-              <a:spLocks/>
-            </p:cNvSpPr>
-            <p:nvPr>
-              <p:extLst>
-                <p:ext uri="{386F3935-93C4-4BCD-93E2-E3B085C9AB24}">
-                  <p16:designElem xmlns:p16="http://schemas.microsoft.com/office/powerpoint/2015/main" val="1"/>
-                </p:ext>
-              </p:extLst>
-            </p:nvPr>
-          </p:nvSpPr>
-          <p:spPr bwMode="auto">
-            <a:xfrm>
-              <a:off x="14288" y="9525"/>
-              <a:ext cx="1771650" cy="3198813"/>
-            </a:xfrm>
-            <a:custGeom>
-              <a:avLst/>
-              <a:gdLst>
-                <a:gd name="T0" fmla="*/ 373 w 373"/>
-                <a:gd name="T1" fmla="*/ 0 h 673"/>
-                <a:gd name="T2" fmla="*/ 0 w 373"/>
-                <a:gd name="T3" fmla="*/ 673 h 673"/>
-              </a:gdLst>
-              <a:ahLst/>
-              <a:cxnLst>
-                <a:cxn ang="0">
-                  <a:pos x="T0" y="T1"/>
-                </a:cxn>
-                <a:cxn ang="0">
-                  <a:pos x="T2" y="T3"/>
-                </a:cxn>
-              </a:cxnLst>
-              <a:rect l="0" t="0" r="r" b="b"/>
-              <a:pathLst>
-                <a:path w="373" h="673">
-                  <a:moveTo>
-                    <a:pt x="373" y="0"/>
-                  </a:moveTo>
-                  <a:cubicBezTo>
-                    <a:pt x="175" y="183"/>
-                    <a:pt x="51" y="409"/>
-                    <a:pt x="0" y="673"/>
-                  </a:cubicBezTo>
-                </a:path>
-              </a:pathLst>
-            </a:custGeom>
-            <a:noFill/>
-            <a:ln w="9525" cap="flat">
-              <a:solidFill>
-                <a:schemeClr val="tx1">
-                  <a:alpha val="20000"/>
-                </a:schemeClr>
-              </a:solidFill>
-              <a:prstDash val="solid"/>
-              <a:miter lim="800000"/>
-              <a:headEnd/>
-              <a:tailEnd/>
-            </a:ln>
-            <a:extLst>
-              <a:ext uri="{909E8E84-426E-40DD-AFC4-6F175D3DCCD1}">
-                <a14:hiddenFill xmlns:a14="http://schemas.microsoft.com/office/drawing/2010/main">
-                  <a:solidFill>
-                    <a:srgbClr val="FFFFFF"/>
-                  </a:solidFill>
-                </a14:hiddenFill>
-              </a:ext>
-            </a:extLst>
-          </p:spPr>
-          <p:txBody>
-            <a:bodyPr vert="horz" wrap="square" lIns="91440" tIns="45720" rIns="91440" bIns="45720" numCol="1" anchor="t" anchorCtr="0" compatLnSpc="1">
-              <a:prstTxWarp prst="textNoShape">
-                <a:avLst/>
-              </a:prstTxWarp>
-            </a:bodyPr>
-            <a:lstStyle/>
-            <a:p>
-              <a:endParaRPr lang="en-US"/>
-            </a:p>
-          </p:txBody>
-        </p:sp>
-        <p:sp>
-          <p:nvSpPr>
-            <p:cNvPr id="36" name="Freeform 24">
-              <a:extLst>
-                <a:ext uri="{FF2B5EF4-FFF2-40B4-BE49-F238E27FC236}">
-                  <a16:creationId xmlns:a16="http://schemas.microsoft.com/office/drawing/2014/main" id="{C4B1D7D7-5EFC-42D4-A6F3-49D60C396F65}"/>
-                </a:ext>
-                <a:ext uri="{C183D7F6-B498-43B3-948B-1728B52AA6E4}">
-                  <adec:decorative xmlns:adec="http://schemas.microsoft.com/office/drawing/2017/decorative" val="1"/>
-                </a:ext>
-              </a:extLst>
-            </p:cNvPr>
-            <p:cNvSpPr>
-              <a:spLocks/>
-            </p:cNvSpPr>
-            <p:nvPr>
-              <p:extLst>
-                <p:ext uri="{386F3935-93C4-4BCD-93E2-E3B085C9AB24}">
-                  <p16:designElem xmlns:p16="http://schemas.microsoft.com/office/powerpoint/2015/main" val="1"/>
-                </p:ext>
-              </p:extLst>
-            </p:nvPr>
-          </p:nvSpPr>
-          <p:spPr bwMode="auto">
-            <a:xfrm>
-              <a:off x="4763" y="6016625"/>
-              <a:ext cx="214313" cy="827088"/>
-            </a:xfrm>
-            <a:custGeom>
-              <a:avLst/>
-              <a:gdLst>
-                <a:gd name="T0" fmla="*/ 0 w 45"/>
-                <a:gd name="T1" fmla="*/ 0 h 174"/>
-                <a:gd name="T2" fmla="*/ 45 w 45"/>
-                <a:gd name="T3" fmla="*/ 174 h 174"/>
-              </a:gdLst>
-              <a:ahLst/>
-              <a:cxnLst>
-                <a:cxn ang="0">
-                  <a:pos x="T0" y="T1"/>
-                </a:cxn>
-                <a:cxn ang="0">
-                  <a:pos x="T2" y="T3"/>
-                </a:cxn>
-              </a:cxnLst>
-              <a:rect l="0" t="0" r="r" b="b"/>
-              <a:pathLst>
-                <a:path w="45" h="174">
-                  <a:moveTo>
-                    <a:pt x="0" y="0"/>
-                  </a:moveTo>
-                  <a:cubicBezTo>
-                    <a:pt x="11" y="59"/>
-                    <a:pt x="26" y="118"/>
-                    <a:pt x="45" y="174"/>
-                  </a:cubicBezTo>
-                </a:path>
-              </a:pathLst>
-            </a:custGeom>
-            <a:noFill/>
-            <a:ln w="9525" cap="flat">
-              <a:solidFill>
-                <a:schemeClr val="tx1">
-                  <a:alpha val="20000"/>
-                </a:schemeClr>
-              </a:solidFill>
-              <a:prstDash val="solid"/>
-              <a:miter lim="800000"/>
-              <a:headEnd/>
-              <a:tailEnd/>
-            </a:ln>
-            <a:extLst>
-              <a:ext uri="{909E8E84-426E-40DD-AFC4-6F175D3DCCD1}">
-                <a14:hiddenFill xmlns:a14="http://schemas.microsoft.com/office/drawing/2010/main">
-                  <a:solidFill>
-                    <a:srgbClr val="FFFFFF"/>
-                  </a:solidFill>
-                </a14:hiddenFill>
-              </a:ext>
-            </a:extLst>
-          </p:spPr>
-          <p:txBody>
-            <a:bodyPr vert="horz" wrap="square" lIns="91440" tIns="45720" rIns="91440" bIns="45720" numCol="1" anchor="t" anchorCtr="0" compatLnSpc="1">
-              <a:prstTxWarp prst="textNoShape">
-                <a:avLst/>
-              </a:prstTxWarp>
-            </a:bodyPr>
-            <a:lstStyle/>
-            <a:p>
-              <a:endParaRPr lang="en-US"/>
-            </a:p>
-          </p:txBody>
-        </p:sp>
-        <p:sp>
-          <p:nvSpPr>
-            <p:cNvPr id="37" name="Freeform 25">
-              <a:extLst>
-                <a:ext uri="{FF2B5EF4-FFF2-40B4-BE49-F238E27FC236}">
-                  <a16:creationId xmlns:a16="http://schemas.microsoft.com/office/drawing/2014/main" id="{A43C462C-E5B7-4580-8853-16A0D4F340EF}"/>
-                </a:ext>
-                <a:ext uri="{C183D7F6-B498-43B3-948B-1728B52AA6E4}">
-                  <adec:decorative xmlns:adec="http://schemas.microsoft.com/office/drawing/2017/decorative" val="1"/>
-                </a:ext>
-              </a:extLst>
-            </p:cNvPr>
-            <p:cNvSpPr>
-              <a:spLocks/>
-            </p:cNvSpPr>
-            <p:nvPr>
-              <p:extLst>
-                <p:ext uri="{386F3935-93C4-4BCD-93E2-E3B085C9AB24}">
-                  <p16:designElem xmlns:p16="http://schemas.microsoft.com/office/powerpoint/2015/main" val="1"/>
-                </p:ext>
-              </p:extLst>
-            </p:nvPr>
-          </p:nvSpPr>
-          <p:spPr bwMode="auto">
-            <a:xfrm>
-              <a:off x="14288" y="0"/>
-              <a:ext cx="1562100" cy="2228850"/>
-            </a:xfrm>
-            <a:custGeom>
-              <a:avLst/>
-              <a:gdLst>
-                <a:gd name="T0" fmla="*/ 329 w 329"/>
-                <a:gd name="T1" fmla="*/ 0 h 469"/>
-                <a:gd name="T2" fmla="*/ 0 w 329"/>
-                <a:gd name="T3" fmla="*/ 469 h 469"/>
-              </a:gdLst>
-              <a:ahLst/>
-              <a:cxnLst>
-                <a:cxn ang="0">
-                  <a:pos x="T0" y="T1"/>
-                </a:cxn>
-                <a:cxn ang="0">
-                  <a:pos x="T2" y="T3"/>
-                </a:cxn>
-              </a:cxnLst>
-              <a:rect l="0" t="0" r="r" b="b"/>
-              <a:pathLst>
-                <a:path w="329" h="469">
-                  <a:moveTo>
-                    <a:pt x="329" y="0"/>
-                  </a:moveTo>
-                  <a:cubicBezTo>
-                    <a:pt x="189" y="133"/>
-                    <a:pt x="69" y="288"/>
-                    <a:pt x="0" y="469"/>
-                  </a:cubicBezTo>
-                </a:path>
-              </a:pathLst>
-            </a:custGeom>
-            <a:noFill/>
-            <a:ln w="9525" cap="flat">
-              <a:solidFill>
-                <a:schemeClr val="tx1">
-                  <a:alpha val="20000"/>
-                </a:schemeClr>
-              </a:solidFill>
-              <a:prstDash val="solid"/>
-              <a:miter lim="800000"/>
-              <a:headEnd/>
-              <a:tailEnd/>
-            </a:ln>
-            <a:extLst>
-              <a:ext uri="{909E8E84-426E-40DD-AFC4-6F175D3DCCD1}">
-                <a14:hiddenFill xmlns:a14="http://schemas.microsoft.com/office/drawing/2010/main">
-                  <a:solidFill>
-                    <a:srgbClr val="FFFFFF"/>
-                  </a:solidFill>
-                </a14:hiddenFill>
-              </a:ext>
-            </a:extLst>
-          </p:spPr>
-          <p:txBody>
-            <a:bodyPr vert="horz" wrap="square" lIns="91440" tIns="45720" rIns="91440" bIns="45720" numCol="1" anchor="t" anchorCtr="0" compatLnSpc="1">
-              <a:prstTxWarp prst="textNoShape">
-                <a:avLst/>
-              </a:prstTxWarp>
-            </a:bodyPr>
-            <a:lstStyle/>
-            <a:p>
-              <a:endParaRPr lang="en-US"/>
-            </a:p>
-          </p:txBody>
-        </p:sp>
-      </p:grpSp>
-      <p:sp>
-        <p:nvSpPr>
-          <p:cNvPr id="39" name="Rectangle 38">
-            <a:extLst>
-              <a:ext uri="{FF2B5EF4-FFF2-40B4-BE49-F238E27FC236}">
-                <a16:creationId xmlns:a16="http://schemas.microsoft.com/office/drawing/2014/main" id="{235421DC-A006-4825-B62F-7DE8D0DEADD3}"/>
+          </a:ln>
+        </p:spPr>
+        <p:style>
+          <a:lnRef idx="0">
+            <a:scrgbClr r="0" g="0" b="0"/>
+          </a:lnRef>
+          <a:fillRef idx="0">
+            <a:scrgbClr r="0" g="0" b="0"/>
+          </a:fillRef>
+          <a:effectRef idx="0">
+            <a:scrgbClr r="0" g="0" b="0"/>
+          </a:effectRef>
+          <a:fontRef idx="minor">
+            <a:schemeClr val="lt1"/>
+          </a:fontRef>
+        </p:style>
+        <p:txBody>
+          <a:bodyPr rtlCol="0" anchor="ctr"/>
+          <a:lstStyle/>
+          <a:p>
+            <a:pPr algn="ctr"/>
+            <a:endParaRPr lang="en-US"/>
+          </a:p>
+        </p:txBody>
+      </p:sp>
+    </p:spTree>
+    <p:extLst>
+      <p:ext uri="{BB962C8B-B14F-4D97-AF65-F5344CB8AC3E}">
+        <p14:creationId xmlns:p14="http://schemas.microsoft.com/office/powerpoint/2010/main" val="34456841"/>
+      </p:ext>
+    </p:extLst>
+  </p:cSld>
+  <p:clrMapOvr>
+    <a:masterClrMapping/>
+  </p:clrMapOvr>
+</p:sld>
+</file>
+
+<file path=ppt/slides/slide6.xml><?xml version="1.0" encoding="utf-8"?>
+<p:sld xmlns:a="http://schemas.openxmlformats.org/drawingml/2006/main" xmlns:r="http://schemas.openxmlformats.org/officeDocument/2006/relationships" xmlns:p="http://schemas.openxmlformats.org/presentationml/2006/main">
+  <p:cSld>
+    <p:bg>
+      <p:bgPr>
+        <a:solidFill>
+          <a:schemeClr val="bg1"/>
+        </a:solidFill>
+        <a:effectLst/>
+      </p:bgPr>
+    </p:bg>
+    <p:spTree>
+      <p:nvGrpSpPr>
+        <p:cNvPr id="1" name=""/>
+        <p:cNvGrpSpPr/>
+        <p:nvPr/>
+      </p:nvGrpSpPr>
+      <p:grpSpPr>
+        <a:xfrm>
+          <a:off x="0" y="0"/>
+          <a:ext cx="0" cy="0"/>
+          <a:chOff x="0" y="0"/>
+          <a:chExt cx="0" cy="0"/>
+        </a:xfrm>
+      </p:grpSpPr>
+      <p:sp>
+        <p:nvSpPr>
+          <p:cNvPr id="39" name="Rectangle 8">
+            <a:extLst>
+              <a:ext uri="{FF2B5EF4-FFF2-40B4-BE49-F238E27FC236}">
+                <a16:creationId xmlns:a16="http://schemas.microsoft.com/office/drawing/2014/main" id="{6753252F-4873-4F63-801D-CC719279A7D5}"/>
               </a:ext>
               <a:ext uri="{C183D7F6-B498-43B3-948B-1728B52AA6E4}">
                 <adec:decorative xmlns:adec="http://schemas.microsoft.com/office/drawing/2017/decorative" val="1"/>
@@ -7794,14 +7425,14 @@
         </p:nvSpPr>
         <p:spPr>
           <a:xfrm>
-            <a:off x="791682" y="1047102"/>
-            <a:ext cx="5936885" cy="502920"/>
+            <a:off x="0" y="0"/>
+            <a:ext cx="12192000" cy="6858000"/>
           </a:xfrm>
           <a:prstGeom prst="rect">
             <a:avLst/>
           </a:prstGeom>
           <a:solidFill>
-            <a:schemeClr val="accent1"/>
+            <a:srgbClr val="FFFFFF"/>
           </a:solidFill>
           <a:ln>
             <a:noFill/>
@@ -7834,10 +7465,10 @@
       </p:sp>
       <p:sp>
         <p:nvSpPr>
-          <p:cNvPr id="41" name="Rectangle 40">
-            <a:extLst>
-              <a:ext uri="{FF2B5EF4-FFF2-40B4-BE49-F238E27FC236}">
-                <a16:creationId xmlns:a16="http://schemas.microsoft.com/office/drawing/2014/main" id="{3894FD15-2E33-4234-8160-FF85F03A4A1E}"/>
+          <p:cNvPr id="40" name="Rectangle 10">
+            <a:extLst>
+              <a:ext uri="{FF2B5EF4-FFF2-40B4-BE49-F238E27FC236}">
+                <a16:creationId xmlns:a16="http://schemas.microsoft.com/office/drawing/2014/main" id="{047C8CCB-F95D-4249-92DD-651249D3535A}"/>
               </a:ext>
               <a:ext uri="{C183D7F6-B498-43B3-948B-1728B52AA6E4}">
                 <adec:decorative xmlns:adec="http://schemas.microsoft.com/office/drawing/2017/decorative" val="1"/>
@@ -7857,217 +7488,14 @@
         </p:nvSpPr>
         <p:spPr>
           <a:xfrm>
-            <a:off x="7549557" y="0"/>
-            <a:ext cx="4640799" cy="6858000"/>
+            <a:off x="0" y="0"/>
+            <a:ext cx="2013557" cy="6858000"/>
           </a:xfrm>
           <a:prstGeom prst="rect">
             <a:avLst/>
           </a:prstGeom>
           <a:solidFill>
-            <a:schemeClr val="bg1"/>
-          </a:solidFill>
-          <a:ln w="9525">
-            <a:solidFill>
-              <a:schemeClr val="tx1">
-                <a:alpha val="20000"/>
-              </a:schemeClr>
-            </a:solidFill>
-          </a:ln>
-        </p:spPr>
-        <p:style>
-          <a:lnRef idx="2">
-            <a:schemeClr val="accent1">
-              <a:shade val="50000"/>
-            </a:schemeClr>
-          </a:lnRef>
-          <a:fillRef idx="1">
-            <a:schemeClr val="accent1"/>
-          </a:fillRef>
-          <a:effectRef idx="0">
-            <a:schemeClr val="accent1"/>
-          </a:effectRef>
-          <a:fontRef idx="minor">
-            <a:schemeClr val="lt1"/>
-          </a:fontRef>
-        </p:style>
-        <p:txBody>
-          <a:bodyPr rot="0" spcFirstLastPara="0" vert="horz" wrap="square" lIns="91440" tIns="45720" rIns="91440" bIns="45720" numCol="1" spcCol="0" rtlCol="0" fromWordArt="0" anchor="ctr" anchorCtr="0" forceAA="0" compatLnSpc="1">
-            <a:prstTxWarp prst="textNoShape">
-              <a:avLst/>
-            </a:prstTxWarp>
-            <a:noAutofit/>
-          </a:bodyPr>
-          <a:lstStyle>
-            <a:defPPr>
-              <a:defRPr lang="en-US"/>
-            </a:defPPr>
-            <a:lvl1pPr marL="0" algn="l" defTabSz="457200" rtl="0" eaLnBrk="1" latinLnBrk="0" hangingPunct="1">
-              <a:defRPr sz="1800" kern="1200">
-                <a:solidFill>
-                  <a:schemeClr val="lt1"/>
-                </a:solidFill>
-                <a:latin typeface="+mn-lt"/>
-                <a:ea typeface="+mn-ea"/>
-                <a:cs typeface="+mn-cs"/>
-              </a:defRPr>
-            </a:lvl1pPr>
-            <a:lvl2pPr marL="457200" algn="l" defTabSz="457200" rtl="0" eaLnBrk="1" latinLnBrk="0" hangingPunct="1">
-              <a:defRPr sz="1800" kern="1200">
-                <a:solidFill>
-                  <a:schemeClr val="lt1"/>
-                </a:solidFill>
-                <a:latin typeface="+mn-lt"/>
-                <a:ea typeface="+mn-ea"/>
-                <a:cs typeface="+mn-cs"/>
-              </a:defRPr>
-            </a:lvl2pPr>
-            <a:lvl3pPr marL="914400" algn="l" defTabSz="457200" rtl="0" eaLnBrk="1" latinLnBrk="0" hangingPunct="1">
-              <a:defRPr sz="1800" kern="1200">
-                <a:solidFill>
-                  <a:schemeClr val="lt1"/>
-                </a:solidFill>
-                <a:latin typeface="+mn-lt"/>
-                <a:ea typeface="+mn-ea"/>
-                <a:cs typeface="+mn-cs"/>
-              </a:defRPr>
-            </a:lvl3pPr>
-            <a:lvl4pPr marL="1371600" algn="l" defTabSz="457200" rtl="0" eaLnBrk="1" latinLnBrk="0" hangingPunct="1">
-              <a:defRPr sz="1800" kern="1200">
-                <a:solidFill>
-                  <a:schemeClr val="lt1"/>
-                </a:solidFill>
-                <a:latin typeface="+mn-lt"/>
-                <a:ea typeface="+mn-ea"/>
-                <a:cs typeface="+mn-cs"/>
-              </a:defRPr>
-            </a:lvl4pPr>
-            <a:lvl5pPr marL="1828800" algn="l" defTabSz="457200" rtl="0" eaLnBrk="1" latinLnBrk="0" hangingPunct="1">
-              <a:defRPr sz="1800" kern="1200">
-                <a:solidFill>
-                  <a:schemeClr val="lt1"/>
-                </a:solidFill>
-                <a:latin typeface="+mn-lt"/>
-                <a:ea typeface="+mn-ea"/>
-                <a:cs typeface="+mn-cs"/>
-              </a:defRPr>
-            </a:lvl5pPr>
-            <a:lvl6pPr marL="2286000" algn="l" defTabSz="457200" rtl="0" eaLnBrk="1" latinLnBrk="0" hangingPunct="1">
-              <a:defRPr sz="1800" kern="1200">
-                <a:solidFill>
-                  <a:schemeClr val="lt1"/>
-                </a:solidFill>
-                <a:latin typeface="+mn-lt"/>
-                <a:ea typeface="+mn-ea"/>
-                <a:cs typeface="+mn-cs"/>
-              </a:defRPr>
-            </a:lvl6pPr>
-            <a:lvl7pPr marL="2743200" algn="l" defTabSz="457200" rtl="0" eaLnBrk="1" latinLnBrk="0" hangingPunct="1">
-              <a:defRPr sz="1800" kern="1200">
-                <a:solidFill>
-                  <a:schemeClr val="lt1"/>
-                </a:solidFill>
-                <a:latin typeface="+mn-lt"/>
-                <a:ea typeface="+mn-ea"/>
-                <a:cs typeface="+mn-cs"/>
-              </a:defRPr>
-            </a:lvl7pPr>
-            <a:lvl8pPr marL="3200400" algn="l" defTabSz="457200" rtl="0" eaLnBrk="1" latinLnBrk="0" hangingPunct="1">
-              <a:defRPr sz="1800" kern="1200">
-                <a:solidFill>
-                  <a:schemeClr val="lt1"/>
-                </a:solidFill>
-                <a:latin typeface="+mn-lt"/>
-                <a:ea typeface="+mn-ea"/>
-                <a:cs typeface="+mn-cs"/>
-              </a:defRPr>
-            </a:lvl8pPr>
-            <a:lvl9pPr marL="3657600" algn="l" defTabSz="457200" rtl="0" eaLnBrk="1" latinLnBrk="0" hangingPunct="1">
-              <a:defRPr sz="1800" kern="1200">
-                <a:solidFill>
-                  <a:schemeClr val="lt1"/>
-                </a:solidFill>
-                <a:latin typeface="+mn-lt"/>
-                <a:ea typeface="+mn-ea"/>
-                <a:cs typeface="+mn-cs"/>
-              </a:defRPr>
-            </a:lvl9pPr>
-          </a:lstStyle>
-          <a:p>
-            <a:pPr algn="ctr"/>
-            <a:endParaRPr lang="en-US"/>
-          </a:p>
-        </p:txBody>
-      </p:sp>
-      <p:pic>
-        <p:nvPicPr>
-          <p:cNvPr id="6" name="Content Placeholder 5">
-            <a:extLst>
-              <a:ext uri="{FF2B5EF4-FFF2-40B4-BE49-F238E27FC236}">
-                <a16:creationId xmlns:a16="http://schemas.microsoft.com/office/drawing/2014/main" id="{74EBA0AA-8B8B-4F81-BC29-77D8FED2FBB6}"/>
-              </a:ext>
-            </a:extLst>
-          </p:cNvPr>
-          <p:cNvPicPr>
-            <a:picLocks noGrp="1" noChangeAspect="1"/>
-          </p:cNvPicPr>
-          <p:nvPr>
-            <p:ph sz="half" idx="2"/>
-          </p:nvPr>
-        </p:nvPicPr>
-        <p:blipFill>
-          <a:blip r:embed="rId2"/>
-          <a:stretch>
-            <a:fillRect/>
-          </a:stretch>
-        </p:blipFill>
-        <p:spPr>
-          <a:xfrm>
-            <a:off x="8191507" y="320041"/>
-            <a:ext cx="3355909" cy="2950770"/>
-          </a:xfrm>
-          <a:prstGeom prst="rect">
-            <a:avLst/>
-          </a:prstGeom>
-          <a:ln>
-            <a:solidFill>
-              <a:schemeClr val="bg1"/>
-            </a:solidFill>
-          </a:ln>
-        </p:spPr>
-      </p:pic>
-      <p:sp>
-        <p:nvSpPr>
-          <p:cNvPr id="43" name="Isosceles Triangle 22">
-            <a:extLst>
-              <a:ext uri="{FF2B5EF4-FFF2-40B4-BE49-F238E27FC236}">
-                <a16:creationId xmlns:a16="http://schemas.microsoft.com/office/drawing/2014/main" id="{6F4A2966-7C28-405D-BB02-5E542A25547C}"/>
-              </a:ext>
-              <a:ext uri="{C183D7F6-B498-43B3-948B-1728B52AA6E4}">
-                <adec:decorative xmlns:adec="http://schemas.microsoft.com/office/drawing/2017/decorative" val="1"/>
-              </a:ext>
-            </a:extLst>
-          </p:cNvPr>
-          <p:cNvSpPr>
-            <a:spLocks noGrp="1" noRot="1" noChangeAspect="1" noMove="1" noResize="1" noEditPoints="1" noAdjustHandles="1" noChangeArrowheads="1" noChangeShapeType="1" noTextEdit="1"/>
-          </p:cNvSpPr>
-          <p:nvPr>
-            <p:extLst>
-              <p:ext uri="{386F3935-93C4-4BCD-93E2-E3B085C9AB24}">
-                <p16:designElem xmlns:p16="http://schemas.microsoft.com/office/powerpoint/2015/main" val="1"/>
-              </p:ext>
-            </p:extLst>
-          </p:nvPr>
-        </p:nvSpPr>
-        <p:spPr>
-          <a:xfrm rot="10800000">
-            <a:off x="3602131" y="5546507"/>
-            <a:ext cx="315988" cy="272403"/>
-          </a:xfrm>
-          <a:prstGeom prst="triangle">
-            <a:avLst/>
-          </a:prstGeom>
-          <a:solidFill>
-            <a:schemeClr val="accent1"/>
+            <a:srgbClr val="523F3A"/>
           </a:solidFill>
           <a:ln>
             <a:noFill/>
@@ -8100,88 +7528,36 @@
       </p:sp>
       <p:sp>
         <p:nvSpPr>
-          <p:cNvPr id="45" name="Rectangle 44">
-            <a:extLst>
-              <a:ext uri="{FF2B5EF4-FFF2-40B4-BE49-F238E27FC236}">
-                <a16:creationId xmlns:a16="http://schemas.microsoft.com/office/drawing/2014/main" id="{958D9839-C203-4964-B486-7C0FFFDE5E1C}"/>
-              </a:ext>
-              <a:ext uri="{C183D7F6-B498-43B3-948B-1728B52AA6E4}">
-                <adec:decorative xmlns:adec="http://schemas.microsoft.com/office/drawing/2017/decorative" val="1"/>
-              </a:ext>
-            </a:extLst>
-          </p:cNvPr>
-          <p:cNvSpPr>
-            <a:spLocks noGrp="1" noRot="1" noChangeAspect="1" noMove="1" noResize="1" noEditPoints="1" noAdjustHandles="1" noChangeArrowheads="1" noChangeShapeType="1" noTextEdit="1"/>
-          </p:cNvSpPr>
-          <p:nvPr>
-            <p:extLst>
-              <p:ext uri="{386F3935-93C4-4BCD-93E2-E3B085C9AB24}">
-                <p16:designElem xmlns:p16="http://schemas.microsoft.com/office/powerpoint/2015/main" val="1"/>
-              </p:ext>
-            </p:extLst>
+          <p:cNvPr id="2" name="Title 1">
+            <a:extLst>
+              <a:ext uri="{FF2B5EF4-FFF2-40B4-BE49-F238E27FC236}">
+                <a16:creationId xmlns:a16="http://schemas.microsoft.com/office/drawing/2014/main" id="{DE5A57CE-FD5E-4A54-B3E1-CBA5FC96075E}"/>
+              </a:ext>
+            </a:extLst>
+          </p:cNvPr>
+          <p:cNvSpPr>
+            <a:spLocks noGrp="1"/>
+          </p:cNvSpPr>
+          <p:nvPr>
+            <p:ph type="title"/>
           </p:nvPr>
         </p:nvSpPr>
         <p:spPr>
           <a:xfrm>
-            <a:off x="791682" y="1634393"/>
-            <a:ext cx="5935796" cy="3917307"/>
+            <a:off x="640080" y="2074363"/>
+            <a:ext cx="2752354" cy="2709275"/>
           </a:xfrm>
-          <a:prstGeom prst="rect">
+          <a:prstGeom prst="ellipse">
             <a:avLst/>
           </a:prstGeom>
           <a:solidFill>
-            <a:schemeClr val="accent1"/>
+            <a:srgbClr val="262626"/>
           </a:solidFill>
-          <a:ln>
-            <a:noFill/>
+          <a:ln w="174625" cmpd="thinThick">
+            <a:solidFill>
+              <a:srgbClr val="262626"/>
+            </a:solidFill>
           </a:ln>
-        </p:spPr>
-        <p:style>
-          <a:lnRef idx="2">
-            <a:schemeClr val="accent1">
-              <a:shade val="50000"/>
-            </a:schemeClr>
-          </a:lnRef>
-          <a:fillRef idx="1">
-            <a:schemeClr val="accent1"/>
-          </a:fillRef>
-          <a:effectRef idx="0">
-            <a:schemeClr val="accent1"/>
-          </a:effectRef>
-          <a:fontRef idx="minor">
-            <a:schemeClr val="lt1"/>
-          </a:fontRef>
-        </p:style>
-        <p:txBody>
-          <a:bodyPr rtlCol="0" anchor="ctr"/>
-          <a:lstStyle/>
-          <a:p>
-            <a:pPr algn="ctr"/>
-            <a:endParaRPr lang="en-US"/>
-          </a:p>
-        </p:txBody>
-      </p:sp>
-      <p:sp>
-        <p:nvSpPr>
-          <p:cNvPr id="2" name="Title 1">
-            <a:extLst>
-              <a:ext uri="{FF2B5EF4-FFF2-40B4-BE49-F238E27FC236}">
-                <a16:creationId xmlns:a16="http://schemas.microsoft.com/office/drawing/2014/main" id="{9E2111FB-D0E4-4034-9062-E2392E0B4592}"/>
-              </a:ext>
-            </a:extLst>
-          </p:cNvPr>
-          <p:cNvSpPr>
-            <a:spLocks noGrp="1"/>
-          </p:cNvSpPr>
-          <p:nvPr>
-            <p:ph type="title"/>
-          </p:nvPr>
-        </p:nvSpPr>
-        <p:spPr>
-          <a:xfrm>
-            <a:off x="873978" y="1718735"/>
-            <a:ext cx="5767566" cy="1072378"/>
-          </a:xfrm>
         </p:spPr>
         <p:txBody>
           <a:bodyPr vert="horz" lIns="91440" tIns="45720" rIns="91440" bIns="45720" rtlCol="0" anchor="ctr">
@@ -8190,63 +7566,35 @@
           <a:lstStyle/>
           <a:p>
             <a:pPr algn="ctr"/>
-            <a:endParaRPr lang="en-US" sz="3600">
-              <a:solidFill>
-                <a:srgbClr val="FFFFFF"/>
-              </a:solidFill>
-            </a:endParaRPr>
-          </a:p>
-        </p:txBody>
-      </p:sp>
-      <p:sp>
-        <p:nvSpPr>
-          <p:cNvPr id="11" name="Content Placeholder 10">
-            <a:extLst>
-              <a:ext uri="{FF2B5EF4-FFF2-40B4-BE49-F238E27FC236}">
-                <a16:creationId xmlns:a16="http://schemas.microsoft.com/office/drawing/2014/main" id="{73E19F45-D7A2-40DC-B273-4BF355C4DDA7}"/>
-              </a:ext>
-            </a:extLst>
-          </p:cNvPr>
-          <p:cNvSpPr>
-            <a:spLocks noGrp="1"/>
-          </p:cNvSpPr>
-          <p:nvPr>
-            <p:ph sz="half" idx="1"/>
-          </p:nvPr>
-        </p:nvSpPr>
-        <p:spPr>
-          <a:xfrm>
-            <a:off x="873102" y="2789239"/>
-            <a:ext cx="5768442" cy="2683606"/>
-          </a:xfrm>
-        </p:spPr>
-        <p:txBody>
-          <a:bodyPr vert="horz" lIns="91440" tIns="45720" rIns="91440" bIns="45720" rtlCol="0" anchor="ctr">
-            <a:normAutofit/>
-          </a:bodyPr>
-          <a:lstStyle/>
-          <a:p>
-            <a:endParaRPr lang="en-US" sz="1600">
-              <a:solidFill>
-                <a:srgbClr val="FFFFFE"/>
-              </a:solidFill>
-            </a:endParaRPr>
+            <a:r>
+              <a:rPr lang="en-US" sz="2600" kern="1200">
+                <a:solidFill>
+                  <a:srgbClr val="FFFFFF"/>
+                </a:solidFill>
+                <a:latin typeface="+mj-lt"/>
+                <a:ea typeface="+mj-ea"/>
+                <a:cs typeface="+mj-cs"/>
+              </a:rPr>
+              <a:t>Bitterness vs. Alcohol Content</a:t>
+            </a:r>
           </a:p>
         </p:txBody>
       </p:sp>
       <p:pic>
         <p:nvPicPr>
-          <p:cNvPr id="9" name="Content Placeholder 4">
-            <a:extLst>
-              <a:ext uri="{FF2B5EF4-FFF2-40B4-BE49-F238E27FC236}">
-                <a16:creationId xmlns:a16="http://schemas.microsoft.com/office/drawing/2014/main" id="{A1E69D99-A3EC-4138-8A0D-E06FB9092B0B}"/>
+          <p:cNvPr id="41" name="Content Placeholder 3">
+            <a:extLst>
+              <a:ext uri="{FF2B5EF4-FFF2-40B4-BE49-F238E27FC236}">
+                <a16:creationId xmlns:a16="http://schemas.microsoft.com/office/drawing/2014/main" id="{E6EE9F30-2AD2-436B-B843-C8816DC156D3}"/>
               </a:ext>
             </a:extLst>
           </p:cNvPr>
           <p:cNvPicPr>
-            <a:picLocks noChangeAspect="1"/>
+            <a:picLocks noGrp="1" noChangeAspect="1"/>
           </p:cNvPicPr>
-          <p:nvPr/>
+          <p:nvPr>
+            <p:ph idx="1"/>
+          </p:nvPr>
         </p:nvPicPr>
         <p:blipFill>
           <a:blip r:embed="rId3"/>
@@ -8256,23 +7604,981 @@
         </p:blipFill>
         <p:spPr>
           <a:xfrm>
-            <a:off x="8189017" y="3587191"/>
-            <a:ext cx="3360582" cy="2954879"/>
+            <a:off x="4481946" y="757878"/>
+            <a:ext cx="6085788" cy="3910119"/>
           </a:xfrm>
           <a:prstGeom prst="rect">
             <a:avLst/>
           </a:prstGeom>
-          <a:ln>
+          <a:ln w="228600" cap="sq" cmpd="thickThin">
             <a:solidFill>
-              <a:schemeClr val="bg1"/>
+              <a:schemeClr val="accent3">
+                <a:lumMod val="60000"/>
+                <a:lumOff val="40000"/>
+              </a:schemeClr>
             </a:solidFill>
+            <a:prstDash val="solid"/>
+            <a:miter lim="800000"/>
           </a:ln>
+          <a:effectLst>
+            <a:innerShdw blurRad="76200">
+              <a:srgbClr val="000000"/>
+            </a:innerShdw>
+          </a:effectLst>
         </p:spPr>
       </p:pic>
+      <p:graphicFrame>
+        <p:nvGraphicFramePr>
+          <p:cNvPr id="34" name="Content Placeholder 4">
+            <a:extLst>
+              <a:ext uri="{FF2B5EF4-FFF2-40B4-BE49-F238E27FC236}">
+                <a16:creationId xmlns:a16="http://schemas.microsoft.com/office/drawing/2014/main" id="{788AE022-21CE-4B6C-87CC-12F1EDB24447}"/>
+              </a:ext>
+            </a:extLst>
+          </p:cNvPr>
+          <p:cNvGraphicFramePr>
+            <a:graphicFrameLocks/>
+          </p:cNvGraphicFramePr>
+          <p:nvPr>
+            <p:extLst>
+              <p:ext uri="{D42A27DB-BD31-4B8C-83A1-F6EECF244321}">
+                <p14:modId xmlns:p14="http://schemas.microsoft.com/office/powerpoint/2010/main" val="1052524177"/>
+              </p:ext>
+            </p:extLst>
+          </p:nvPr>
+        </p:nvGraphicFramePr>
+        <p:xfrm>
+          <a:off x="5405093" y="5507394"/>
+          <a:ext cx="4368799" cy="381000"/>
+        </p:xfrm>
+        <a:graphic>
+          <a:graphicData uri="http://schemas.openxmlformats.org/drawingml/2006/table">
+            <a:tbl>
+              <a:tblPr>
+                <a:tableStyleId>{5FD0F851-EC5A-4D38-B0AD-8093EC10F338}</a:tableStyleId>
+              </a:tblPr>
+              <a:tblGrid>
+                <a:gridCol w="609157">
+                  <a:extLst>
+                    <a:ext uri="{9D8B030D-6E8A-4147-A177-3AD203B41FA5}">
+                      <a16:colId xmlns:a16="http://schemas.microsoft.com/office/drawing/2014/main" val="359257321"/>
+                    </a:ext>
+                  </a:extLst>
+                </a:gridCol>
+                <a:gridCol w="621848">
+                  <a:extLst>
+                    <a:ext uri="{9D8B030D-6E8A-4147-A177-3AD203B41FA5}">
+                      <a16:colId xmlns:a16="http://schemas.microsoft.com/office/drawing/2014/main" val="1330451710"/>
+                    </a:ext>
+                  </a:extLst>
+                </a:gridCol>
+                <a:gridCol w="672611">
+                  <a:extLst>
+                    <a:ext uri="{9D8B030D-6E8A-4147-A177-3AD203B41FA5}">
+                      <a16:colId xmlns:a16="http://schemas.microsoft.com/office/drawing/2014/main" val="1231588585"/>
+                    </a:ext>
+                  </a:extLst>
+                </a:gridCol>
+                <a:gridCol w="609157">
+                  <a:extLst>
+                    <a:ext uri="{9D8B030D-6E8A-4147-A177-3AD203B41FA5}">
+                      <a16:colId xmlns:a16="http://schemas.microsoft.com/office/drawing/2014/main" val="2234698490"/>
+                    </a:ext>
+                  </a:extLst>
+                </a:gridCol>
+                <a:gridCol w="637712">
+                  <a:extLst>
+                    <a:ext uri="{9D8B030D-6E8A-4147-A177-3AD203B41FA5}">
+                      <a16:colId xmlns:a16="http://schemas.microsoft.com/office/drawing/2014/main" val="3585277853"/>
+                    </a:ext>
+                  </a:extLst>
+                </a:gridCol>
+                <a:gridCol w="609157">
+                  <a:extLst>
+                    <a:ext uri="{9D8B030D-6E8A-4147-A177-3AD203B41FA5}">
+                      <a16:colId xmlns:a16="http://schemas.microsoft.com/office/drawing/2014/main" val="2731503998"/>
+                    </a:ext>
+                  </a:extLst>
+                </a:gridCol>
+                <a:gridCol w="609157">
+                  <a:extLst>
+                    <a:ext uri="{9D8B030D-6E8A-4147-A177-3AD203B41FA5}">
+                      <a16:colId xmlns:a16="http://schemas.microsoft.com/office/drawing/2014/main" val="1634433216"/>
+                    </a:ext>
+                  </a:extLst>
+                </a:gridCol>
+              </a:tblGrid>
+              <a:tr h="190500">
+                <a:tc>
+                  <a:txBody>
+                    <a:bodyPr/>
+                    <a:lstStyle/>
+                    <a:p>
+                      <a:pPr algn="ctr" fontAlgn="ctr"/>
+                      <a:r>
+                        <a:rPr lang="en-US" sz="1100" u="none" strike="noStrike">
+                          <a:effectLst/>
+                        </a:rPr>
+                        <a:t>Min.</a:t>
+                      </a:r>
+                      <a:endParaRPr lang="en-US" sz="1100" b="1" i="0" u="none" strike="noStrike">
+                        <a:solidFill>
+                          <a:srgbClr val="FFFFFF"/>
+                        </a:solidFill>
+                        <a:effectLst/>
+                        <a:latin typeface="Calibri" panose="020F0502020204030204" pitchFamily="34" charset="0"/>
+                      </a:endParaRPr>
+                    </a:p>
+                  </a:txBody>
+                  <a:tcPr marL="9525" marR="9525" marT="9525" marB="0" anchor="ctr"/>
+                </a:tc>
+                <a:tc>
+                  <a:txBody>
+                    <a:bodyPr/>
+                    <a:lstStyle/>
+                    <a:p>
+                      <a:pPr algn="ctr" fontAlgn="ctr"/>
+                      <a:r>
+                        <a:rPr lang="en-US" sz="1100" u="none" strike="noStrike">
+                          <a:effectLst/>
+                        </a:rPr>
+                        <a:t>1st Qu.</a:t>
+                      </a:r>
+                      <a:endParaRPr lang="en-US" sz="1100" b="1" i="0" u="none" strike="noStrike">
+                        <a:solidFill>
+                          <a:srgbClr val="FFFFFF"/>
+                        </a:solidFill>
+                        <a:effectLst/>
+                        <a:latin typeface="Calibri" panose="020F0502020204030204" pitchFamily="34" charset="0"/>
+                      </a:endParaRPr>
+                    </a:p>
+                  </a:txBody>
+                  <a:tcPr marL="9525" marR="9525" marT="9525" marB="0" anchor="ctr"/>
+                </a:tc>
+                <a:tc>
+                  <a:txBody>
+                    <a:bodyPr/>
+                    <a:lstStyle/>
+                    <a:p>
+                      <a:pPr algn="ctr" fontAlgn="ctr"/>
+                      <a:r>
+                        <a:rPr lang="en-US" sz="1100" u="none" strike="noStrike" dirty="0">
+                          <a:effectLst/>
+                        </a:rPr>
+                        <a:t>Median</a:t>
+                      </a:r>
+                      <a:endParaRPr lang="en-US" sz="1100" b="1" i="0" u="none" strike="noStrike" dirty="0">
+                        <a:solidFill>
+                          <a:srgbClr val="FFFFFF"/>
+                        </a:solidFill>
+                        <a:effectLst/>
+                        <a:latin typeface="Calibri" panose="020F0502020204030204" pitchFamily="34" charset="0"/>
+                      </a:endParaRPr>
+                    </a:p>
+                  </a:txBody>
+                  <a:tcPr marL="9525" marR="9525" marT="9525" marB="0" anchor="ctr"/>
+                </a:tc>
+                <a:tc>
+                  <a:txBody>
+                    <a:bodyPr/>
+                    <a:lstStyle/>
+                    <a:p>
+                      <a:pPr algn="ctr" fontAlgn="ctr"/>
+                      <a:r>
+                        <a:rPr lang="en-US" sz="1100" u="none" strike="noStrike">
+                          <a:effectLst/>
+                        </a:rPr>
+                        <a:t>Mean</a:t>
+                      </a:r>
+                      <a:endParaRPr lang="en-US" sz="1100" b="1" i="0" u="none" strike="noStrike">
+                        <a:solidFill>
+                          <a:srgbClr val="FFFFFF"/>
+                        </a:solidFill>
+                        <a:effectLst/>
+                        <a:latin typeface="Calibri" panose="020F0502020204030204" pitchFamily="34" charset="0"/>
+                      </a:endParaRPr>
+                    </a:p>
+                  </a:txBody>
+                  <a:tcPr marL="9525" marR="9525" marT="9525" marB="0" anchor="ctr"/>
+                </a:tc>
+                <a:tc>
+                  <a:txBody>
+                    <a:bodyPr/>
+                    <a:lstStyle/>
+                    <a:p>
+                      <a:pPr algn="ctr" fontAlgn="ctr"/>
+                      <a:r>
+                        <a:rPr lang="en-US" sz="1100" u="none" strike="noStrike">
+                          <a:effectLst/>
+                        </a:rPr>
+                        <a:t>3rd Qu.</a:t>
+                      </a:r>
+                      <a:endParaRPr lang="en-US" sz="1100" b="1" i="0" u="none" strike="noStrike">
+                        <a:solidFill>
+                          <a:srgbClr val="FFFFFF"/>
+                        </a:solidFill>
+                        <a:effectLst/>
+                        <a:latin typeface="Calibri" panose="020F0502020204030204" pitchFamily="34" charset="0"/>
+                      </a:endParaRPr>
+                    </a:p>
+                  </a:txBody>
+                  <a:tcPr marL="9525" marR="9525" marT="9525" marB="0" anchor="ctr"/>
+                </a:tc>
+                <a:tc>
+                  <a:txBody>
+                    <a:bodyPr/>
+                    <a:lstStyle/>
+                    <a:p>
+                      <a:pPr algn="ctr" fontAlgn="ctr"/>
+                      <a:r>
+                        <a:rPr lang="en-US" sz="1100" u="none" strike="noStrike">
+                          <a:effectLst/>
+                        </a:rPr>
+                        <a:t>Max.</a:t>
+                      </a:r>
+                      <a:endParaRPr lang="en-US" sz="1100" b="1" i="0" u="none" strike="noStrike">
+                        <a:solidFill>
+                          <a:srgbClr val="FFFFFF"/>
+                        </a:solidFill>
+                        <a:effectLst/>
+                        <a:latin typeface="Calibri" panose="020F0502020204030204" pitchFamily="34" charset="0"/>
+                      </a:endParaRPr>
+                    </a:p>
+                  </a:txBody>
+                  <a:tcPr marL="9525" marR="9525" marT="9525" marB="0" anchor="ctr"/>
+                </a:tc>
+                <a:tc>
+                  <a:txBody>
+                    <a:bodyPr/>
+                    <a:lstStyle/>
+                    <a:p>
+                      <a:pPr algn="ctr" fontAlgn="ctr"/>
+                      <a:r>
+                        <a:rPr lang="en-US" sz="1100" u="none" strike="noStrike">
+                          <a:effectLst/>
+                        </a:rPr>
+                        <a:t>NA's</a:t>
+                      </a:r>
+                      <a:endParaRPr lang="en-US" sz="1100" b="1" i="0" u="none" strike="noStrike">
+                        <a:solidFill>
+                          <a:srgbClr val="FFFFFF"/>
+                        </a:solidFill>
+                        <a:effectLst/>
+                        <a:latin typeface="Calibri" panose="020F0502020204030204" pitchFamily="34" charset="0"/>
+                      </a:endParaRPr>
+                    </a:p>
+                  </a:txBody>
+                  <a:tcPr marL="9525" marR="9525" marT="9525" marB="0" anchor="ctr"/>
+                </a:tc>
+                <a:extLst>
+                  <a:ext uri="{0D108BD9-81ED-4DB2-BD59-A6C34878D82A}">
+                    <a16:rowId xmlns:a16="http://schemas.microsoft.com/office/drawing/2014/main" val="2046546722"/>
+                  </a:ext>
+                </a:extLst>
+              </a:tr>
+              <a:tr h="190500">
+                <a:tc>
+                  <a:txBody>
+                    <a:bodyPr/>
+                    <a:lstStyle/>
+                    <a:p>
+                      <a:pPr algn="ctr" fontAlgn="ctr"/>
+                      <a:r>
+                        <a:rPr lang="en-US" sz="1000" u="none" strike="noStrike">
+                          <a:effectLst/>
+                        </a:rPr>
+                        <a:t>0.00100</a:t>
+                      </a:r>
+                      <a:endParaRPr lang="en-US" sz="1000" b="0" i="0" u="none" strike="noStrike">
+                        <a:solidFill>
+                          <a:srgbClr val="000000"/>
+                        </a:solidFill>
+                        <a:effectLst/>
+                        <a:latin typeface="Lucida Console" panose="020B0609040504020204" pitchFamily="49" charset="0"/>
+                      </a:endParaRPr>
+                    </a:p>
+                  </a:txBody>
+                  <a:tcPr marL="9525" marR="9525" marT="9525" marB="0" anchor="ctr"/>
+                </a:tc>
+                <a:tc>
+                  <a:txBody>
+                    <a:bodyPr/>
+                    <a:lstStyle/>
+                    <a:p>
+                      <a:pPr algn="ctr" fontAlgn="ctr"/>
+                      <a:r>
+                        <a:rPr lang="en-US" sz="1100" u="none" strike="noStrike">
+                          <a:effectLst/>
+                        </a:rPr>
+                        <a:t>0.05000</a:t>
+                      </a:r>
+                      <a:endParaRPr lang="en-US" sz="1100" b="0" i="0" u="none" strike="noStrike">
+                        <a:solidFill>
+                          <a:srgbClr val="000000"/>
+                        </a:solidFill>
+                        <a:effectLst/>
+                        <a:latin typeface="Calibri" panose="020F0502020204030204" pitchFamily="34" charset="0"/>
+                      </a:endParaRPr>
+                    </a:p>
+                  </a:txBody>
+                  <a:tcPr marL="9525" marR="9525" marT="9525" marB="0" anchor="ctr"/>
+                </a:tc>
+                <a:tc>
+                  <a:txBody>
+                    <a:bodyPr/>
+                    <a:lstStyle/>
+                    <a:p>
+                      <a:pPr algn="ctr" fontAlgn="ctr"/>
+                      <a:r>
+                        <a:rPr lang="en-US" sz="1100" u="none" strike="noStrike">
+                          <a:effectLst/>
+                        </a:rPr>
+                        <a:t>0.05600</a:t>
+                      </a:r>
+                      <a:endParaRPr lang="en-US" sz="1100" b="0" i="0" u="none" strike="noStrike">
+                        <a:solidFill>
+                          <a:srgbClr val="000000"/>
+                        </a:solidFill>
+                        <a:effectLst/>
+                        <a:latin typeface="Calibri" panose="020F0502020204030204" pitchFamily="34" charset="0"/>
+                      </a:endParaRPr>
+                    </a:p>
+                  </a:txBody>
+                  <a:tcPr marL="9525" marR="9525" marT="9525" marB="0" anchor="ctr"/>
+                </a:tc>
+                <a:tc>
+                  <a:txBody>
+                    <a:bodyPr/>
+                    <a:lstStyle/>
+                    <a:p>
+                      <a:pPr algn="ctr" fontAlgn="ctr"/>
+                      <a:r>
+                        <a:rPr lang="en-US" sz="1100" u="none" strike="noStrike">
+                          <a:effectLst/>
+                        </a:rPr>
+                        <a:t>0.05977</a:t>
+                      </a:r>
+                      <a:endParaRPr lang="en-US" sz="1100" b="0" i="0" u="none" strike="noStrike">
+                        <a:solidFill>
+                          <a:srgbClr val="000000"/>
+                        </a:solidFill>
+                        <a:effectLst/>
+                        <a:latin typeface="Calibri" panose="020F0502020204030204" pitchFamily="34" charset="0"/>
+                      </a:endParaRPr>
+                    </a:p>
+                  </a:txBody>
+                  <a:tcPr marL="9525" marR="9525" marT="9525" marB="0" anchor="ctr"/>
+                </a:tc>
+                <a:tc>
+                  <a:txBody>
+                    <a:bodyPr/>
+                    <a:lstStyle/>
+                    <a:p>
+                      <a:pPr algn="ctr" fontAlgn="ctr"/>
+                      <a:r>
+                        <a:rPr lang="en-US" sz="1100" u="none" strike="noStrike">
+                          <a:effectLst/>
+                        </a:rPr>
+                        <a:t>0.06700</a:t>
+                      </a:r>
+                      <a:endParaRPr lang="en-US" sz="1100" b="0" i="0" u="none" strike="noStrike">
+                        <a:solidFill>
+                          <a:srgbClr val="000000"/>
+                        </a:solidFill>
+                        <a:effectLst/>
+                        <a:latin typeface="Calibri" panose="020F0502020204030204" pitchFamily="34" charset="0"/>
+                      </a:endParaRPr>
+                    </a:p>
+                  </a:txBody>
+                  <a:tcPr marL="9525" marR="9525" marT="9525" marB="0" anchor="ctr"/>
+                </a:tc>
+                <a:tc>
+                  <a:txBody>
+                    <a:bodyPr/>
+                    <a:lstStyle/>
+                    <a:p>
+                      <a:pPr algn="ctr" fontAlgn="ctr"/>
+                      <a:r>
+                        <a:rPr lang="en-US" sz="1100" u="none" strike="noStrike">
+                          <a:effectLst/>
+                        </a:rPr>
+                        <a:t>0.12800</a:t>
+                      </a:r>
+                      <a:endParaRPr lang="en-US" sz="1100" b="0" i="0" u="none" strike="noStrike">
+                        <a:solidFill>
+                          <a:srgbClr val="000000"/>
+                        </a:solidFill>
+                        <a:effectLst/>
+                        <a:latin typeface="Calibri" panose="020F0502020204030204" pitchFamily="34" charset="0"/>
+                      </a:endParaRPr>
+                    </a:p>
+                  </a:txBody>
+                  <a:tcPr marL="9525" marR="9525" marT="9525" marB="0" anchor="ctr"/>
+                </a:tc>
+                <a:tc>
+                  <a:txBody>
+                    <a:bodyPr/>
+                    <a:lstStyle/>
+                    <a:p>
+                      <a:pPr algn="ctr" fontAlgn="ctr"/>
+                      <a:r>
+                        <a:rPr lang="en-US" sz="1100" u="none" strike="noStrike" dirty="0">
+                          <a:effectLst/>
+                        </a:rPr>
+                        <a:t>62</a:t>
+                      </a:r>
+                      <a:endParaRPr lang="en-US" sz="1100" b="0" i="0" u="none" strike="noStrike" dirty="0">
+                        <a:solidFill>
+                          <a:srgbClr val="000000"/>
+                        </a:solidFill>
+                        <a:effectLst/>
+                        <a:latin typeface="Calibri" panose="020F0502020204030204" pitchFamily="34" charset="0"/>
+                      </a:endParaRPr>
+                    </a:p>
+                  </a:txBody>
+                  <a:tcPr marL="9525" marR="9525" marT="9525" marB="0" anchor="ctr"/>
+                </a:tc>
+                <a:extLst>
+                  <a:ext uri="{0D108BD9-81ED-4DB2-BD59-A6C34878D82A}">
+                    <a16:rowId xmlns:a16="http://schemas.microsoft.com/office/drawing/2014/main" val="1798123976"/>
+                  </a:ext>
+                </a:extLst>
+              </a:tr>
+            </a:tbl>
+          </a:graphicData>
+        </a:graphic>
+      </p:graphicFrame>
+      <p:cxnSp>
+        <p:nvCxnSpPr>
+          <p:cNvPr id="8" name="Straight Connector 7">
+            <a:extLst>
+              <a:ext uri="{FF2B5EF4-FFF2-40B4-BE49-F238E27FC236}">
+                <a16:creationId xmlns:a16="http://schemas.microsoft.com/office/drawing/2014/main" id="{7443A728-3211-4771-997F-619887C2F031}"/>
+              </a:ext>
+            </a:extLst>
+          </p:cNvPr>
+          <p:cNvCxnSpPr/>
+          <p:nvPr/>
+        </p:nvCxnSpPr>
+        <p:spPr>
+          <a:xfrm>
+            <a:off x="3916218" y="5172364"/>
+            <a:ext cx="7185891" cy="0"/>
+          </a:xfrm>
+          <a:prstGeom prst="line">
+            <a:avLst/>
+          </a:prstGeom>
+        </p:spPr>
+        <p:style>
+          <a:lnRef idx="1">
+            <a:schemeClr val="accent1"/>
+          </a:lnRef>
+          <a:fillRef idx="0">
+            <a:schemeClr val="accent1"/>
+          </a:fillRef>
+          <a:effectRef idx="0">
+            <a:schemeClr val="accent1"/>
+          </a:effectRef>
+          <a:fontRef idx="minor">
+            <a:schemeClr val="tx1"/>
+          </a:fontRef>
+        </p:style>
+      </p:cxnSp>
+      <p:sp>
+        <p:nvSpPr>
+          <p:cNvPr id="10" name="TextBox 9">
+            <a:extLst>
+              <a:ext uri="{FF2B5EF4-FFF2-40B4-BE49-F238E27FC236}">
+                <a16:creationId xmlns:a16="http://schemas.microsoft.com/office/drawing/2014/main" id="{DD342184-7168-40CF-B10B-7DE07EDADEAA}"/>
+              </a:ext>
+            </a:extLst>
+          </p:cNvPr>
+          <p:cNvSpPr txBox="1"/>
+          <p:nvPr/>
+        </p:nvSpPr>
+        <p:spPr>
+          <a:xfrm>
+            <a:off x="6729688" y="5172364"/>
+            <a:ext cx="1719607" cy="338554"/>
+          </a:xfrm>
+          <a:prstGeom prst="rect">
+            <a:avLst/>
+          </a:prstGeom>
+          <a:noFill/>
+        </p:spPr>
+        <p:txBody>
+          <a:bodyPr wrap="square" rtlCol="0">
+            <a:spAutoFit/>
+          </a:bodyPr>
+          <a:lstStyle/>
+          <a:p>
+            <a:r>
+              <a:rPr lang="en-US" sz="1600" dirty="0"/>
+              <a:t>Alcohol by Volume</a:t>
+            </a:r>
+          </a:p>
+        </p:txBody>
+      </p:sp>
+      <p:graphicFrame>
+        <p:nvGraphicFramePr>
+          <p:cNvPr id="13" name="Table 12">
+            <a:extLst>
+              <a:ext uri="{FF2B5EF4-FFF2-40B4-BE49-F238E27FC236}">
+                <a16:creationId xmlns:a16="http://schemas.microsoft.com/office/drawing/2014/main" id="{929E6477-3C01-452D-906A-C1333C0E955B}"/>
+              </a:ext>
+            </a:extLst>
+          </p:cNvPr>
+          <p:cNvGraphicFramePr>
+            <a:graphicFrameLocks noGrp="1"/>
+          </p:cNvGraphicFramePr>
+          <p:nvPr>
+            <p:extLst>
+              <p:ext uri="{D42A27DB-BD31-4B8C-83A1-F6EECF244321}">
+                <p14:modId xmlns:p14="http://schemas.microsoft.com/office/powerpoint/2010/main" val="2952366630"/>
+              </p:ext>
+            </p:extLst>
+          </p:nvPr>
+        </p:nvGraphicFramePr>
+        <p:xfrm>
+          <a:off x="5405093" y="6236426"/>
+          <a:ext cx="4368799" cy="400050"/>
+        </p:xfrm>
+        <a:graphic>
+          <a:graphicData uri="http://schemas.openxmlformats.org/drawingml/2006/table">
+            <a:tbl>
+              <a:tblPr>
+                <a:tableStyleId>{5FD0F851-EC5A-4D38-B0AD-8093EC10F338}</a:tableStyleId>
+              </a:tblPr>
+              <a:tblGrid>
+                <a:gridCol w="609157">
+                  <a:extLst>
+                    <a:ext uri="{9D8B030D-6E8A-4147-A177-3AD203B41FA5}">
+                      <a16:colId xmlns:a16="http://schemas.microsoft.com/office/drawing/2014/main" val="4160290988"/>
+                    </a:ext>
+                  </a:extLst>
+                </a:gridCol>
+                <a:gridCol w="621848">
+                  <a:extLst>
+                    <a:ext uri="{9D8B030D-6E8A-4147-A177-3AD203B41FA5}">
+                      <a16:colId xmlns:a16="http://schemas.microsoft.com/office/drawing/2014/main" val="3947020381"/>
+                    </a:ext>
+                  </a:extLst>
+                </a:gridCol>
+                <a:gridCol w="672611">
+                  <a:extLst>
+                    <a:ext uri="{9D8B030D-6E8A-4147-A177-3AD203B41FA5}">
+                      <a16:colId xmlns:a16="http://schemas.microsoft.com/office/drawing/2014/main" val="1922254406"/>
+                    </a:ext>
+                  </a:extLst>
+                </a:gridCol>
+                <a:gridCol w="609157">
+                  <a:extLst>
+                    <a:ext uri="{9D8B030D-6E8A-4147-A177-3AD203B41FA5}">
+                      <a16:colId xmlns:a16="http://schemas.microsoft.com/office/drawing/2014/main" val="587878900"/>
+                    </a:ext>
+                  </a:extLst>
+                </a:gridCol>
+                <a:gridCol w="637712">
+                  <a:extLst>
+                    <a:ext uri="{9D8B030D-6E8A-4147-A177-3AD203B41FA5}">
+                      <a16:colId xmlns:a16="http://schemas.microsoft.com/office/drawing/2014/main" val="2782216355"/>
+                    </a:ext>
+                  </a:extLst>
+                </a:gridCol>
+                <a:gridCol w="609157">
+                  <a:extLst>
+                    <a:ext uri="{9D8B030D-6E8A-4147-A177-3AD203B41FA5}">
+                      <a16:colId xmlns:a16="http://schemas.microsoft.com/office/drawing/2014/main" val="585073781"/>
+                    </a:ext>
+                  </a:extLst>
+                </a:gridCol>
+                <a:gridCol w="609157">
+                  <a:extLst>
+                    <a:ext uri="{9D8B030D-6E8A-4147-A177-3AD203B41FA5}">
+                      <a16:colId xmlns:a16="http://schemas.microsoft.com/office/drawing/2014/main" val="310230340"/>
+                    </a:ext>
+                  </a:extLst>
+                </a:gridCol>
+              </a:tblGrid>
+              <a:tr h="200025">
+                <a:tc>
+                  <a:txBody>
+                    <a:bodyPr/>
+                    <a:lstStyle/>
+                    <a:p>
+                      <a:pPr algn="ctr" fontAlgn="ctr"/>
+                      <a:r>
+                        <a:rPr lang="en-US" sz="1100" u="none" strike="noStrike">
+                          <a:effectLst/>
+                        </a:rPr>
+                        <a:t>Min.</a:t>
+                      </a:r>
+                      <a:endParaRPr lang="en-US" sz="1100" b="1" i="0" u="none" strike="noStrike">
+                        <a:solidFill>
+                          <a:srgbClr val="FFFFFF"/>
+                        </a:solidFill>
+                        <a:effectLst/>
+                        <a:latin typeface="Calibri" panose="020F0502020204030204" pitchFamily="34" charset="0"/>
+                      </a:endParaRPr>
+                    </a:p>
+                  </a:txBody>
+                  <a:tcPr marL="9525" marR="9525" marT="9525" marB="0" anchor="ctr"/>
+                </a:tc>
+                <a:tc>
+                  <a:txBody>
+                    <a:bodyPr/>
+                    <a:lstStyle/>
+                    <a:p>
+                      <a:pPr algn="ctr" fontAlgn="ctr"/>
+                      <a:r>
+                        <a:rPr lang="en-US" sz="1100" u="none" strike="noStrike">
+                          <a:effectLst/>
+                        </a:rPr>
+                        <a:t>1st Qu.</a:t>
+                      </a:r>
+                      <a:endParaRPr lang="en-US" sz="1100" b="1" i="0" u="none" strike="noStrike">
+                        <a:solidFill>
+                          <a:srgbClr val="FFFFFF"/>
+                        </a:solidFill>
+                        <a:effectLst/>
+                        <a:latin typeface="Calibri" panose="020F0502020204030204" pitchFamily="34" charset="0"/>
+                      </a:endParaRPr>
+                    </a:p>
+                  </a:txBody>
+                  <a:tcPr marL="9525" marR="9525" marT="9525" marB="0" anchor="ctr"/>
+                </a:tc>
+                <a:tc>
+                  <a:txBody>
+                    <a:bodyPr/>
+                    <a:lstStyle/>
+                    <a:p>
+                      <a:pPr algn="ctr" fontAlgn="ctr"/>
+                      <a:r>
+                        <a:rPr lang="en-US" sz="1100" u="none" strike="noStrike">
+                          <a:effectLst/>
+                        </a:rPr>
+                        <a:t>Median</a:t>
+                      </a:r>
+                      <a:endParaRPr lang="en-US" sz="1100" b="1" i="0" u="none" strike="noStrike">
+                        <a:solidFill>
+                          <a:srgbClr val="FFFFFF"/>
+                        </a:solidFill>
+                        <a:effectLst/>
+                        <a:latin typeface="Calibri" panose="020F0502020204030204" pitchFamily="34" charset="0"/>
+                      </a:endParaRPr>
+                    </a:p>
+                  </a:txBody>
+                  <a:tcPr marL="9525" marR="9525" marT="9525" marB="0" anchor="ctr"/>
+                </a:tc>
+                <a:tc>
+                  <a:txBody>
+                    <a:bodyPr/>
+                    <a:lstStyle/>
+                    <a:p>
+                      <a:pPr algn="ctr" fontAlgn="ctr"/>
+                      <a:r>
+                        <a:rPr lang="en-US" sz="1100" u="none" strike="noStrike" dirty="0">
+                          <a:effectLst/>
+                        </a:rPr>
+                        <a:t>Mean</a:t>
+                      </a:r>
+                      <a:endParaRPr lang="en-US" sz="1100" b="1" i="0" u="none" strike="noStrike" dirty="0">
+                        <a:solidFill>
+                          <a:srgbClr val="FFFFFF"/>
+                        </a:solidFill>
+                        <a:effectLst/>
+                        <a:latin typeface="Calibri" panose="020F0502020204030204" pitchFamily="34" charset="0"/>
+                      </a:endParaRPr>
+                    </a:p>
+                  </a:txBody>
+                  <a:tcPr marL="9525" marR="9525" marT="9525" marB="0" anchor="ctr"/>
+                </a:tc>
+                <a:tc>
+                  <a:txBody>
+                    <a:bodyPr/>
+                    <a:lstStyle/>
+                    <a:p>
+                      <a:pPr algn="ctr" fontAlgn="ctr"/>
+                      <a:r>
+                        <a:rPr lang="en-US" sz="1100" u="none" strike="noStrike">
+                          <a:effectLst/>
+                        </a:rPr>
+                        <a:t>3rd Qu.</a:t>
+                      </a:r>
+                      <a:endParaRPr lang="en-US" sz="1100" b="1" i="0" u="none" strike="noStrike">
+                        <a:solidFill>
+                          <a:srgbClr val="FFFFFF"/>
+                        </a:solidFill>
+                        <a:effectLst/>
+                        <a:latin typeface="Calibri" panose="020F0502020204030204" pitchFamily="34" charset="0"/>
+                      </a:endParaRPr>
+                    </a:p>
+                  </a:txBody>
+                  <a:tcPr marL="9525" marR="9525" marT="9525" marB="0" anchor="ctr"/>
+                </a:tc>
+                <a:tc>
+                  <a:txBody>
+                    <a:bodyPr/>
+                    <a:lstStyle/>
+                    <a:p>
+                      <a:pPr algn="ctr" fontAlgn="ctr"/>
+                      <a:r>
+                        <a:rPr lang="en-US" sz="1100" u="none" strike="noStrike">
+                          <a:effectLst/>
+                        </a:rPr>
+                        <a:t>Max.</a:t>
+                      </a:r>
+                      <a:endParaRPr lang="en-US" sz="1100" b="1" i="0" u="none" strike="noStrike">
+                        <a:solidFill>
+                          <a:srgbClr val="FFFFFF"/>
+                        </a:solidFill>
+                        <a:effectLst/>
+                        <a:latin typeface="Calibri" panose="020F0502020204030204" pitchFamily="34" charset="0"/>
+                      </a:endParaRPr>
+                    </a:p>
+                  </a:txBody>
+                  <a:tcPr marL="9525" marR="9525" marT="9525" marB="0" anchor="ctr"/>
+                </a:tc>
+                <a:tc>
+                  <a:txBody>
+                    <a:bodyPr/>
+                    <a:lstStyle/>
+                    <a:p>
+                      <a:pPr algn="ctr" fontAlgn="ctr"/>
+                      <a:r>
+                        <a:rPr lang="en-US" sz="1100" u="none" strike="noStrike">
+                          <a:effectLst/>
+                        </a:rPr>
+                        <a:t>NA's</a:t>
+                      </a:r>
+                      <a:endParaRPr lang="en-US" sz="1100" b="1" i="0" u="none" strike="noStrike">
+                        <a:solidFill>
+                          <a:srgbClr val="FFFFFF"/>
+                        </a:solidFill>
+                        <a:effectLst/>
+                        <a:latin typeface="Calibri" panose="020F0502020204030204" pitchFamily="34" charset="0"/>
+                      </a:endParaRPr>
+                    </a:p>
+                  </a:txBody>
+                  <a:tcPr marL="9525" marR="9525" marT="9525" marB="0" anchor="ctr"/>
+                </a:tc>
+                <a:extLst>
+                  <a:ext uri="{0D108BD9-81ED-4DB2-BD59-A6C34878D82A}">
+                    <a16:rowId xmlns:a16="http://schemas.microsoft.com/office/drawing/2014/main" val="1888826689"/>
+                  </a:ext>
+                </a:extLst>
+              </a:tr>
+              <a:tr h="200025">
+                <a:tc>
+                  <a:txBody>
+                    <a:bodyPr/>
+                    <a:lstStyle/>
+                    <a:p>
+                      <a:pPr algn="ctr" fontAlgn="ctr"/>
+                      <a:r>
+                        <a:rPr lang="en-US" sz="1000" u="none" strike="noStrike">
+                          <a:effectLst/>
+                        </a:rPr>
+                        <a:t>4.00</a:t>
+                      </a:r>
+                      <a:endParaRPr lang="en-US" sz="1000" b="0" i="0" u="none" strike="noStrike">
+                        <a:solidFill>
+                          <a:srgbClr val="000000"/>
+                        </a:solidFill>
+                        <a:effectLst/>
+                        <a:latin typeface="Lucida Console" panose="020B0609040504020204" pitchFamily="49" charset="0"/>
+                      </a:endParaRPr>
+                    </a:p>
+                  </a:txBody>
+                  <a:tcPr marL="9525" marR="9525" marT="9525" marB="0" anchor="ctr"/>
+                </a:tc>
+                <a:tc>
+                  <a:txBody>
+                    <a:bodyPr/>
+                    <a:lstStyle/>
+                    <a:p>
+                      <a:pPr algn="ctr" fontAlgn="ctr"/>
+                      <a:r>
+                        <a:rPr lang="en-US" sz="1100" u="none" strike="noStrike">
+                          <a:effectLst/>
+                        </a:rPr>
+                        <a:t>21.00</a:t>
+                      </a:r>
+                      <a:endParaRPr lang="en-US" sz="1100" b="0" i="0" u="none" strike="noStrike">
+                        <a:solidFill>
+                          <a:srgbClr val="000000"/>
+                        </a:solidFill>
+                        <a:effectLst/>
+                        <a:latin typeface="Calibri" panose="020F0502020204030204" pitchFamily="34" charset="0"/>
+                      </a:endParaRPr>
+                    </a:p>
+                  </a:txBody>
+                  <a:tcPr marL="9525" marR="9525" marT="9525" marB="0" anchor="ctr"/>
+                </a:tc>
+                <a:tc>
+                  <a:txBody>
+                    <a:bodyPr/>
+                    <a:lstStyle/>
+                    <a:p>
+                      <a:pPr algn="ctr" fontAlgn="ctr"/>
+                      <a:r>
+                        <a:rPr lang="en-US" sz="1100" u="none" strike="noStrike">
+                          <a:effectLst/>
+                        </a:rPr>
+                        <a:t>35.00</a:t>
+                      </a:r>
+                      <a:endParaRPr lang="en-US" sz="1100" b="0" i="0" u="none" strike="noStrike">
+                        <a:solidFill>
+                          <a:srgbClr val="000000"/>
+                        </a:solidFill>
+                        <a:effectLst/>
+                        <a:latin typeface="Calibri" panose="020F0502020204030204" pitchFamily="34" charset="0"/>
+                      </a:endParaRPr>
+                    </a:p>
+                  </a:txBody>
+                  <a:tcPr marL="9525" marR="9525" marT="9525" marB="0" anchor="ctr"/>
+                </a:tc>
+                <a:tc>
+                  <a:txBody>
+                    <a:bodyPr/>
+                    <a:lstStyle/>
+                    <a:p>
+                      <a:pPr algn="ctr" fontAlgn="ctr"/>
+                      <a:r>
+                        <a:rPr lang="en-US" sz="1100" u="none" strike="noStrike">
+                          <a:effectLst/>
+                        </a:rPr>
+                        <a:t>42.71</a:t>
+                      </a:r>
+                      <a:endParaRPr lang="en-US" sz="1100" b="0" i="0" u="none" strike="noStrike">
+                        <a:solidFill>
+                          <a:srgbClr val="000000"/>
+                        </a:solidFill>
+                        <a:effectLst/>
+                        <a:latin typeface="Calibri" panose="020F0502020204030204" pitchFamily="34" charset="0"/>
+                      </a:endParaRPr>
+                    </a:p>
+                  </a:txBody>
+                  <a:tcPr marL="9525" marR="9525" marT="9525" marB="0" anchor="ctr"/>
+                </a:tc>
+                <a:tc>
+                  <a:txBody>
+                    <a:bodyPr/>
+                    <a:lstStyle/>
+                    <a:p>
+                      <a:pPr algn="ctr" fontAlgn="ctr"/>
+                      <a:r>
+                        <a:rPr lang="en-US" sz="1100" u="none" strike="noStrike">
+                          <a:effectLst/>
+                        </a:rPr>
+                        <a:t>64.00</a:t>
+                      </a:r>
+                      <a:endParaRPr lang="en-US" sz="1100" b="0" i="0" u="none" strike="noStrike">
+                        <a:solidFill>
+                          <a:srgbClr val="000000"/>
+                        </a:solidFill>
+                        <a:effectLst/>
+                        <a:latin typeface="Calibri" panose="020F0502020204030204" pitchFamily="34" charset="0"/>
+                      </a:endParaRPr>
+                    </a:p>
+                  </a:txBody>
+                  <a:tcPr marL="9525" marR="9525" marT="9525" marB="0" anchor="ctr"/>
+                </a:tc>
+                <a:tc>
+                  <a:txBody>
+                    <a:bodyPr/>
+                    <a:lstStyle/>
+                    <a:p>
+                      <a:pPr algn="ctr" fontAlgn="ctr"/>
+                      <a:r>
+                        <a:rPr lang="en-US" sz="1100" u="none" strike="noStrike">
+                          <a:effectLst/>
+                        </a:rPr>
+                        <a:t>138.00</a:t>
+                      </a:r>
+                      <a:endParaRPr lang="en-US" sz="1100" b="0" i="0" u="none" strike="noStrike">
+                        <a:solidFill>
+                          <a:srgbClr val="000000"/>
+                        </a:solidFill>
+                        <a:effectLst/>
+                        <a:latin typeface="Calibri" panose="020F0502020204030204" pitchFamily="34" charset="0"/>
+                      </a:endParaRPr>
+                    </a:p>
+                  </a:txBody>
+                  <a:tcPr marL="9525" marR="9525" marT="9525" marB="0" anchor="ctr"/>
+                </a:tc>
+                <a:tc>
+                  <a:txBody>
+                    <a:bodyPr/>
+                    <a:lstStyle/>
+                    <a:p>
+                      <a:pPr algn="ctr" fontAlgn="ctr"/>
+                      <a:r>
+                        <a:rPr lang="en-US" sz="1100" u="none" strike="noStrike" dirty="0">
+                          <a:effectLst/>
+                        </a:rPr>
+                        <a:t>1005</a:t>
+                      </a:r>
+                      <a:endParaRPr lang="en-US" sz="1100" b="0" i="0" u="none" strike="noStrike" dirty="0">
+                        <a:solidFill>
+                          <a:srgbClr val="000000"/>
+                        </a:solidFill>
+                        <a:effectLst/>
+                        <a:latin typeface="Calibri" panose="020F0502020204030204" pitchFamily="34" charset="0"/>
+                      </a:endParaRPr>
+                    </a:p>
+                  </a:txBody>
+                  <a:tcPr marL="9525" marR="9525" marT="9525" marB="0" anchor="ctr"/>
+                </a:tc>
+                <a:extLst>
+                  <a:ext uri="{0D108BD9-81ED-4DB2-BD59-A6C34878D82A}">
+                    <a16:rowId xmlns:a16="http://schemas.microsoft.com/office/drawing/2014/main" val="1822748823"/>
+                  </a:ext>
+                </a:extLst>
+              </a:tr>
+            </a:tbl>
+          </a:graphicData>
+        </a:graphic>
+      </p:graphicFrame>
+      <p:sp>
+        <p:nvSpPr>
+          <p:cNvPr id="38" name="TextBox 37">
+            <a:extLst>
+              <a:ext uri="{FF2B5EF4-FFF2-40B4-BE49-F238E27FC236}">
+                <a16:creationId xmlns:a16="http://schemas.microsoft.com/office/drawing/2014/main" id="{E5AE2027-AEDF-4692-8B69-80657D63FA6E}"/>
+              </a:ext>
+            </a:extLst>
+          </p:cNvPr>
+          <p:cNvSpPr txBox="1"/>
+          <p:nvPr/>
+        </p:nvSpPr>
+        <p:spPr>
+          <a:xfrm>
+            <a:off x="6371447" y="5916384"/>
+            <a:ext cx="2634007" cy="338554"/>
+          </a:xfrm>
+          <a:prstGeom prst="rect">
+            <a:avLst/>
+          </a:prstGeom>
+          <a:noFill/>
+        </p:spPr>
+        <p:txBody>
+          <a:bodyPr wrap="square" rtlCol="0">
+            <a:spAutoFit/>
+          </a:bodyPr>
+          <a:lstStyle/>
+          <a:p>
+            <a:r>
+              <a:rPr lang="en-US" sz="1600" dirty="0"/>
+              <a:t>International Bitterness Units </a:t>
+            </a:r>
+          </a:p>
+        </p:txBody>
+      </p:sp>
     </p:spTree>
     <p:extLst>
       <p:ext uri="{BB962C8B-B14F-4D97-AF65-F5344CB8AC3E}">
-        <p14:creationId xmlns:p14="http://schemas.microsoft.com/office/powerpoint/2010/main" val="786482413"/>
+        <p14:creationId xmlns:p14="http://schemas.microsoft.com/office/powerpoint/2010/main" val="768475211"/>
       </p:ext>
     </p:extLst>
   </p:cSld>
